--- a/map.pptx
+++ b/map.pptx
@@ -245,7 +245,7 @@
           <a:p>
             <a:fld id="{9E3CB987-F6AD-8B45-8BB1-97268D063E8F}" type="datetimeFigureOut">
               <a:rPr lang="en-US" smtClean="0"/>
-              <a:t>12/23/17</a:t>
+              <a:t>12/25/17</a:t>
             </a:fld>
             <a:endParaRPr lang="en-US"/>
           </a:p>
@@ -415,7 +415,7 @@
           <a:p>
             <a:fld id="{9E3CB987-F6AD-8B45-8BB1-97268D063E8F}" type="datetimeFigureOut">
               <a:rPr lang="en-US" smtClean="0"/>
-              <a:t>12/23/17</a:t>
+              <a:t>12/25/17</a:t>
             </a:fld>
             <a:endParaRPr lang="en-US"/>
           </a:p>
@@ -595,7 +595,7 @@
           <a:p>
             <a:fld id="{9E3CB987-F6AD-8B45-8BB1-97268D063E8F}" type="datetimeFigureOut">
               <a:rPr lang="en-US" smtClean="0"/>
-              <a:t>12/23/17</a:t>
+              <a:t>12/25/17</a:t>
             </a:fld>
             <a:endParaRPr lang="en-US"/>
           </a:p>
@@ -765,7 +765,7 @@
           <a:p>
             <a:fld id="{9E3CB987-F6AD-8B45-8BB1-97268D063E8F}" type="datetimeFigureOut">
               <a:rPr lang="en-US" smtClean="0"/>
-              <a:t>12/23/17</a:t>
+              <a:t>12/25/17</a:t>
             </a:fld>
             <a:endParaRPr lang="en-US"/>
           </a:p>
@@ -1011,7 +1011,7 @@
           <a:p>
             <a:fld id="{9E3CB987-F6AD-8B45-8BB1-97268D063E8F}" type="datetimeFigureOut">
               <a:rPr lang="en-US" smtClean="0"/>
-              <a:t>12/23/17</a:t>
+              <a:t>12/25/17</a:t>
             </a:fld>
             <a:endParaRPr lang="en-US"/>
           </a:p>
@@ -1243,7 +1243,7 @@
           <a:p>
             <a:fld id="{9E3CB987-F6AD-8B45-8BB1-97268D063E8F}" type="datetimeFigureOut">
               <a:rPr lang="en-US" smtClean="0"/>
-              <a:t>12/23/17</a:t>
+              <a:t>12/25/17</a:t>
             </a:fld>
             <a:endParaRPr lang="en-US"/>
           </a:p>
@@ -1610,7 +1610,7 @@
           <a:p>
             <a:fld id="{9E3CB987-F6AD-8B45-8BB1-97268D063E8F}" type="datetimeFigureOut">
               <a:rPr lang="en-US" smtClean="0"/>
-              <a:t>12/23/17</a:t>
+              <a:t>12/25/17</a:t>
             </a:fld>
             <a:endParaRPr lang="en-US"/>
           </a:p>
@@ -1728,7 +1728,7 @@
           <a:p>
             <a:fld id="{9E3CB987-F6AD-8B45-8BB1-97268D063E8F}" type="datetimeFigureOut">
               <a:rPr lang="en-US" smtClean="0"/>
-              <a:t>12/23/17</a:t>
+              <a:t>12/25/17</a:t>
             </a:fld>
             <a:endParaRPr lang="en-US"/>
           </a:p>
@@ -1823,7 +1823,7 @@
           <a:p>
             <a:fld id="{9E3CB987-F6AD-8B45-8BB1-97268D063E8F}" type="datetimeFigureOut">
               <a:rPr lang="en-US" smtClean="0"/>
-              <a:t>12/23/17</a:t>
+              <a:t>12/25/17</a:t>
             </a:fld>
             <a:endParaRPr lang="en-US"/>
           </a:p>
@@ -2100,7 +2100,7 @@
           <a:p>
             <a:fld id="{9E3CB987-F6AD-8B45-8BB1-97268D063E8F}" type="datetimeFigureOut">
               <a:rPr lang="en-US" smtClean="0"/>
-              <a:t>12/23/17</a:t>
+              <a:t>12/25/17</a:t>
             </a:fld>
             <a:endParaRPr lang="en-US"/>
           </a:p>
@@ -2357,7 +2357,7 @@
           <a:p>
             <a:fld id="{9E3CB987-F6AD-8B45-8BB1-97268D063E8F}" type="datetimeFigureOut">
               <a:rPr lang="en-US" smtClean="0"/>
-              <a:t>12/23/17</a:t>
+              <a:t>12/25/17</a:t>
             </a:fld>
             <a:endParaRPr lang="en-US"/>
           </a:p>
@@ -2579,7 +2579,7 @@
           <a:p>
             <a:fld id="{9E3CB987-F6AD-8B45-8BB1-97268D063E8F}" type="datetimeFigureOut">
               <a:rPr lang="en-US" smtClean="0"/>
-              <a:t>12/23/17</a:t>
+              <a:t>12/25/17</a:t>
             </a:fld>
             <a:endParaRPr lang="en-US"/>
           </a:p>
@@ -6974,6 +6974,36 @@
           </a:p>
         </p:txBody>
       </p:sp>
+      <p:sp>
+        <p:nvSpPr>
+          <p:cNvPr id="2" name="TextBox 1"/>
+          <p:cNvSpPr txBox="1"/>
+          <p:nvPr/>
+        </p:nvSpPr>
+        <p:spPr>
+          <a:xfrm>
+            <a:off x="9770940" y="4966410"/>
+            <a:ext cx="2003195" cy="369332"/>
+          </a:xfrm>
+          <a:prstGeom prst="rect">
+            <a:avLst/>
+          </a:prstGeom>
+          <a:noFill/>
+        </p:spPr>
+        <p:txBody>
+          <a:bodyPr wrap="square" rtlCol="0">
+            <a:spAutoFit/>
+          </a:bodyPr>
+          <a:lstStyle/>
+          <a:p>
+            <a:r>
+              <a:rPr lang="en-US" b="1" smtClean="0"/>
+              <a:t>Oceanic Circulation</a:t>
+            </a:r>
+            <a:endParaRPr lang="en-US" b="1"/>
+          </a:p>
+        </p:txBody>
+      </p:sp>
     </p:spTree>
     <p:extLst>
       <p:ext uri="{BB962C8B-B14F-4D97-AF65-F5344CB8AC3E}">
@@ -7004,6 +7034,6287 @@
           <a:chExt cx="0" cy="0"/>
         </a:xfrm>
       </p:grpSpPr>
+      <p:sp>
+        <p:nvSpPr>
+          <p:cNvPr id="2" name="TextBox 1"/>
+          <p:cNvSpPr txBox="1"/>
+          <p:nvPr/>
+        </p:nvSpPr>
+        <p:spPr>
+          <a:xfrm>
+            <a:off x="9480331" y="4966410"/>
+            <a:ext cx="2606565" cy="369332"/>
+          </a:xfrm>
+          <a:prstGeom prst="rect">
+            <a:avLst/>
+          </a:prstGeom>
+          <a:noFill/>
+        </p:spPr>
+        <p:txBody>
+          <a:bodyPr wrap="square" rtlCol="0">
+            <a:spAutoFit/>
+          </a:bodyPr>
+          <a:lstStyle/>
+          <a:p>
+            <a:r>
+              <a:rPr lang="en-US" b="1" dirty="0" smtClean="0"/>
+              <a:t>Atmospheric Circulation</a:t>
+            </a:r>
+            <a:endParaRPr lang="en-US" b="1" dirty="0"/>
+          </a:p>
+        </p:txBody>
+      </p:sp>
+      <p:sp>
+        <p:nvSpPr>
+          <p:cNvPr id="3" name="Freeform 2"/>
+          <p:cNvSpPr/>
+          <p:nvPr/>
+        </p:nvSpPr>
+        <p:spPr>
+          <a:xfrm rot="10386260" flipV="1">
+            <a:off x="3856706" y="4531187"/>
+            <a:ext cx="1120915" cy="138843"/>
+          </a:xfrm>
+          <a:custGeom>
+            <a:avLst/>
+            <a:gdLst>
+              <a:gd name="connsiteX0" fmla="*/ 1183341 w 1183341"/>
+              <a:gd name="connsiteY0" fmla="*/ 94129 h 217421"/>
+              <a:gd name="connsiteX1" fmla="*/ 618564 w 1183341"/>
+              <a:gd name="connsiteY1" fmla="*/ 215152 h 217421"/>
+              <a:gd name="connsiteX2" fmla="*/ 0 w 1183341"/>
+              <a:gd name="connsiteY2" fmla="*/ 0 h 217421"/>
+              <a:gd name="connsiteX3" fmla="*/ 0 w 1183341"/>
+              <a:gd name="connsiteY3" fmla="*/ 0 h 217421"/>
+            </a:gdLst>
+            <a:ahLst/>
+            <a:cxnLst>
+              <a:cxn ang="0">
+                <a:pos x="connsiteX0" y="connsiteY0"/>
+              </a:cxn>
+              <a:cxn ang="0">
+                <a:pos x="connsiteX1" y="connsiteY1"/>
+              </a:cxn>
+              <a:cxn ang="0">
+                <a:pos x="connsiteX2" y="connsiteY2"/>
+              </a:cxn>
+              <a:cxn ang="0">
+                <a:pos x="connsiteX3" y="connsiteY3"/>
+              </a:cxn>
+            </a:cxnLst>
+            <a:rect l="l" t="t" r="r" b="b"/>
+            <a:pathLst>
+              <a:path w="1183341" h="217421">
+                <a:moveTo>
+                  <a:pt x="1183341" y="94129"/>
+                </a:moveTo>
+                <a:cubicBezTo>
+                  <a:pt x="999564" y="162484"/>
+                  <a:pt x="815788" y="230840"/>
+                  <a:pt x="618564" y="215152"/>
+                </a:cubicBezTo>
+                <a:cubicBezTo>
+                  <a:pt x="421340" y="199464"/>
+                  <a:pt x="0" y="0"/>
+                  <a:pt x="0" y="0"/>
+                </a:cubicBezTo>
+                <a:lnTo>
+                  <a:pt x="0" y="0"/>
+                </a:lnTo>
+              </a:path>
+            </a:pathLst>
+          </a:custGeom>
+          <a:noFill/>
+          <a:ln w="38100">
+            <a:solidFill>
+              <a:schemeClr val="accent1">
+                <a:lumMod val="75000"/>
+              </a:schemeClr>
+            </a:solidFill>
+            <a:tailEnd type="triangle" w="lg" len="med"/>
+          </a:ln>
+        </p:spPr>
+        <p:style>
+          <a:lnRef idx="2">
+            <a:schemeClr val="accent1">
+              <a:shade val="50000"/>
+            </a:schemeClr>
+          </a:lnRef>
+          <a:fillRef idx="1">
+            <a:schemeClr val="accent1"/>
+          </a:fillRef>
+          <a:effectRef idx="0">
+            <a:schemeClr val="accent1"/>
+          </a:effectRef>
+          <a:fontRef idx="minor">
+            <a:schemeClr val="lt1"/>
+          </a:fontRef>
+        </p:style>
+        <p:txBody>
+          <a:bodyPr rtlCol="0" anchor="ctr"/>
+          <a:lstStyle/>
+          <a:p>
+            <a:pPr algn="ctr"/>
+            <a:endParaRPr lang="en-US"/>
+          </a:p>
+        </p:txBody>
+      </p:sp>
+      <p:sp>
+        <p:nvSpPr>
+          <p:cNvPr id="4" name="Freeform 3"/>
+          <p:cNvSpPr/>
+          <p:nvPr/>
+        </p:nvSpPr>
+        <p:spPr>
+          <a:xfrm rot="10386260" flipV="1">
+            <a:off x="5356416" y="4165990"/>
+            <a:ext cx="855865" cy="45719"/>
+          </a:xfrm>
+          <a:custGeom>
+            <a:avLst/>
+            <a:gdLst>
+              <a:gd name="connsiteX0" fmla="*/ 1183341 w 1183341"/>
+              <a:gd name="connsiteY0" fmla="*/ 94129 h 217421"/>
+              <a:gd name="connsiteX1" fmla="*/ 618564 w 1183341"/>
+              <a:gd name="connsiteY1" fmla="*/ 215152 h 217421"/>
+              <a:gd name="connsiteX2" fmla="*/ 0 w 1183341"/>
+              <a:gd name="connsiteY2" fmla="*/ 0 h 217421"/>
+              <a:gd name="connsiteX3" fmla="*/ 0 w 1183341"/>
+              <a:gd name="connsiteY3" fmla="*/ 0 h 217421"/>
+            </a:gdLst>
+            <a:ahLst/>
+            <a:cxnLst>
+              <a:cxn ang="0">
+                <a:pos x="connsiteX0" y="connsiteY0"/>
+              </a:cxn>
+              <a:cxn ang="0">
+                <a:pos x="connsiteX1" y="connsiteY1"/>
+              </a:cxn>
+              <a:cxn ang="0">
+                <a:pos x="connsiteX2" y="connsiteY2"/>
+              </a:cxn>
+              <a:cxn ang="0">
+                <a:pos x="connsiteX3" y="connsiteY3"/>
+              </a:cxn>
+            </a:cxnLst>
+            <a:rect l="l" t="t" r="r" b="b"/>
+            <a:pathLst>
+              <a:path w="1183341" h="217421">
+                <a:moveTo>
+                  <a:pt x="1183341" y="94129"/>
+                </a:moveTo>
+                <a:cubicBezTo>
+                  <a:pt x="999564" y="162484"/>
+                  <a:pt x="815788" y="230840"/>
+                  <a:pt x="618564" y="215152"/>
+                </a:cubicBezTo>
+                <a:cubicBezTo>
+                  <a:pt x="421340" y="199464"/>
+                  <a:pt x="0" y="0"/>
+                  <a:pt x="0" y="0"/>
+                </a:cubicBezTo>
+                <a:lnTo>
+                  <a:pt x="0" y="0"/>
+                </a:lnTo>
+              </a:path>
+            </a:pathLst>
+          </a:custGeom>
+          <a:noFill/>
+          <a:ln w="38100">
+            <a:solidFill>
+              <a:schemeClr val="accent1">
+                <a:lumMod val="75000"/>
+              </a:schemeClr>
+            </a:solidFill>
+            <a:tailEnd type="triangle" w="lg" len="med"/>
+          </a:ln>
+        </p:spPr>
+        <p:style>
+          <a:lnRef idx="2">
+            <a:schemeClr val="accent1">
+              <a:shade val="50000"/>
+            </a:schemeClr>
+          </a:lnRef>
+          <a:fillRef idx="1">
+            <a:schemeClr val="accent1"/>
+          </a:fillRef>
+          <a:effectRef idx="0">
+            <a:schemeClr val="accent1"/>
+          </a:effectRef>
+          <a:fontRef idx="minor">
+            <a:schemeClr val="lt1"/>
+          </a:fontRef>
+        </p:style>
+        <p:txBody>
+          <a:bodyPr rtlCol="0" anchor="ctr"/>
+          <a:lstStyle/>
+          <a:p>
+            <a:pPr algn="ctr"/>
+            <a:endParaRPr lang="en-US"/>
+          </a:p>
+        </p:txBody>
+      </p:sp>
+      <p:sp>
+        <p:nvSpPr>
+          <p:cNvPr id="5" name="Freeform 4"/>
+          <p:cNvSpPr/>
+          <p:nvPr/>
+        </p:nvSpPr>
+        <p:spPr>
+          <a:xfrm rot="9720054" flipV="1">
+            <a:off x="3517837" y="3997095"/>
+            <a:ext cx="991001" cy="114518"/>
+          </a:xfrm>
+          <a:custGeom>
+            <a:avLst/>
+            <a:gdLst>
+              <a:gd name="connsiteX0" fmla="*/ 1183341 w 1183341"/>
+              <a:gd name="connsiteY0" fmla="*/ 94129 h 217421"/>
+              <a:gd name="connsiteX1" fmla="*/ 618564 w 1183341"/>
+              <a:gd name="connsiteY1" fmla="*/ 215152 h 217421"/>
+              <a:gd name="connsiteX2" fmla="*/ 0 w 1183341"/>
+              <a:gd name="connsiteY2" fmla="*/ 0 h 217421"/>
+              <a:gd name="connsiteX3" fmla="*/ 0 w 1183341"/>
+              <a:gd name="connsiteY3" fmla="*/ 0 h 217421"/>
+            </a:gdLst>
+            <a:ahLst/>
+            <a:cxnLst>
+              <a:cxn ang="0">
+                <a:pos x="connsiteX0" y="connsiteY0"/>
+              </a:cxn>
+              <a:cxn ang="0">
+                <a:pos x="connsiteX1" y="connsiteY1"/>
+              </a:cxn>
+              <a:cxn ang="0">
+                <a:pos x="connsiteX2" y="connsiteY2"/>
+              </a:cxn>
+              <a:cxn ang="0">
+                <a:pos x="connsiteX3" y="connsiteY3"/>
+              </a:cxn>
+            </a:cxnLst>
+            <a:rect l="l" t="t" r="r" b="b"/>
+            <a:pathLst>
+              <a:path w="1183341" h="217421">
+                <a:moveTo>
+                  <a:pt x="1183341" y="94129"/>
+                </a:moveTo>
+                <a:cubicBezTo>
+                  <a:pt x="999564" y="162484"/>
+                  <a:pt x="815788" y="230840"/>
+                  <a:pt x="618564" y="215152"/>
+                </a:cubicBezTo>
+                <a:cubicBezTo>
+                  <a:pt x="421340" y="199464"/>
+                  <a:pt x="0" y="0"/>
+                  <a:pt x="0" y="0"/>
+                </a:cubicBezTo>
+                <a:lnTo>
+                  <a:pt x="0" y="0"/>
+                </a:lnTo>
+              </a:path>
+            </a:pathLst>
+          </a:custGeom>
+          <a:noFill/>
+          <a:ln w="38100">
+            <a:solidFill>
+              <a:schemeClr val="accent1">
+                <a:lumMod val="75000"/>
+              </a:schemeClr>
+            </a:solidFill>
+            <a:tailEnd type="triangle" w="lg" len="med"/>
+          </a:ln>
+        </p:spPr>
+        <p:style>
+          <a:lnRef idx="2">
+            <a:schemeClr val="accent1">
+              <a:shade val="50000"/>
+            </a:schemeClr>
+          </a:lnRef>
+          <a:fillRef idx="1">
+            <a:schemeClr val="accent1"/>
+          </a:fillRef>
+          <a:effectRef idx="0">
+            <a:schemeClr val="accent1"/>
+          </a:effectRef>
+          <a:fontRef idx="minor">
+            <a:schemeClr val="lt1"/>
+          </a:fontRef>
+        </p:style>
+        <p:txBody>
+          <a:bodyPr rtlCol="0" anchor="ctr"/>
+          <a:lstStyle/>
+          <a:p>
+            <a:pPr algn="ctr"/>
+            <a:endParaRPr lang="en-US"/>
+          </a:p>
+        </p:txBody>
+      </p:sp>
+      <p:sp>
+        <p:nvSpPr>
+          <p:cNvPr id="6" name="Freeform 5"/>
+          <p:cNvSpPr/>
+          <p:nvPr/>
+        </p:nvSpPr>
+        <p:spPr>
+          <a:xfrm rot="9844455" flipV="1">
+            <a:off x="5573559" y="4565365"/>
+            <a:ext cx="855865" cy="73748"/>
+          </a:xfrm>
+          <a:custGeom>
+            <a:avLst/>
+            <a:gdLst>
+              <a:gd name="connsiteX0" fmla="*/ 1183341 w 1183341"/>
+              <a:gd name="connsiteY0" fmla="*/ 94129 h 217421"/>
+              <a:gd name="connsiteX1" fmla="*/ 618564 w 1183341"/>
+              <a:gd name="connsiteY1" fmla="*/ 215152 h 217421"/>
+              <a:gd name="connsiteX2" fmla="*/ 0 w 1183341"/>
+              <a:gd name="connsiteY2" fmla="*/ 0 h 217421"/>
+              <a:gd name="connsiteX3" fmla="*/ 0 w 1183341"/>
+              <a:gd name="connsiteY3" fmla="*/ 0 h 217421"/>
+            </a:gdLst>
+            <a:ahLst/>
+            <a:cxnLst>
+              <a:cxn ang="0">
+                <a:pos x="connsiteX0" y="connsiteY0"/>
+              </a:cxn>
+              <a:cxn ang="0">
+                <a:pos x="connsiteX1" y="connsiteY1"/>
+              </a:cxn>
+              <a:cxn ang="0">
+                <a:pos x="connsiteX2" y="connsiteY2"/>
+              </a:cxn>
+              <a:cxn ang="0">
+                <a:pos x="connsiteX3" y="connsiteY3"/>
+              </a:cxn>
+            </a:cxnLst>
+            <a:rect l="l" t="t" r="r" b="b"/>
+            <a:pathLst>
+              <a:path w="1183341" h="217421">
+                <a:moveTo>
+                  <a:pt x="1183341" y="94129"/>
+                </a:moveTo>
+                <a:cubicBezTo>
+                  <a:pt x="999564" y="162484"/>
+                  <a:pt x="815788" y="230840"/>
+                  <a:pt x="618564" y="215152"/>
+                </a:cubicBezTo>
+                <a:cubicBezTo>
+                  <a:pt x="421340" y="199464"/>
+                  <a:pt x="0" y="0"/>
+                  <a:pt x="0" y="0"/>
+                </a:cubicBezTo>
+                <a:lnTo>
+                  <a:pt x="0" y="0"/>
+                </a:lnTo>
+              </a:path>
+            </a:pathLst>
+          </a:custGeom>
+          <a:noFill/>
+          <a:ln w="38100">
+            <a:solidFill>
+              <a:schemeClr val="accent1">
+                <a:lumMod val="75000"/>
+              </a:schemeClr>
+            </a:solidFill>
+            <a:tailEnd type="triangle" w="lg" len="med"/>
+          </a:ln>
+        </p:spPr>
+        <p:style>
+          <a:lnRef idx="2">
+            <a:schemeClr val="accent1">
+              <a:shade val="50000"/>
+            </a:schemeClr>
+          </a:lnRef>
+          <a:fillRef idx="1">
+            <a:schemeClr val="accent1"/>
+          </a:fillRef>
+          <a:effectRef idx="0">
+            <a:schemeClr val="accent1"/>
+          </a:effectRef>
+          <a:fontRef idx="minor">
+            <a:schemeClr val="lt1"/>
+          </a:fontRef>
+        </p:style>
+        <p:txBody>
+          <a:bodyPr rtlCol="0" anchor="ctr"/>
+          <a:lstStyle/>
+          <a:p>
+            <a:pPr algn="ctr"/>
+            <a:endParaRPr lang="en-US"/>
+          </a:p>
+        </p:txBody>
+      </p:sp>
+      <p:sp>
+        <p:nvSpPr>
+          <p:cNvPr id="7" name="Freeform 6"/>
+          <p:cNvSpPr/>
+          <p:nvPr/>
+        </p:nvSpPr>
+        <p:spPr>
+          <a:xfrm rot="10473781" flipV="1">
+            <a:off x="2677822" y="4653008"/>
+            <a:ext cx="698305" cy="45719"/>
+          </a:xfrm>
+          <a:custGeom>
+            <a:avLst/>
+            <a:gdLst>
+              <a:gd name="connsiteX0" fmla="*/ 1183341 w 1183341"/>
+              <a:gd name="connsiteY0" fmla="*/ 94129 h 217421"/>
+              <a:gd name="connsiteX1" fmla="*/ 618564 w 1183341"/>
+              <a:gd name="connsiteY1" fmla="*/ 215152 h 217421"/>
+              <a:gd name="connsiteX2" fmla="*/ 0 w 1183341"/>
+              <a:gd name="connsiteY2" fmla="*/ 0 h 217421"/>
+              <a:gd name="connsiteX3" fmla="*/ 0 w 1183341"/>
+              <a:gd name="connsiteY3" fmla="*/ 0 h 217421"/>
+            </a:gdLst>
+            <a:ahLst/>
+            <a:cxnLst>
+              <a:cxn ang="0">
+                <a:pos x="connsiteX0" y="connsiteY0"/>
+              </a:cxn>
+              <a:cxn ang="0">
+                <a:pos x="connsiteX1" y="connsiteY1"/>
+              </a:cxn>
+              <a:cxn ang="0">
+                <a:pos x="connsiteX2" y="connsiteY2"/>
+              </a:cxn>
+              <a:cxn ang="0">
+                <a:pos x="connsiteX3" y="connsiteY3"/>
+              </a:cxn>
+            </a:cxnLst>
+            <a:rect l="l" t="t" r="r" b="b"/>
+            <a:pathLst>
+              <a:path w="1183341" h="217421">
+                <a:moveTo>
+                  <a:pt x="1183341" y="94129"/>
+                </a:moveTo>
+                <a:cubicBezTo>
+                  <a:pt x="999564" y="162484"/>
+                  <a:pt x="815788" y="230840"/>
+                  <a:pt x="618564" y="215152"/>
+                </a:cubicBezTo>
+                <a:cubicBezTo>
+                  <a:pt x="421340" y="199464"/>
+                  <a:pt x="0" y="0"/>
+                  <a:pt x="0" y="0"/>
+                </a:cubicBezTo>
+                <a:lnTo>
+                  <a:pt x="0" y="0"/>
+                </a:lnTo>
+              </a:path>
+            </a:pathLst>
+          </a:custGeom>
+          <a:noFill/>
+          <a:ln w="38100">
+            <a:solidFill>
+              <a:schemeClr val="accent1">
+                <a:lumMod val="75000"/>
+              </a:schemeClr>
+            </a:solidFill>
+            <a:tailEnd type="triangle" w="lg" len="med"/>
+          </a:ln>
+        </p:spPr>
+        <p:style>
+          <a:lnRef idx="2">
+            <a:schemeClr val="accent1">
+              <a:shade val="50000"/>
+            </a:schemeClr>
+          </a:lnRef>
+          <a:fillRef idx="1">
+            <a:schemeClr val="accent1"/>
+          </a:fillRef>
+          <a:effectRef idx="0">
+            <a:schemeClr val="accent1"/>
+          </a:effectRef>
+          <a:fontRef idx="minor">
+            <a:schemeClr val="lt1"/>
+          </a:fontRef>
+        </p:style>
+        <p:txBody>
+          <a:bodyPr rtlCol="0" anchor="ctr"/>
+          <a:lstStyle/>
+          <a:p>
+            <a:pPr algn="ctr"/>
+            <a:endParaRPr lang="en-US"/>
+          </a:p>
+        </p:txBody>
+      </p:sp>
+      <p:sp>
+        <p:nvSpPr>
+          <p:cNvPr id="8" name="Freeform 7"/>
+          <p:cNvSpPr/>
+          <p:nvPr/>
+        </p:nvSpPr>
+        <p:spPr>
+          <a:xfrm rot="6245578" flipV="1">
+            <a:off x="2795316" y="3648747"/>
+            <a:ext cx="809511" cy="354808"/>
+          </a:xfrm>
+          <a:custGeom>
+            <a:avLst/>
+            <a:gdLst>
+              <a:gd name="connsiteX0" fmla="*/ 1183341 w 1183341"/>
+              <a:gd name="connsiteY0" fmla="*/ 94129 h 217421"/>
+              <a:gd name="connsiteX1" fmla="*/ 618564 w 1183341"/>
+              <a:gd name="connsiteY1" fmla="*/ 215152 h 217421"/>
+              <a:gd name="connsiteX2" fmla="*/ 0 w 1183341"/>
+              <a:gd name="connsiteY2" fmla="*/ 0 h 217421"/>
+              <a:gd name="connsiteX3" fmla="*/ 0 w 1183341"/>
+              <a:gd name="connsiteY3" fmla="*/ 0 h 217421"/>
+            </a:gdLst>
+            <a:ahLst/>
+            <a:cxnLst>
+              <a:cxn ang="0">
+                <a:pos x="connsiteX0" y="connsiteY0"/>
+              </a:cxn>
+              <a:cxn ang="0">
+                <a:pos x="connsiteX1" y="connsiteY1"/>
+              </a:cxn>
+              <a:cxn ang="0">
+                <a:pos x="connsiteX2" y="connsiteY2"/>
+              </a:cxn>
+              <a:cxn ang="0">
+                <a:pos x="connsiteX3" y="connsiteY3"/>
+              </a:cxn>
+            </a:cxnLst>
+            <a:rect l="l" t="t" r="r" b="b"/>
+            <a:pathLst>
+              <a:path w="1183341" h="217421">
+                <a:moveTo>
+                  <a:pt x="1183341" y="94129"/>
+                </a:moveTo>
+                <a:cubicBezTo>
+                  <a:pt x="999564" y="162484"/>
+                  <a:pt x="815788" y="230840"/>
+                  <a:pt x="618564" y="215152"/>
+                </a:cubicBezTo>
+                <a:cubicBezTo>
+                  <a:pt x="421340" y="199464"/>
+                  <a:pt x="0" y="0"/>
+                  <a:pt x="0" y="0"/>
+                </a:cubicBezTo>
+                <a:lnTo>
+                  <a:pt x="0" y="0"/>
+                </a:lnTo>
+              </a:path>
+            </a:pathLst>
+          </a:custGeom>
+          <a:noFill/>
+          <a:ln w="38100">
+            <a:solidFill>
+              <a:schemeClr val="accent1">
+                <a:lumMod val="75000"/>
+              </a:schemeClr>
+            </a:solidFill>
+            <a:tailEnd type="triangle" w="lg" len="med"/>
+          </a:ln>
+        </p:spPr>
+        <p:style>
+          <a:lnRef idx="2">
+            <a:schemeClr val="accent1">
+              <a:shade val="50000"/>
+            </a:schemeClr>
+          </a:lnRef>
+          <a:fillRef idx="1">
+            <a:schemeClr val="accent1"/>
+          </a:fillRef>
+          <a:effectRef idx="0">
+            <a:schemeClr val="accent1"/>
+          </a:effectRef>
+          <a:fontRef idx="minor">
+            <a:schemeClr val="lt1"/>
+          </a:fontRef>
+        </p:style>
+        <p:txBody>
+          <a:bodyPr rtlCol="0" anchor="ctr"/>
+          <a:lstStyle/>
+          <a:p>
+            <a:pPr algn="ctr"/>
+            <a:endParaRPr lang="en-US"/>
+          </a:p>
+        </p:txBody>
+      </p:sp>
+      <p:sp>
+        <p:nvSpPr>
+          <p:cNvPr id="9" name="Freeform 8"/>
+          <p:cNvSpPr/>
+          <p:nvPr/>
+        </p:nvSpPr>
+        <p:spPr>
+          <a:xfrm rot="9736061">
+            <a:off x="1365579" y="4607326"/>
+            <a:ext cx="843346" cy="58410"/>
+          </a:xfrm>
+          <a:custGeom>
+            <a:avLst/>
+            <a:gdLst>
+              <a:gd name="connsiteX0" fmla="*/ 1183341 w 1183341"/>
+              <a:gd name="connsiteY0" fmla="*/ 94129 h 217421"/>
+              <a:gd name="connsiteX1" fmla="*/ 618564 w 1183341"/>
+              <a:gd name="connsiteY1" fmla="*/ 215152 h 217421"/>
+              <a:gd name="connsiteX2" fmla="*/ 0 w 1183341"/>
+              <a:gd name="connsiteY2" fmla="*/ 0 h 217421"/>
+              <a:gd name="connsiteX3" fmla="*/ 0 w 1183341"/>
+              <a:gd name="connsiteY3" fmla="*/ 0 h 217421"/>
+            </a:gdLst>
+            <a:ahLst/>
+            <a:cxnLst>
+              <a:cxn ang="0">
+                <a:pos x="connsiteX0" y="connsiteY0"/>
+              </a:cxn>
+              <a:cxn ang="0">
+                <a:pos x="connsiteX1" y="connsiteY1"/>
+              </a:cxn>
+              <a:cxn ang="0">
+                <a:pos x="connsiteX2" y="connsiteY2"/>
+              </a:cxn>
+              <a:cxn ang="0">
+                <a:pos x="connsiteX3" y="connsiteY3"/>
+              </a:cxn>
+            </a:cxnLst>
+            <a:rect l="l" t="t" r="r" b="b"/>
+            <a:pathLst>
+              <a:path w="1183341" h="217421">
+                <a:moveTo>
+                  <a:pt x="1183341" y="94129"/>
+                </a:moveTo>
+                <a:cubicBezTo>
+                  <a:pt x="999564" y="162484"/>
+                  <a:pt x="815788" y="230840"/>
+                  <a:pt x="618564" y="215152"/>
+                </a:cubicBezTo>
+                <a:cubicBezTo>
+                  <a:pt x="421340" y="199464"/>
+                  <a:pt x="0" y="0"/>
+                  <a:pt x="0" y="0"/>
+                </a:cubicBezTo>
+                <a:lnTo>
+                  <a:pt x="0" y="0"/>
+                </a:lnTo>
+              </a:path>
+            </a:pathLst>
+          </a:custGeom>
+          <a:noFill/>
+          <a:ln w="38100">
+            <a:solidFill>
+              <a:schemeClr val="accent1">
+                <a:lumMod val="75000"/>
+              </a:schemeClr>
+            </a:solidFill>
+            <a:tailEnd type="triangle" w="lg" len="med"/>
+          </a:ln>
+        </p:spPr>
+        <p:style>
+          <a:lnRef idx="2">
+            <a:schemeClr val="accent1">
+              <a:shade val="50000"/>
+            </a:schemeClr>
+          </a:lnRef>
+          <a:fillRef idx="1">
+            <a:schemeClr val="accent1"/>
+          </a:fillRef>
+          <a:effectRef idx="0">
+            <a:schemeClr val="accent1"/>
+          </a:effectRef>
+          <a:fontRef idx="minor">
+            <a:schemeClr val="lt1"/>
+          </a:fontRef>
+        </p:style>
+        <p:txBody>
+          <a:bodyPr rtlCol="0" anchor="ctr"/>
+          <a:lstStyle/>
+          <a:p>
+            <a:pPr algn="ctr"/>
+            <a:endParaRPr lang="en-US"/>
+          </a:p>
+        </p:txBody>
+      </p:sp>
+      <p:sp>
+        <p:nvSpPr>
+          <p:cNvPr id="10" name="Freeform 9"/>
+          <p:cNvSpPr/>
+          <p:nvPr/>
+        </p:nvSpPr>
+        <p:spPr>
+          <a:xfrm rot="10452189">
+            <a:off x="6832729" y="4363548"/>
+            <a:ext cx="843346" cy="58410"/>
+          </a:xfrm>
+          <a:custGeom>
+            <a:avLst/>
+            <a:gdLst>
+              <a:gd name="connsiteX0" fmla="*/ 1183341 w 1183341"/>
+              <a:gd name="connsiteY0" fmla="*/ 94129 h 217421"/>
+              <a:gd name="connsiteX1" fmla="*/ 618564 w 1183341"/>
+              <a:gd name="connsiteY1" fmla="*/ 215152 h 217421"/>
+              <a:gd name="connsiteX2" fmla="*/ 0 w 1183341"/>
+              <a:gd name="connsiteY2" fmla="*/ 0 h 217421"/>
+              <a:gd name="connsiteX3" fmla="*/ 0 w 1183341"/>
+              <a:gd name="connsiteY3" fmla="*/ 0 h 217421"/>
+            </a:gdLst>
+            <a:ahLst/>
+            <a:cxnLst>
+              <a:cxn ang="0">
+                <a:pos x="connsiteX0" y="connsiteY0"/>
+              </a:cxn>
+              <a:cxn ang="0">
+                <a:pos x="connsiteX1" y="connsiteY1"/>
+              </a:cxn>
+              <a:cxn ang="0">
+                <a:pos x="connsiteX2" y="connsiteY2"/>
+              </a:cxn>
+              <a:cxn ang="0">
+                <a:pos x="connsiteX3" y="connsiteY3"/>
+              </a:cxn>
+            </a:cxnLst>
+            <a:rect l="l" t="t" r="r" b="b"/>
+            <a:pathLst>
+              <a:path w="1183341" h="217421">
+                <a:moveTo>
+                  <a:pt x="1183341" y="94129"/>
+                </a:moveTo>
+                <a:cubicBezTo>
+                  <a:pt x="999564" y="162484"/>
+                  <a:pt x="815788" y="230840"/>
+                  <a:pt x="618564" y="215152"/>
+                </a:cubicBezTo>
+                <a:cubicBezTo>
+                  <a:pt x="421340" y="199464"/>
+                  <a:pt x="0" y="0"/>
+                  <a:pt x="0" y="0"/>
+                </a:cubicBezTo>
+                <a:lnTo>
+                  <a:pt x="0" y="0"/>
+                </a:lnTo>
+              </a:path>
+            </a:pathLst>
+          </a:custGeom>
+          <a:noFill/>
+          <a:ln w="38100">
+            <a:solidFill>
+              <a:schemeClr val="accent1">
+                <a:lumMod val="75000"/>
+              </a:schemeClr>
+            </a:solidFill>
+            <a:tailEnd type="triangle" w="lg" len="med"/>
+          </a:ln>
+        </p:spPr>
+        <p:style>
+          <a:lnRef idx="2">
+            <a:schemeClr val="accent1">
+              <a:shade val="50000"/>
+            </a:schemeClr>
+          </a:lnRef>
+          <a:fillRef idx="1">
+            <a:schemeClr val="accent1"/>
+          </a:fillRef>
+          <a:effectRef idx="0">
+            <a:schemeClr val="accent1"/>
+          </a:effectRef>
+          <a:fontRef idx="minor">
+            <a:schemeClr val="lt1"/>
+          </a:fontRef>
+        </p:style>
+        <p:txBody>
+          <a:bodyPr rtlCol="0" anchor="ctr"/>
+          <a:lstStyle/>
+          <a:p>
+            <a:pPr algn="ctr"/>
+            <a:endParaRPr lang="en-US"/>
+          </a:p>
+        </p:txBody>
+      </p:sp>
+      <p:sp>
+        <p:nvSpPr>
+          <p:cNvPr id="11" name="Freeform 10"/>
+          <p:cNvSpPr/>
+          <p:nvPr/>
+        </p:nvSpPr>
+        <p:spPr>
+          <a:xfrm rot="10386260" flipV="1">
+            <a:off x="7842676" y="4641186"/>
+            <a:ext cx="855865" cy="45719"/>
+          </a:xfrm>
+          <a:custGeom>
+            <a:avLst/>
+            <a:gdLst>
+              <a:gd name="connsiteX0" fmla="*/ 1183341 w 1183341"/>
+              <a:gd name="connsiteY0" fmla="*/ 94129 h 217421"/>
+              <a:gd name="connsiteX1" fmla="*/ 618564 w 1183341"/>
+              <a:gd name="connsiteY1" fmla="*/ 215152 h 217421"/>
+              <a:gd name="connsiteX2" fmla="*/ 0 w 1183341"/>
+              <a:gd name="connsiteY2" fmla="*/ 0 h 217421"/>
+              <a:gd name="connsiteX3" fmla="*/ 0 w 1183341"/>
+              <a:gd name="connsiteY3" fmla="*/ 0 h 217421"/>
+            </a:gdLst>
+            <a:ahLst/>
+            <a:cxnLst>
+              <a:cxn ang="0">
+                <a:pos x="connsiteX0" y="connsiteY0"/>
+              </a:cxn>
+              <a:cxn ang="0">
+                <a:pos x="connsiteX1" y="connsiteY1"/>
+              </a:cxn>
+              <a:cxn ang="0">
+                <a:pos x="connsiteX2" y="connsiteY2"/>
+              </a:cxn>
+              <a:cxn ang="0">
+                <a:pos x="connsiteX3" y="connsiteY3"/>
+              </a:cxn>
+            </a:cxnLst>
+            <a:rect l="l" t="t" r="r" b="b"/>
+            <a:pathLst>
+              <a:path w="1183341" h="217421">
+                <a:moveTo>
+                  <a:pt x="1183341" y="94129"/>
+                </a:moveTo>
+                <a:cubicBezTo>
+                  <a:pt x="999564" y="162484"/>
+                  <a:pt x="815788" y="230840"/>
+                  <a:pt x="618564" y="215152"/>
+                </a:cubicBezTo>
+                <a:cubicBezTo>
+                  <a:pt x="421340" y="199464"/>
+                  <a:pt x="0" y="0"/>
+                  <a:pt x="0" y="0"/>
+                </a:cubicBezTo>
+                <a:lnTo>
+                  <a:pt x="0" y="0"/>
+                </a:lnTo>
+              </a:path>
+            </a:pathLst>
+          </a:custGeom>
+          <a:noFill/>
+          <a:ln w="38100">
+            <a:solidFill>
+              <a:schemeClr val="accent1">
+                <a:lumMod val="75000"/>
+              </a:schemeClr>
+            </a:solidFill>
+            <a:tailEnd type="triangle" w="lg" len="med"/>
+          </a:ln>
+        </p:spPr>
+        <p:style>
+          <a:lnRef idx="2">
+            <a:schemeClr val="accent1">
+              <a:shade val="50000"/>
+            </a:schemeClr>
+          </a:lnRef>
+          <a:fillRef idx="1">
+            <a:schemeClr val="accent1"/>
+          </a:fillRef>
+          <a:effectRef idx="0">
+            <a:schemeClr val="accent1"/>
+          </a:effectRef>
+          <a:fontRef idx="minor">
+            <a:schemeClr val="lt1"/>
+          </a:fontRef>
+        </p:style>
+        <p:txBody>
+          <a:bodyPr rtlCol="0" anchor="ctr"/>
+          <a:lstStyle/>
+          <a:p>
+            <a:pPr algn="ctr"/>
+            <a:endParaRPr lang="en-US"/>
+          </a:p>
+        </p:txBody>
+      </p:sp>
+      <p:sp>
+        <p:nvSpPr>
+          <p:cNvPr id="12" name="Freeform 11"/>
+          <p:cNvSpPr/>
+          <p:nvPr/>
+        </p:nvSpPr>
+        <p:spPr>
+          <a:xfrm rot="10012731" flipV="1">
+            <a:off x="8641390" y="4686157"/>
+            <a:ext cx="855865" cy="73748"/>
+          </a:xfrm>
+          <a:custGeom>
+            <a:avLst/>
+            <a:gdLst>
+              <a:gd name="connsiteX0" fmla="*/ 1183341 w 1183341"/>
+              <a:gd name="connsiteY0" fmla="*/ 94129 h 217421"/>
+              <a:gd name="connsiteX1" fmla="*/ 618564 w 1183341"/>
+              <a:gd name="connsiteY1" fmla="*/ 215152 h 217421"/>
+              <a:gd name="connsiteX2" fmla="*/ 0 w 1183341"/>
+              <a:gd name="connsiteY2" fmla="*/ 0 h 217421"/>
+              <a:gd name="connsiteX3" fmla="*/ 0 w 1183341"/>
+              <a:gd name="connsiteY3" fmla="*/ 0 h 217421"/>
+            </a:gdLst>
+            <a:ahLst/>
+            <a:cxnLst>
+              <a:cxn ang="0">
+                <a:pos x="connsiteX0" y="connsiteY0"/>
+              </a:cxn>
+              <a:cxn ang="0">
+                <a:pos x="connsiteX1" y="connsiteY1"/>
+              </a:cxn>
+              <a:cxn ang="0">
+                <a:pos x="connsiteX2" y="connsiteY2"/>
+              </a:cxn>
+              <a:cxn ang="0">
+                <a:pos x="connsiteX3" y="connsiteY3"/>
+              </a:cxn>
+            </a:cxnLst>
+            <a:rect l="l" t="t" r="r" b="b"/>
+            <a:pathLst>
+              <a:path w="1183341" h="217421">
+                <a:moveTo>
+                  <a:pt x="1183341" y="94129"/>
+                </a:moveTo>
+                <a:cubicBezTo>
+                  <a:pt x="999564" y="162484"/>
+                  <a:pt x="815788" y="230840"/>
+                  <a:pt x="618564" y="215152"/>
+                </a:cubicBezTo>
+                <a:cubicBezTo>
+                  <a:pt x="421340" y="199464"/>
+                  <a:pt x="0" y="0"/>
+                  <a:pt x="0" y="0"/>
+                </a:cubicBezTo>
+                <a:lnTo>
+                  <a:pt x="0" y="0"/>
+                </a:lnTo>
+              </a:path>
+            </a:pathLst>
+          </a:custGeom>
+          <a:noFill/>
+          <a:ln w="38100">
+            <a:solidFill>
+              <a:schemeClr val="accent1">
+                <a:lumMod val="75000"/>
+              </a:schemeClr>
+            </a:solidFill>
+            <a:tailEnd type="triangle" w="lg" len="med"/>
+          </a:ln>
+        </p:spPr>
+        <p:style>
+          <a:lnRef idx="2">
+            <a:schemeClr val="accent1">
+              <a:shade val="50000"/>
+            </a:schemeClr>
+          </a:lnRef>
+          <a:fillRef idx="1">
+            <a:schemeClr val="accent1"/>
+          </a:fillRef>
+          <a:effectRef idx="0">
+            <a:schemeClr val="accent1"/>
+          </a:effectRef>
+          <a:fontRef idx="minor">
+            <a:schemeClr val="lt1"/>
+          </a:fontRef>
+        </p:style>
+        <p:txBody>
+          <a:bodyPr rtlCol="0" anchor="ctr"/>
+          <a:lstStyle/>
+          <a:p>
+            <a:pPr algn="ctr"/>
+            <a:endParaRPr lang="en-US"/>
+          </a:p>
+        </p:txBody>
+      </p:sp>
+      <p:sp>
+        <p:nvSpPr>
+          <p:cNvPr id="13" name="Freeform 12"/>
+          <p:cNvSpPr/>
+          <p:nvPr/>
+        </p:nvSpPr>
+        <p:spPr>
+          <a:xfrm rot="10012731" flipV="1">
+            <a:off x="9733596" y="4219280"/>
+            <a:ext cx="855865" cy="73748"/>
+          </a:xfrm>
+          <a:custGeom>
+            <a:avLst/>
+            <a:gdLst>
+              <a:gd name="connsiteX0" fmla="*/ 1183341 w 1183341"/>
+              <a:gd name="connsiteY0" fmla="*/ 94129 h 217421"/>
+              <a:gd name="connsiteX1" fmla="*/ 618564 w 1183341"/>
+              <a:gd name="connsiteY1" fmla="*/ 215152 h 217421"/>
+              <a:gd name="connsiteX2" fmla="*/ 0 w 1183341"/>
+              <a:gd name="connsiteY2" fmla="*/ 0 h 217421"/>
+              <a:gd name="connsiteX3" fmla="*/ 0 w 1183341"/>
+              <a:gd name="connsiteY3" fmla="*/ 0 h 217421"/>
+            </a:gdLst>
+            <a:ahLst/>
+            <a:cxnLst>
+              <a:cxn ang="0">
+                <a:pos x="connsiteX0" y="connsiteY0"/>
+              </a:cxn>
+              <a:cxn ang="0">
+                <a:pos x="connsiteX1" y="connsiteY1"/>
+              </a:cxn>
+              <a:cxn ang="0">
+                <a:pos x="connsiteX2" y="connsiteY2"/>
+              </a:cxn>
+              <a:cxn ang="0">
+                <a:pos x="connsiteX3" y="connsiteY3"/>
+              </a:cxn>
+            </a:cxnLst>
+            <a:rect l="l" t="t" r="r" b="b"/>
+            <a:pathLst>
+              <a:path w="1183341" h="217421">
+                <a:moveTo>
+                  <a:pt x="1183341" y="94129"/>
+                </a:moveTo>
+                <a:cubicBezTo>
+                  <a:pt x="999564" y="162484"/>
+                  <a:pt x="815788" y="230840"/>
+                  <a:pt x="618564" y="215152"/>
+                </a:cubicBezTo>
+                <a:cubicBezTo>
+                  <a:pt x="421340" y="199464"/>
+                  <a:pt x="0" y="0"/>
+                  <a:pt x="0" y="0"/>
+                </a:cubicBezTo>
+                <a:lnTo>
+                  <a:pt x="0" y="0"/>
+                </a:lnTo>
+              </a:path>
+            </a:pathLst>
+          </a:custGeom>
+          <a:noFill/>
+          <a:ln w="38100">
+            <a:solidFill>
+              <a:schemeClr val="accent1">
+                <a:lumMod val="75000"/>
+              </a:schemeClr>
+            </a:solidFill>
+            <a:tailEnd type="triangle" w="lg" len="med"/>
+          </a:ln>
+        </p:spPr>
+        <p:style>
+          <a:lnRef idx="2">
+            <a:schemeClr val="accent1">
+              <a:shade val="50000"/>
+            </a:schemeClr>
+          </a:lnRef>
+          <a:fillRef idx="1">
+            <a:schemeClr val="accent1"/>
+          </a:fillRef>
+          <a:effectRef idx="0">
+            <a:schemeClr val="accent1"/>
+          </a:effectRef>
+          <a:fontRef idx="minor">
+            <a:schemeClr val="lt1"/>
+          </a:fontRef>
+        </p:style>
+        <p:txBody>
+          <a:bodyPr rtlCol="0" anchor="ctr"/>
+          <a:lstStyle/>
+          <a:p>
+            <a:pPr algn="ctr"/>
+            <a:endParaRPr lang="en-US"/>
+          </a:p>
+        </p:txBody>
+      </p:sp>
+      <p:sp>
+        <p:nvSpPr>
+          <p:cNvPr id="14" name="Freeform 13"/>
+          <p:cNvSpPr/>
+          <p:nvPr/>
+        </p:nvSpPr>
+        <p:spPr>
+          <a:xfrm rot="9797075" flipV="1">
+            <a:off x="9170515" y="4067651"/>
+            <a:ext cx="855865" cy="73748"/>
+          </a:xfrm>
+          <a:custGeom>
+            <a:avLst/>
+            <a:gdLst>
+              <a:gd name="connsiteX0" fmla="*/ 1183341 w 1183341"/>
+              <a:gd name="connsiteY0" fmla="*/ 94129 h 217421"/>
+              <a:gd name="connsiteX1" fmla="*/ 618564 w 1183341"/>
+              <a:gd name="connsiteY1" fmla="*/ 215152 h 217421"/>
+              <a:gd name="connsiteX2" fmla="*/ 0 w 1183341"/>
+              <a:gd name="connsiteY2" fmla="*/ 0 h 217421"/>
+              <a:gd name="connsiteX3" fmla="*/ 0 w 1183341"/>
+              <a:gd name="connsiteY3" fmla="*/ 0 h 217421"/>
+            </a:gdLst>
+            <a:ahLst/>
+            <a:cxnLst>
+              <a:cxn ang="0">
+                <a:pos x="connsiteX0" y="connsiteY0"/>
+              </a:cxn>
+              <a:cxn ang="0">
+                <a:pos x="connsiteX1" y="connsiteY1"/>
+              </a:cxn>
+              <a:cxn ang="0">
+                <a:pos x="connsiteX2" y="connsiteY2"/>
+              </a:cxn>
+              <a:cxn ang="0">
+                <a:pos x="connsiteX3" y="connsiteY3"/>
+              </a:cxn>
+            </a:cxnLst>
+            <a:rect l="l" t="t" r="r" b="b"/>
+            <a:pathLst>
+              <a:path w="1183341" h="217421">
+                <a:moveTo>
+                  <a:pt x="1183341" y="94129"/>
+                </a:moveTo>
+                <a:cubicBezTo>
+                  <a:pt x="999564" y="162484"/>
+                  <a:pt x="815788" y="230840"/>
+                  <a:pt x="618564" y="215152"/>
+                </a:cubicBezTo>
+                <a:cubicBezTo>
+                  <a:pt x="421340" y="199464"/>
+                  <a:pt x="0" y="0"/>
+                  <a:pt x="0" y="0"/>
+                </a:cubicBezTo>
+                <a:lnTo>
+                  <a:pt x="0" y="0"/>
+                </a:lnTo>
+              </a:path>
+            </a:pathLst>
+          </a:custGeom>
+          <a:noFill/>
+          <a:ln w="38100">
+            <a:solidFill>
+              <a:schemeClr val="accent1">
+                <a:lumMod val="75000"/>
+              </a:schemeClr>
+            </a:solidFill>
+            <a:tailEnd type="triangle" w="lg" len="med"/>
+          </a:ln>
+        </p:spPr>
+        <p:style>
+          <a:lnRef idx="2">
+            <a:schemeClr val="accent1">
+              <a:shade val="50000"/>
+            </a:schemeClr>
+          </a:lnRef>
+          <a:fillRef idx="1">
+            <a:schemeClr val="accent1"/>
+          </a:fillRef>
+          <a:effectRef idx="0">
+            <a:schemeClr val="accent1"/>
+          </a:effectRef>
+          <a:fontRef idx="minor">
+            <a:schemeClr val="lt1"/>
+          </a:fontRef>
+        </p:style>
+        <p:txBody>
+          <a:bodyPr rtlCol="0" anchor="ctr"/>
+          <a:lstStyle/>
+          <a:p>
+            <a:pPr algn="ctr"/>
+            <a:endParaRPr lang="en-US"/>
+          </a:p>
+        </p:txBody>
+      </p:sp>
+      <p:sp>
+        <p:nvSpPr>
+          <p:cNvPr id="15" name="Freeform 14"/>
+          <p:cNvSpPr/>
+          <p:nvPr/>
+        </p:nvSpPr>
+        <p:spPr>
+          <a:xfrm rot="9736061">
+            <a:off x="761236" y="1333352"/>
+            <a:ext cx="843346" cy="58410"/>
+          </a:xfrm>
+          <a:custGeom>
+            <a:avLst/>
+            <a:gdLst>
+              <a:gd name="connsiteX0" fmla="*/ 1183341 w 1183341"/>
+              <a:gd name="connsiteY0" fmla="*/ 94129 h 217421"/>
+              <a:gd name="connsiteX1" fmla="*/ 618564 w 1183341"/>
+              <a:gd name="connsiteY1" fmla="*/ 215152 h 217421"/>
+              <a:gd name="connsiteX2" fmla="*/ 0 w 1183341"/>
+              <a:gd name="connsiteY2" fmla="*/ 0 h 217421"/>
+              <a:gd name="connsiteX3" fmla="*/ 0 w 1183341"/>
+              <a:gd name="connsiteY3" fmla="*/ 0 h 217421"/>
+            </a:gdLst>
+            <a:ahLst/>
+            <a:cxnLst>
+              <a:cxn ang="0">
+                <a:pos x="connsiteX0" y="connsiteY0"/>
+              </a:cxn>
+              <a:cxn ang="0">
+                <a:pos x="connsiteX1" y="connsiteY1"/>
+              </a:cxn>
+              <a:cxn ang="0">
+                <a:pos x="connsiteX2" y="connsiteY2"/>
+              </a:cxn>
+              <a:cxn ang="0">
+                <a:pos x="connsiteX3" y="connsiteY3"/>
+              </a:cxn>
+            </a:cxnLst>
+            <a:rect l="l" t="t" r="r" b="b"/>
+            <a:pathLst>
+              <a:path w="1183341" h="217421">
+                <a:moveTo>
+                  <a:pt x="1183341" y="94129"/>
+                </a:moveTo>
+                <a:cubicBezTo>
+                  <a:pt x="999564" y="162484"/>
+                  <a:pt x="815788" y="230840"/>
+                  <a:pt x="618564" y="215152"/>
+                </a:cubicBezTo>
+                <a:cubicBezTo>
+                  <a:pt x="421340" y="199464"/>
+                  <a:pt x="0" y="0"/>
+                  <a:pt x="0" y="0"/>
+                </a:cubicBezTo>
+                <a:lnTo>
+                  <a:pt x="0" y="0"/>
+                </a:lnTo>
+              </a:path>
+            </a:pathLst>
+          </a:custGeom>
+          <a:noFill/>
+          <a:ln w="38100">
+            <a:solidFill>
+              <a:schemeClr val="accent1">
+                <a:lumMod val="75000"/>
+              </a:schemeClr>
+            </a:solidFill>
+            <a:tailEnd type="triangle" w="lg" len="med"/>
+          </a:ln>
+        </p:spPr>
+        <p:style>
+          <a:lnRef idx="2">
+            <a:schemeClr val="accent1">
+              <a:shade val="50000"/>
+            </a:schemeClr>
+          </a:lnRef>
+          <a:fillRef idx="1">
+            <a:schemeClr val="accent1"/>
+          </a:fillRef>
+          <a:effectRef idx="0">
+            <a:schemeClr val="accent1"/>
+          </a:effectRef>
+          <a:fontRef idx="minor">
+            <a:schemeClr val="lt1"/>
+          </a:fontRef>
+        </p:style>
+        <p:txBody>
+          <a:bodyPr rtlCol="0" anchor="ctr"/>
+          <a:lstStyle/>
+          <a:p>
+            <a:pPr algn="ctr"/>
+            <a:endParaRPr lang="en-US"/>
+          </a:p>
+        </p:txBody>
+      </p:sp>
+      <p:sp>
+        <p:nvSpPr>
+          <p:cNvPr id="16" name="Freeform 15"/>
+          <p:cNvSpPr/>
+          <p:nvPr/>
+        </p:nvSpPr>
+        <p:spPr>
+          <a:xfrm rot="9736061">
+            <a:off x="1373660" y="755331"/>
+            <a:ext cx="1306624" cy="183738"/>
+          </a:xfrm>
+          <a:custGeom>
+            <a:avLst/>
+            <a:gdLst>
+              <a:gd name="connsiteX0" fmla="*/ 1183341 w 1183341"/>
+              <a:gd name="connsiteY0" fmla="*/ 94129 h 217421"/>
+              <a:gd name="connsiteX1" fmla="*/ 618564 w 1183341"/>
+              <a:gd name="connsiteY1" fmla="*/ 215152 h 217421"/>
+              <a:gd name="connsiteX2" fmla="*/ 0 w 1183341"/>
+              <a:gd name="connsiteY2" fmla="*/ 0 h 217421"/>
+              <a:gd name="connsiteX3" fmla="*/ 0 w 1183341"/>
+              <a:gd name="connsiteY3" fmla="*/ 0 h 217421"/>
+            </a:gdLst>
+            <a:ahLst/>
+            <a:cxnLst>
+              <a:cxn ang="0">
+                <a:pos x="connsiteX0" y="connsiteY0"/>
+              </a:cxn>
+              <a:cxn ang="0">
+                <a:pos x="connsiteX1" y="connsiteY1"/>
+              </a:cxn>
+              <a:cxn ang="0">
+                <a:pos x="connsiteX2" y="connsiteY2"/>
+              </a:cxn>
+              <a:cxn ang="0">
+                <a:pos x="connsiteX3" y="connsiteY3"/>
+              </a:cxn>
+            </a:cxnLst>
+            <a:rect l="l" t="t" r="r" b="b"/>
+            <a:pathLst>
+              <a:path w="1183341" h="217421">
+                <a:moveTo>
+                  <a:pt x="1183341" y="94129"/>
+                </a:moveTo>
+                <a:cubicBezTo>
+                  <a:pt x="999564" y="162484"/>
+                  <a:pt x="815788" y="230840"/>
+                  <a:pt x="618564" y="215152"/>
+                </a:cubicBezTo>
+                <a:cubicBezTo>
+                  <a:pt x="421340" y="199464"/>
+                  <a:pt x="0" y="0"/>
+                  <a:pt x="0" y="0"/>
+                </a:cubicBezTo>
+                <a:lnTo>
+                  <a:pt x="0" y="0"/>
+                </a:lnTo>
+              </a:path>
+            </a:pathLst>
+          </a:custGeom>
+          <a:noFill/>
+          <a:ln w="38100">
+            <a:solidFill>
+              <a:schemeClr val="accent1">
+                <a:lumMod val="75000"/>
+              </a:schemeClr>
+            </a:solidFill>
+            <a:tailEnd type="triangle" w="lg" len="med"/>
+          </a:ln>
+        </p:spPr>
+        <p:style>
+          <a:lnRef idx="2">
+            <a:schemeClr val="accent1">
+              <a:shade val="50000"/>
+            </a:schemeClr>
+          </a:lnRef>
+          <a:fillRef idx="1">
+            <a:schemeClr val="accent1"/>
+          </a:fillRef>
+          <a:effectRef idx="0">
+            <a:schemeClr val="accent1"/>
+          </a:effectRef>
+          <a:fontRef idx="minor">
+            <a:schemeClr val="lt1"/>
+          </a:fontRef>
+        </p:style>
+        <p:txBody>
+          <a:bodyPr rtlCol="0" anchor="ctr"/>
+          <a:lstStyle/>
+          <a:p>
+            <a:pPr algn="ctr"/>
+            <a:endParaRPr lang="en-US"/>
+          </a:p>
+        </p:txBody>
+      </p:sp>
+      <p:sp>
+        <p:nvSpPr>
+          <p:cNvPr id="17" name="Freeform 16"/>
+          <p:cNvSpPr/>
+          <p:nvPr/>
+        </p:nvSpPr>
+        <p:spPr>
+          <a:xfrm rot="9359845">
+            <a:off x="2002660" y="1367944"/>
+            <a:ext cx="967674" cy="86175"/>
+          </a:xfrm>
+          <a:custGeom>
+            <a:avLst/>
+            <a:gdLst>
+              <a:gd name="connsiteX0" fmla="*/ 1183341 w 1183341"/>
+              <a:gd name="connsiteY0" fmla="*/ 94129 h 217421"/>
+              <a:gd name="connsiteX1" fmla="*/ 618564 w 1183341"/>
+              <a:gd name="connsiteY1" fmla="*/ 215152 h 217421"/>
+              <a:gd name="connsiteX2" fmla="*/ 0 w 1183341"/>
+              <a:gd name="connsiteY2" fmla="*/ 0 h 217421"/>
+              <a:gd name="connsiteX3" fmla="*/ 0 w 1183341"/>
+              <a:gd name="connsiteY3" fmla="*/ 0 h 217421"/>
+            </a:gdLst>
+            <a:ahLst/>
+            <a:cxnLst>
+              <a:cxn ang="0">
+                <a:pos x="connsiteX0" y="connsiteY0"/>
+              </a:cxn>
+              <a:cxn ang="0">
+                <a:pos x="connsiteX1" y="connsiteY1"/>
+              </a:cxn>
+              <a:cxn ang="0">
+                <a:pos x="connsiteX2" y="connsiteY2"/>
+              </a:cxn>
+              <a:cxn ang="0">
+                <a:pos x="connsiteX3" y="connsiteY3"/>
+              </a:cxn>
+            </a:cxnLst>
+            <a:rect l="l" t="t" r="r" b="b"/>
+            <a:pathLst>
+              <a:path w="1183341" h="217421">
+                <a:moveTo>
+                  <a:pt x="1183341" y="94129"/>
+                </a:moveTo>
+                <a:cubicBezTo>
+                  <a:pt x="999564" y="162484"/>
+                  <a:pt x="815788" y="230840"/>
+                  <a:pt x="618564" y="215152"/>
+                </a:cubicBezTo>
+                <a:cubicBezTo>
+                  <a:pt x="421340" y="199464"/>
+                  <a:pt x="0" y="0"/>
+                  <a:pt x="0" y="0"/>
+                </a:cubicBezTo>
+                <a:lnTo>
+                  <a:pt x="0" y="0"/>
+                </a:lnTo>
+              </a:path>
+            </a:pathLst>
+          </a:custGeom>
+          <a:noFill/>
+          <a:ln w="38100">
+            <a:solidFill>
+              <a:schemeClr val="accent1">
+                <a:lumMod val="75000"/>
+              </a:schemeClr>
+            </a:solidFill>
+            <a:tailEnd type="triangle" w="lg" len="med"/>
+          </a:ln>
+        </p:spPr>
+        <p:style>
+          <a:lnRef idx="2">
+            <a:schemeClr val="accent1">
+              <a:shade val="50000"/>
+            </a:schemeClr>
+          </a:lnRef>
+          <a:fillRef idx="1">
+            <a:schemeClr val="accent1"/>
+          </a:fillRef>
+          <a:effectRef idx="0">
+            <a:schemeClr val="accent1"/>
+          </a:effectRef>
+          <a:fontRef idx="minor">
+            <a:schemeClr val="lt1"/>
+          </a:fontRef>
+        </p:style>
+        <p:txBody>
+          <a:bodyPr rtlCol="0" anchor="ctr"/>
+          <a:lstStyle/>
+          <a:p>
+            <a:pPr algn="ctr"/>
+            <a:endParaRPr lang="en-US"/>
+          </a:p>
+        </p:txBody>
+      </p:sp>
+      <p:sp>
+        <p:nvSpPr>
+          <p:cNvPr id="18" name="Freeform 17"/>
+          <p:cNvSpPr/>
+          <p:nvPr/>
+        </p:nvSpPr>
+        <p:spPr>
+          <a:xfrm rot="9736061">
+            <a:off x="3584956" y="531512"/>
+            <a:ext cx="843346" cy="58410"/>
+          </a:xfrm>
+          <a:custGeom>
+            <a:avLst/>
+            <a:gdLst>
+              <a:gd name="connsiteX0" fmla="*/ 1183341 w 1183341"/>
+              <a:gd name="connsiteY0" fmla="*/ 94129 h 217421"/>
+              <a:gd name="connsiteX1" fmla="*/ 618564 w 1183341"/>
+              <a:gd name="connsiteY1" fmla="*/ 215152 h 217421"/>
+              <a:gd name="connsiteX2" fmla="*/ 0 w 1183341"/>
+              <a:gd name="connsiteY2" fmla="*/ 0 h 217421"/>
+              <a:gd name="connsiteX3" fmla="*/ 0 w 1183341"/>
+              <a:gd name="connsiteY3" fmla="*/ 0 h 217421"/>
+            </a:gdLst>
+            <a:ahLst/>
+            <a:cxnLst>
+              <a:cxn ang="0">
+                <a:pos x="connsiteX0" y="connsiteY0"/>
+              </a:cxn>
+              <a:cxn ang="0">
+                <a:pos x="connsiteX1" y="connsiteY1"/>
+              </a:cxn>
+              <a:cxn ang="0">
+                <a:pos x="connsiteX2" y="connsiteY2"/>
+              </a:cxn>
+              <a:cxn ang="0">
+                <a:pos x="connsiteX3" y="connsiteY3"/>
+              </a:cxn>
+            </a:cxnLst>
+            <a:rect l="l" t="t" r="r" b="b"/>
+            <a:pathLst>
+              <a:path w="1183341" h="217421">
+                <a:moveTo>
+                  <a:pt x="1183341" y="94129"/>
+                </a:moveTo>
+                <a:cubicBezTo>
+                  <a:pt x="999564" y="162484"/>
+                  <a:pt x="815788" y="230840"/>
+                  <a:pt x="618564" y="215152"/>
+                </a:cubicBezTo>
+                <a:cubicBezTo>
+                  <a:pt x="421340" y="199464"/>
+                  <a:pt x="0" y="0"/>
+                  <a:pt x="0" y="0"/>
+                </a:cubicBezTo>
+                <a:lnTo>
+                  <a:pt x="0" y="0"/>
+                </a:lnTo>
+              </a:path>
+            </a:pathLst>
+          </a:custGeom>
+          <a:noFill/>
+          <a:ln w="38100">
+            <a:solidFill>
+              <a:schemeClr val="accent1">
+                <a:lumMod val="75000"/>
+              </a:schemeClr>
+            </a:solidFill>
+            <a:tailEnd type="triangle" w="lg" len="med"/>
+          </a:ln>
+        </p:spPr>
+        <p:style>
+          <a:lnRef idx="2">
+            <a:schemeClr val="accent1">
+              <a:shade val="50000"/>
+            </a:schemeClr>
+          </a:lnRef>
+          <a:fillRef idx="1">
+            <a:schemeClr val="accent1"/>
+          </a:fillRef>
+          <a:effectRef idx="0">
+            <a:schemeClr val="accent1"/>
+          </a:effectRef>
+          <a:fontRef idx="minor">
+            <a:schemeClr val="lt1"/>
+          </a:fontRef>
+        </p:style>
+        <p:txBody>
+          <a:bodyPr rtlCol="0" anchor="ctr"/>
+          <a:lstStyle/>
+          <a:p>
+            <a:pPr algn="ctr"/>
+            <a:endParaRPr lang="en-US"/>
+          </a:p>
+        </p:txBody>
+      </p:sp>
+      <p:sp>
+        <p:nvSpPr>
+          <p:cNvPr id="19" name="Freeform 18"/>
+          <p:cNvSpPr/>
+          <p:nvPr/>
+        </p:nvSpPr>
+        <p:spPr>
+          <a:xfrm rot="9185724">
+            <a:off x="3950758" y="997939"/>
+            <a:ext cx="887169" cy="45719"/>
+          </a:xfrm>
+          <a:custGeom>
+            <a:avLst/>
+            <a:gdLst>
+              <a:gd name="connsiteX0" fmla="*/ 1183341 w 1183341"/>
+              <a:gd name="connsiteY0" fmla="*/ 94129 h 217421"/>
+              <a:gd name="connsiteX1" fmla="*/ 618564 w 1183341"/>
+              <a:gd name="connsiteY1" fmla="*/ 215152 h 217421"/>
+              <a:gd name="connsiteX2" fmla="*/ 0 w 1183341"/>
+              <a:gd name="connsiteY2" fmla="*/ 0 h 217421"/>
+              <a:gd name="connsiteX3" fmla="*/ 0 w 1183341"/>
+              <a:gd name="connsiteY3" fmla="*/ 0 h 217421"/>
+            </a:gdLst>
+            <a:ahLst/>
+            <a:cxnLst>
+              <a:cxn ang="0">
+                <a:pos x="connsiteX0" y="connsiteY0"/>
+              </a:cxn>
+              <a:cxn ang="0">
+                <a:pos x="connsiteX1" y="connsiteY1"/>
+              </a:cxn>
+              <a:cxn ang="0">
+                <a:pos x="connsiteX2" y="connsiteY2"/>
+              </a:cxn>
+              <a:cxn ang="0">
+                <a:pos x="connsiteX3" y="connsiteY3"/>
+              </a:cxn>
+            </a:cxnLst>
+            <a:rect l="l" t="t" r="r" b="b"/>
+            <a:pathLst>
+              <a:path w="1183341" h="217421">
+                <a:moveTo>
+                  <a:pt x="1183341" y="94129"/>
+                </a:moveTo>
+                <a:cubicBezTo>
+                  <a:pt x="999564" y="162484"/>
+                  <a:pt x="815788" y="230840"/>
+                  <a:pt x="618564" y="215152"/>
+                </a:cubicBezTo>
+                <a:cubicBezTo>
+                  <a:pt x="421340" y="199464"/>
+                  <a:pt x="0" y="0"/>
+                  <a:pt x="0" y="0"/>
+                </a:cubicBezTo>
+                <a:lnTo>
+                  <a:pt x="0" y="0"/>
+                </a:lnTo>
+              </a:path>
+            </a:pathLst>
+          </a:custGeom>
+          <a:noFill/>
+          <a:ln w="38100">
+            <a:solidFill>
+              <a:schemeClr val="accent1">
+                <a:lumMod val="75000"/>
+              </a:schemeClr>
+            </a:solidFill>
+            <a:tailEnd type="triangle" w="lg" len="med"/>
+          </a:ln>
+        </p:spPr>
+        <p:style>
+          <a:lnRef idx="2">
+            <a:schemeClr val="accent1">
+              <a:shade val="50000"/>
+            </a:schemeClr>
+          </a:lnRef>
+          <a:fillRef idx="1">
+            <a:schemeClr val="accent1"/>
+          </a:fillRef>
+          <a:effectRef idx="0">
+            <a:schemeClr val="accent1"/>
+          </a:effectRef>
+          <a:fontRef idx="minor">
+            <a:schemeClr val="lt1"/>
+          </a:fontRef>
+        </p:style>
+        <p:txBody>
+          <a:bodyPr rtlCol="0" anchor="ctr"/>
+          <a:lstStyle/>
+          <a:p>
+            <a:pPr algn="ctr"/>
+            <a:endParaRPr lang="en-US"/>
+          </a:p>
+        </p:txBody>
+      </p:sp>
+      <p:sp>
+        <p:nvSpPr>
+          <p:cNvPr id="20" name="Freeform 19"/>
+          <p:cNvSpPr/>
+          <p:nvPr/>
+        </p:nvSpPr>
+        <p:spPr>
+          <a:xfrm rot="9185724">
+            <a:off x="3402800" y="1501498"/>
+            <a:ext cx="794545" cy="53671"/>
+          </a:xfrm>
+          <a:custGeom>
+            <a:avLst/>
+            <a:gdLst>
+              <a:gd name="connsiteX0" fmla="*/ 1183341 w 1183341"/>
+              <a:gd name="connsiteY0" fmla="*/ 94129 h 217421"/>
+              <a:gd name="connsiteX1" fmla="*/ 618564 w 1183341"/>
+              <a:gd name="connsiteY1" fmla="*/ 215152 h 217421"/>
+              <a:gd name="connsiteX2" fmla="*/ 0 w 1183341"/>
+              <a:gd name="connsiteY2" fmla="*/ 0 h 217421"/>
+              <a:gd name="connsiteX3" fmla="*/ 0 w 1183341"/>
+              <a:gd name="connsiteY3" fmla="*/ 0 h 217421"/>
+            </a:gdLst>
+            <a:ahLst/>
+            <a:cxnLst>
+              <a:cxn ang="0">
+                <a:pos x="connsiteX0" y="connsiteY0"/>
+              </a:cxn>
+              <a:cxn ang="0">
+                <a:pos x="connsiteX1" y="connsiteY1"/>
+              </a:cxn>
+              <a:cxn ang="0">
+                <a:pos x="connsiteX2" y="connsiteY2"/>
+              </a:cxn>
+              <a:cxn ang="0">
+                <a:pos x="connsiteX3" y="connsiteY3"/>
+              </a:cxn>
+            </a:cxnLst>
+            <a:rect l="l" t="t" r="r" b="b"/>
+            <a:pathLst>
+              <a:path w="1183341" h="217421">
+                <a:moveTo>
+                  <a:pt x="1183341" y="94129"/>
+                </a:moveTo>
+                <a:cubicBezTo>
+                  <a:pt x="999564" y="162484"/>
+                  <a:pt x="815788" y="230840"/>
+                  <a:pt x="618564" y="215152"/>
+                </a:cubicBezTo>
+                <a:cubicBezTo>
+                  <a:pt x="421340" y="199464"/>
+                  <a:pt x="0" y="0"/>
+                  <a:pt x="0" y="0"/>
+                </a:cubicBezTo>
+                <a:lnTo>
+                  <a:pt x="0" y="0"/>
+                </a:lnTo>
+              </a:path>
+            </a:pathLst>
+          </a:custGeom>
+          <a:noFill/>
+          <a:ln w="38100">
+            <a:solidFill>
+              <a:schemeClr val="accent1">
+                <a:lumMod val="75000"/>
+              </a:schemeClr>
+            </a:solidFill>
+            <a:tailEnd type="triangle" w="lg" len="med"/>
+          </a:ln>
+        </p:spPr>
+        <p:style>
+          <a:lnRef idx="2">
+            <a:schemeClr val="accent1">
+              <a:shade val="50000"/>
+            </a:schemeClr>
+          </a:lnRef>
+          <a:fillRef idx="1">
+            <a:schemeClr val="accent1"/>
+          </a:fillRef>
+          <a:effectRef idx="0">
+            <a:schemeClr val="accent1"/>
+          </a:effectRef>
+          <a:fontRef idx="minor">
+            <a:schemeClr val="lt1"/>
+          </a:fontRef>
+        </p:style>
+        <p:txBody>
+          <a:bodyPr rtlCol="0" anchor="ctr"/>
+          <a:lstStyle/>
+          <a:p>
+            <a:pPr algn="ctr"/>
+            <a:endParaRPr lang="en-US"/>
+          </a:p>
+        </p:txBody>
+      </p:sp>
+      <p:sp>
+        <p:nvSpPr>
+          <p:cNvPr id="21" name="Freeform 20"/>
+          <p:cNvSpPr/>
+          <p:nvPr/>
+        </p:nvSpPr>
+        <p:spPr>
+          <a:xfrm rot="9635168">
+            <a:off x="3958631" y="1530878"/>
+            <a:ext cx="810905" cy="45719"/>
+          </a:xfrm>
+          <a:custGeom>
+            <a:avLst/>
+            <a:gdLst>
+              <a:gd name="connsiteX0" fmla="*/ 1183341 w 1183341"/>
+              <a:gd name="connsiteY0" fmla="*/ 94129 h 217421"/>
+              <a:gd name="connsiteX1" fmla="*/ 618564 w 1183341"/>
+              <a:gd name="connsiteY1" fmla="*/ 215152 h 217421"/>
+              <a:gd name="connsiteX2" fmla="*/ 0 w 1183341"/>
+              <a:gd name="connsiteY2" fmla="*/ 0 h 217421"/>
+              <a:gd name="connsiteX3" fmla="*/ 0 w 1183341"/>
+              <a:gd name="connsiteY3" fmla="*/ 0 h 217421"/>
+            </a:gdLst>
+            <a:ahLst/>
+            <a:cxnLst>
+              <a:cxn ang="0">
+                <a:pos x="connsiteX0" y="connsiteY0"/>
+              </a:cxn>
+              <a:cxn ang="0">
+                <a:pos x="connsiteX1" y="connsiteY1"/>
+              </a:cxn>
+              <a:cxn ang="0">
+                <a:pos x="connsiteX2" y="connsiteY2"/>
+              </a:cxn>
+              <a:cxn ang="0">
+                <a:pos x="connsiteX3" y="connsiteY3"/>
+              </a:cxn>
+            </a:cxnLst>
+            <a:rect l="l" t="t" r="r" b="b"/>
+            <a:pathLst>
+              <a:path w="1183341" h="217421">
+                <a:moveTo>
+                  <a:pt x="1183341" y="94129"/>
+                </a:moveTo>
+                <a:cubicBezTo>
+                  <a:pt x="999564" y="162484"/>
+                  <a:pt x="815788" y="230840"/>
+                  <a:pt x="618564" y="215152"/>
+                </a:cubicBezTo>
+                <a:cubicBezTo>
+                  <a:pt x="421340" y="199464"/>
+                  <a:pt x="0" y="0"/>
+                  <a:pt x="0" y="0"/>
+                </a:cubicBezTo>
+                <a:lnTo>
+                  <a:pt x="0" y="0"/>
+                </a:lnTo>
+              </a:path>
+            </a:pathLst>
+          </a:custGeom>
+          <a:noFill/>
+          <a:ln w="38100">
+            <a:solidFill>
+              <a:schemeClr val="accent1">
+                <a:lumMod val="75000"/>
+              </a:schemeClr>
+            </a:solidFill>
+            <a:tailEnd type="triangle" w="lg" len="med"/>
+          </a:ln>
+        </p:spPr>
+        <p:style>
+          <a:lnRef idx="2">
+            <a:schemeClr val="accent1">
+              <a:shade val="50000"/>
+            </a:schemeClr>
+          </a:lnRef>
+          <a:fillRef idx="1">
+            <a:schemeClr val="accent1"/>
+          </a:fillRef>
+          <a:effectRef idx="0">
+            <a:schemeClr val="accent1"/>
+          </a:effectRef>
+          <a:fontRef idx="minor">
+            <a:schemeClr val="lt1"/>
+          </a:fontRef>
+        </p:style>
+        <p:txBody>
+          <a:bodyPr rtlCol="0" anchor="ctr"/>
+          <a:lstStyle/>
+          <a:p>
+            <a:pPr algn="ctr"/>
+            <a:endParaRPr lang="en-US"/>
+          </a:p>
+        </p:txBody>
+      </p:sp>
+      <p:sp>
+        <p:nvSpPr>
+          <p:cNvPr id="22" name="Freeform 21"/>
+          <p:cNvSpPr/>
+          <p:nvPr/>
+        </p:nvSpPr>
+        <p:spPr>
+          <a:xfrm rot="10216279">
+            <a:off x="5055220" y="1009784"/>
+            <a:ext cx="948937" cy="48201"/>
+          </a:xfrm>
+          <a:custGeom>
+            <a:avLst/>
+            <a:gdLst>
+              <a:gd name="connsiteX0" fmla="*/ 1183341 w 1183341"/>
+              <a:gd name="connsiteY0" fmla="*/ 94129 h 217421"/>
+              <a:gd name="connsiteX1" fmla="*/ 618564 w 1183341"/>
+              <a:gd name="connsiteY1" fmla="*/ 215152 h 217421"/>
+              <a:gd name="connsiteX2" fmla="*/ 0 w 1183341"/>
+              <a:gd name="connsiteY2" fmla="*/ 0 h 217421"/>
+              <a:gd name="connsiteX3" fmla="*/ 0 w 1183341"/>
+              <a:gd name="connsiteY3" fmla="*/ 0 h 217421"/>
+            </a:gdLst>
+            <a:ahLst/>
+            <a:cxnLst>
+              <a:cxn ang="0">
+                <a:pos x="connsiteX0" y="connsiteY0"/>
+              </a:cxn>
+              <a:cxn ang="0">
+                <a:pos x="connsiteX1" y="connsiteY1"/>
+              </a:cxn>
+              <a:cxn ang="0">
+                <a:pos x="connsiteX2" y="connsiteY2"/>
+              </a:cxn>
+              <a:cxn ang="0">
+                <a:pos x="connsiteX3" y="connsiteY3"/>
+              </a:cxn>
+            </a:cxnLst>
+            <a:rect l="l" t="t" r="r" b="b"/>
+            <a:pathLst>
+              <a:path w="1183341" h="217421">
+                <a:moveTo>
+                  <a:pt x="1183341" y="94129"/>
+                </a:moveTo>
+                <a:cubicBezTo>
+                  <a:pt x="999564" y="162484"/>
+                  <a:pt x="815788" y="230840"/>
+                  <a:pt x="618564" y="215152"/>
+                </a:cubicBezTo>
+                <a:cubicBezTo>
+                  <a:pt x="421340" y="199464"/>
+                  <a:pt x="0" y="0"/>
+                  <a:pt x="0" y="0"/>
+                </a:cubicBezTo>
+                <a:lnTo>
+                  <a:pt x="0" y="0"/>
+                </a:lnTo>
+              </a:path>
+            </a:pathLst>
+          </a:custGeom>
+          <a:noFill/>
+          <a:ln w="38100">
+            <a:solidFill>
+              <a:schemeClr val="accent1">
+                <a:lumMod val="75000"/>
+              </a:schemeClr>
+            </a:solidFill>
+            <a:tailEnd type="triangle" w="lg" len="med"/>
+          </a:ln>
+        </p:spPr>
+        <p:style>
+          <a:lnRef idx="2">
+            <a:schemeClr val="accent1">
+              <a:shade val="50000"/>
+            </a:schemeClr>
+          </a:lnRef>
+          <a:fillRef idx="1">
+            <a:schemeClr val="accent1"/>
+          </a:fillRef>
+          <a:effectRef idx="0">
+            <a:schemeClr val="accent1"/>
+          </a:effectRef>
+          <a:fontRef idx="minor">
+            <a:schemeClr val="lt1"/>
+          </a:fontRef>
+        </p:style>
+        <p:txBody>
+          <a:bodyPr rtlCol="0" anchor="ctr"/>
+          <a:lstStyle/>
+          <a:p>
+            <a:pPr algn="ctr"/>
+            <a:endParaRPr lang="en-US"/>
+          </a:p>
+        </p:txBody>
+      </p:sp>
+      <p:sp>
+        <p:nvSpPr>
+          <p:cNvPr id="23" name="Freeform 22"/>
+          <p:cNvSpPr/>
+          <p:nvPr/>
+        </p:nvSpPr>
+        <p:spPr>
+          <a:xfrm rot="10216279">
+            <a:off x="10426788" y="607696"/>
+            <a:ext cx="1002615" cy="45719"/>
+          </a:xfrm>
+          <a:custGeom>
+            <a:avLst/>
+            <a:gdLst>
+              <a:gd name="connsiteX0" fmla="*/ 1183341 w 1183341"/>
+              <a:gd name="connsiteY0" fmla="*/ 94129 h 217421"/>
+              <a:gd name="connsiteX1" fmla="*/ 618564 w 1183341"/>
+              <a:gd name="connsiteY1" fmla="*/ 215152 h 217421"/>
+              <a:gd name="connsiteX2" fmla="*/ 0 w 1183341"/>
+              <a:gd name="connsiteY2" fmla="*/ 0 h 217421"/>
+              <a:gd name="connsiteX3" fmla="*/ 0 w 1183341"/>
+              <a:gd name="connsiteY3" fmla="*/ 0 h 217421"/>
+            </a:gdLst>
+            <a:ahLst/>
+            <a:cxnLst>
+              <a:cxn ang="0">
+                <a:pos x="connsiteX0" y="connsiteY0"/>
+              </a:cxn>
+              <a:cxn ang="0">
+                <a:pos x="connsiteX1" y="connsiteY1"/>
+              </a:cxn>
+              <a:cxn ang="0">
+                <a:pos x="connsiteX2" y="connsiteY2"/>
+              </a:cxn>
+              <a:cxn ang="0">
+                <a:pos x="connsiteX3" y="connsiteY3"/>
+              </a:cxn>
+            </a:cxnLst>
+            <a:rect l="l" t="t" r="r" b="b"/>
+            <a:pathLst>
+              <a:path w="1183341" h="217421">
+                <a:moveTo>
+                  <a:pt x="1183341" y="94129"/>
+                </a:moveTo>
+                <a:cubicBezTo>
+                  <a:pt x="999564" y="162484"/>
+                  <a:pt x="815788" y="230840"/>
+                  <a:pt x="618564" y="215152"/>
+                </a:cubicBezTo>
+                <a:cubicBezTo>
+                  <a:pt x="421340" y="199464"/>
+                  <a:pt x="0" y="0"/>
+                  <a:pt x="0" y="0"/>
+                </a:cubicBezTo>
+                <a:lnTo>
+                  <a:pt x="0" y="0"/>
+                </a:lnTo>
+              </a:path>
+            </a:pathLst>
+          </a:custGeom>
+          <a:noFill/>
+          <a:ln w="38100">
+            <a:solidFill>
+              <a:schemeClr val="accent1">
+                <a:lumMod val="75000"/>
+              </a:schemeClr>
+            </a:solidFill>
+            <a:tailEnd type="triangle" w="lg" len="med"/>
+          </a:ln>
+        </p:spPr>
+        <p:style>
+          <a:lnRef idx="2">
+            <a:schemeClr val="accent1">
+              <a:shade val="50000"/>
+            </a:schemeClr>
+          </a:lnRef>
+          <a:fillRef idx="1">
+            <a:schemeClr val="accent1"/>
+          </a:fillRef>
+          <a:effectRef idx="0">
+            <a:schemeClr val="accent1"/>
+          </a:effectRef>
+          <a:fontRef idx="minor">
+            <a:schemeClr val="lt1"/>
+          </a:fontRef>
+        </p:style>
+        <p:txBody>
+          <a:bodyPr rtlCol="0" anchor="ctr"/>
+          <a:lstStyle/>
+          <a:p>
+            <a:pPr algn="ctr"/>
+            <a:endParaRPr lang="en-US"/>
+          </a:p>
+        </p:txBody>
+      </p:sp>
+      <p:sp>
+        <p:nvSpPr>
+          <p:cNvPr id="24" name="Freeform 23"/>
+          <p:cNvSpPr/>
+          <p:nvPr/>
+        </p:nvSpPr>
+        <p:spPr>
+          <a:xfrm rot="10216279">
+            <a:off x="9837988" y="1159396"/>
+            <a:ext cx="1184296" cy="74889"/>
+          </a:xfrm>
+          <a:custGeom>
+            <a:avLst/>
+            <a:gdLst>
+              <a:gd name="connsiteX0" fmla="*/ 1183341 w 1183341"/>
+              <a:gd name="connsiteY0" fmla="*/ 94129 h 217421"/>
+              <a:gd name="connsiteX1" fmla="*/ 618564 w 1183341"/>
+              <a:gd name="connsiteY1" fmla="*/ 215152 h 217421"/>
+              <a:gd name="connsiteX2" fmla="*/ 0 w 1183341"/>
+              <a:gd name="connsiteY2" fmla="*/ 0 h 217421"/>
+              <a:gd name="connsiteX3" fmla="*/ 0 w 1183341"/>
+              <a:gd name="connsiteY3" fmla="*/ 0 h 217421"/>
+            </a:gdLst>
+            <a:ahLst/>
+            <a:cxnLst>
+              <a:cxn ang="0">
+                <a:pos x="connsiteX0" y="connsiteY0"/>
+              </a:cxn>
+              <a:cxn ang="0">
+                <a:pos x="connsiteX1" y="connsiteY1"/>
+              </a:cxn>
+              <a:cxn ang="0">
+                <a:pos x="connsiteX2" y="connsiteY2"/>
+              </a:cxn>
+              <a:cxn ang="0">
+                <a:pos x="connsiteX3" y="connsiteY3"/>
+              </a:cxn>
+            </a:cxnLst>
+            <a:rect l="l" t="t" r="r" b="b"/>
+            <a:pathLst>
+              <a:path w="1183341" h="217421">
+                <a:moveTo>
+                  <a:pt x="1183341" y="94129"/>
+                </a:moveTo>
+                <a:cubicBezTo>
+                  <a:pt x="999564" y="162484"/>
+                  <a:pt x="815788" y="230840"/>
+                  <a:pt x="618564" y="215152"/>
+                </a:cubicBezTo>
+                <a:cubicBezTo>
+                  <a:pt x="421340" y="199464"/>
+                  <a:pt x="0" y="0"/>
+                  <a:pt x="0" y="0"/>
+                </a:cubicBezTo>
+                <a:lnTo>
+                  <a:pt x="0" y="0"/>
+                </a:lnTo>
+              </a:path>
+            </a:pathLst>
+          </a:custGeom>
+          <a:noFill/>
+          <a:ln w="38100">
+            <a:solidFill>
+              <a:schemeClr val="accent1">
+                <a:lumMod val="75000"/>
+              </a:schemeClr>
+            </a:solidFill>
+            <a:tailEnd type="triangle" w="lg" len="med"/>
+          </a:ln>
+        </p:spPr>
+        <p:style>
+          <a:lnRef idx="2">
+            <a:schemeClr val="accent1">
+              <a:shade val="50000"/>
+            </a:schemeClr>
+          </a:lnRef>
+          <a:fillRef idx="1">
+            <a:schemeClr val="accent1"/>
+          </a:fillRef>
+          <a:effectRef idx="0">
+            <a:schemeClr val="accent1"/>
+          </a:effectRef>
+          <a:fontRef idx="minor">
+            <a:schemeClr val="lt1"/>
+          </a:fontRef>
+        </p:style>
+        <p:txBody>
+          <a:bodyPr rtlCol="0" anchor="ctr"/>
+          <a:lstStyle/>
+          <a:p>
+            <a:pPr algn="ctr"/>
+            <a:endParaRPr lang="en-US"/>
+          </a:p>
+        </p:txBody>
+      </p:sp>
+      <p:sp>
+        <p:nvSpPr>
+          <p:cNvPr id="25" name="Freeform 24"/>
+          <p:cNvSpPr/>
+          <p:nvPr/>
+        </p:nvSpPr>
+        <p:spPr>
+          <a:xfrm rot="10216279">
+            <a:off x="7752003" y="719168"/>
+            <a:ext cx="948937" cy="48201"/>
+          </a:xfrm>
+          <a:custGeom>
+            <a:avLst/>
+            <a:gdLst>
+              <a:gd name="connsiteX0" fmla="*/ 1183341 w 1183341"/>
+              <a:gd name="connsiteY0" fmla="*/ 94129 h 217421"/>
+              <a:gd name="connsiteX1" fmla="*/ 618564 w 1183341"/>
+              <a:gd name="connsiteY1" fmla="*/ 215152 h 217421"/>
+              <a:gd name="connsiteX2" fmla="*/ 0 w 1183341"/>
+              <a:gd name="connsiteY2" fmla="*/ 0 h 217421"/>
+              <a:gd name="connsiteX3" fmla="*/ 0 w 1183341"/>
+              <a:gd name="connsiteY3" fmla="*/ 0 h 217421"/>
+            </a:gdLst>
+            <a:ahLst/>
+            <a:cxnLst>
+              <a:cxn ang="0">
+                <a:pos x="connsiteX0" y="connsiteY0"/>
+              </a:cxn>
+              <a:cxn ang="0">
+                <a:pos x="connsiteX1" y="connsiteY1"/>
+              </a:cxn>
+              <a:cxn ang="0">
+                <a:pos x="connsiteX2" y="connsiteY2"/>
+              </a:cxn>
+              <a:cxn ang="0">
+                <a:pos x="connsiteX3" y="connsiteY3"/>
+              </a:cxn>
+            </a:cxnLst>
+            <a:rect l="l" t="t" r="r" b="b"/>
+            <a:pathLst>
+              <a:path w="1183341" h="217421">
+                <a:moveTo>
+                  <a:pt x="1183341" y="94129"/>
+                </a:moveTo>
+                <a:cubicBezTo>
+                  <a:pt x="999564" y="162484"/>
+                  <a:pt x="815788" y="230840"/>
+                  <a:pt x="618564" y="215152"/>
+                </a:cubicBezTo>
+                <a:cubicBezTo>
+                  <a:pt x="421340" y="199464"/>
+                  <a:pt x="0" y="0"/>
+                  <a:pt x="0" y="0"/>
+                </a:cubicBezTo>
+                <a:lnTo>
+                  <a:pt x="0" y="0"/>
+                </a:lnTo>
+              </a:path>
+            </a:pathLst>
+          </a:custGeom>
+          <a:noFill/>
+          <a:ln w="38100">
+            <a:solidFill>
+              <a:schemeClr val="accent1">
+                <a:lumMod val="75000"/>
+              </a:schemeClr>
+            </a:solidFill>
+            <a:tailEnd type="triangle" w="lg" len="med"/>
+          </a:ln>
+        </p:spPr>
+        <p:style>
+          <a:lnRef idx="2">
+            <a:schemeClr val="accent1">
+              <a:shade val="50000"/>
+            </a:schemeClr>
+          </a:lnRef>
+          <a:fillRef idx="1">
+            <a:schemeClr val="accent1"/>
+          </a:fillRef>
+          <a:effectRef idx="0">
+            <a:schemeClr val="accent1"/>
+          </a:effectRef>
+          <a:fontRef idx="minor">
+            <a:schemeClr val="lt1"/>
+          </a:fontRef>
+        </p:style>
+        <p:txBody>
+          <a:bodyPr rtlCol="0" anchor="ctr"/>
+          <a:lstStyle/>
+          <a:p>
+            <a:pPr algn="ctr"/>
+            <a:endParaRPr lang="en-US"/>
+          </a:p>
+        </p:txBody>
+      </p:sp>
+      <p:sp>
+        <p:nvSpPr>
+          <p:cNvPr id="26" name="Freeform 25"/>
+          <p:cNvSpPr/>
+          <p:nvPr/>
+        </p:nvSpPr>
+        <p:spPr>
+          <a:xfrm rot="10216279">
+            <a:off x="7305363" y="1109583"/>
+            <a:ext cx="948937" cy="48201"/>
+          </a:xfrm>
+          <a:custGeom>
+            <a:avLst/>
+            <a:gdLst>
+              <a:gd name="connsiteX0" fmla="*/ 1183341 w 1183341"/>
+              <a:gd name="connsiteY0" fmla="*/ 94129 h 217421"/>
+              <a:gd name="connsiteX1" fmla="*/ 618564 w 1183341"/>
+              <a:gd name="connsiteY1" fmla="*/ 215152 h 217421"/>
+              <a:gd name="connsiteX2" fmla="*/ 0 w 1183341"/>
+              <a:gd name="connsiteY2" fmla="*/ 0 h 217421"/>
+              <a:gd name="connsiteX3" fmla="*/ 0 w 1183341"/>
+              <a:gd name="connsiteY3" fmla="*/ 0 h 217421"/>
+            </a:gdLst>
+            <a:ahLst/>
+            <a:cxnLst>
+              <a:cxn ang="0">
+                <a:pos x="connsiteX0" y="connsiteY0"/>
+              </a:cxn>
+              <a:cxn ang="0">
+                <a:pos x="connsiteX1" y="connsiteY1"/>
+              </a:cxn>
+              <a:cxn ang="0">
+                <a:pos x="connsiteX2" y="connsiteY2"/>
+              </a:cxn>
+              <a:cxn ang="0">
+                <a:pos x="connsiteX3" y="connsiteY3"/>
+              </a:cxn>
+            </a:cxnLst>
+            <a:rect l="l" t="t" r="r" b="b"/>
+            <a:pathLst>
+              <a:path w="1183341" h="217421">
+                <a:moveTo>
+                  <a:pt x="1183341" y="94129"/>
+                </a:moveTo>
+                <a:cubicBezTo>
+                  <a:pt x="999564" y="162484"/>
+                  <a:pt x="815788" y="230840"/>
+                  <a:pt x="618564" y="215152"/>
+                </a:cubicBezTo>
+                <a:cubicBezTo>
+                  <a:pt x="421340" y="199464"/>
+                  <a:pt x="0" y="0"/>
+                  <a:pt x="0" y="0"/>
+                </a:cubicBezTo>
+                <a:lnTo>
+                  <a:pt x="0" y="0"/>
+                </a:lnTo>
+              </a:path>
+            </a:pathLst>
+          </a:custGeom>
+          <a:noFill/>
+          <a:ln w="38100">
+            <a:solidFill>
+              <a:schemeClr val="accent1">
+                <a:lumMod val="75000"/>
+              </a:schemeClr>
+            </a:solidFill>
+            <a:tailEnd type="triangle" w="lg" len="med"/>
+          </a:ln>
+        </p:spPr>
+        <p:style>
+          <a:lnRef idx="2">
+            <a:schemeClr val="accent1">
+              <a:shade val="50000"/>
+            </a:schemeClr>
+          </a:lnRef>
+          <a:fillRef idx="1">
+            <a:schemeClr val="accent1"/>
+          </a:fillRef>
+          <a:effectRef idx="0">
+            <a:schemeClr val="accent1"/>
+          </a:effectRef>
+          <a:fontRef idx="minor">
+            <a:schemeClr val="lt1"/>
+          </a:fontRef>
+        </p:style>
+        <p:txBody>
+          <a:bodyPr rtlCol="0" anchor="ctr"/>
+          <a:lstStyle/>
+          <a:p>
+            <a:pPr algn="ctr"/>
+            <a:endParaRPr lang="en-US"/>
+          </a:p>
+        </p:txBody>
+      </p:sp>
+      <p:sp>
+        <p:nvSpPr>
+          <p:cNvPr id="27" name="Freeform 26"/>
+          <p:cNvSpPr/>
+          <p:nvPr/>
+        </p:nvSpPr>
+        <p:spPr>
+          <a:xfrm rot="21397345">
+            <a:off x="11412751" y="1771783"/>
+            <a:ext cx="687875" cy="57528"/>
+          </a:xfrm>
+          <a:custGeom>
+            <a:avLst/>
+            <a:gdLst>
+              <a:gd name="connsiteX0" fmla="*/ 1183341 w 1183341"/>
+              <a:gd name="connsiteY0" fmla="*/ 94129 h 217421"/>
+              <a:gd name="connsiteX1" fmla="*/ 618564 w 1183341"/>
+              <a:gd name="connsiteY1" fmla="*/ 215152 h 217421"/>
+              <a:gd name="connsiteX2" fmla="*/ 0 w 1183341"/>
+              <a:gd name="connsiteY2" fmla="*/ 0 h 217421"/>
+              <a:gd name="connsiteX3" fmla="*/ 0 w 1183341"/>
+              <a:gd name="connsiteY3" fmla="*/ 0 h 217421"/>
+            </a:gdLst>
+            <a:ahLst/>
+            <a:cxnLst>
+              <a:cxn ang="0">
+                <a:pos x="connsiteX0" y="connsiteY0"/>
+              </a:cxn>
+              <a:cxn ang="0">
+                <a:pos x="connsiteX1" y="connsiteY1"/>
+              </a:cxn>
+              <a:cxn ang="0">
+                <a:pos x="connsiteX2" y="connsiteY2"/>
+              </a:cxn>
+              <a:cxn ang="0">
+                <a:pos x="connsiteX3" y="connsiteY3"/>
+              </a:cxn>
+            </a:cxnLst>
+            <a:rect l="l" t="t" r="r" b="b"/>
+            <a:pathLst>
+              <a:path w="1183341" h="217421">
+                <a:moveTo>
+                  <a:pt x="1183341" y="94129"/>
+                </a:moveTo>
+                <a:cubicBezTo>
+                  <a:pt x="999564" y="162484"/>
+                  <a:pt x="815788" y="230840"/>
+                  <a:pt x="618564" y="215152"/>
+                </a:cubicBezTo>
+                <a:cubicBezTo>
+                  <a:pt x="421340" y="199464"/>
+                  <a:pt x="0" y="0"/>
+                  <a:pt x="0" y="0"/>
+                </a:cubicBezTo>
+                <a:lnTo>
+                  <a:pt x="0" y="0"/>
+                </a:lnTo>
+              </a:path>
+            </a:pathLst>
+          </a:custGeom>
+          <a:noFill/>
+          <a:ln w="38100">
+            <a:solidFill>
+              <a:schemeClr val="accent4">
+                <a:lumMod val="75000"/>
+              </a:schemeClr>
+            </a:solidFill>
+            <a:tailEnd type="triangle" w="lg" len="med"/>
+          </a:ln>
+        </p:spPr>
+        <p:style>
+          <a:lnRef idx="2">
+            <a:schemeClr val="accent1">
+              <a:shade val="50000"/>
+            </a:schemeClr>
+          </a:lnRef>
+          <a:fillRef idx="1">
+            <a:schemeClr val="accent1"/>
+          </a:fillRef>
+          <a:effectRef idx="0">
+            <a:schemeClr val="accent1"/>
+          </a:effectRef>
+          <a:fontRef idx="minor">
+            <a:schemeClr val="lt1"/>
+          </a:fontRef>
+        </p:style>
+        <p:txBody>
+          <a:bodyPr rtlCol="0" anchor="ctr"/>
+          <a:lstStyle/>
+          <a:p>
+            <a:pPr algn="ctr"/>
+            <a:endParaRPr lang="en-US"/>
+          </a:p>
+        </p:txBody>
+      </p:sp>
+      <p:sp>
+        <p:nvSpPr>
+          <p:cNvPr id="29" name="Freeform 28"/>
+          <p:cNvSpPr/>
+          <p:nvPr/>
+        </p:nvSpPr>
+        <p:spPr>
+          <a:xfrm rot="299954" flipV="1">
+            <a:off x="10203083" y="1579271"/>
+            <a:ext cx="917996" cy="54295"/>
+          </a:xfrm>
+          <a:custGeom>
+            <a:avLst/>
+            <a:gdLst>
+              <a:gd name="connsiteX0" fmla="*/ 1183341 w 1183341"/>
+              <a:gd name="connsiteY0" fmla="*/ 94129 h 217421"/>
+              <a:gd name="connsiteX1" fmla="*/ 618564 w 1183341"/>
+              <a:gd name="connsiteY1" fmla="*/ 215152 h 217421"/>
+              <a:gd name="connsiteX2" fmla="*/ 0 w 1183341"/>
+              <a:gd name="connsiteY2" fmla="*/ 0 h 217421"/>
+              <a:gd name="connsiteX3" fmla="*/ 0 w 1183341"/>
+              <a:gd name="connsiteY3" fmla="*/ 0 h 217421"/>
+            </a:gdLst>
+            <a:ahLst/>
+            <a:cxnLst>
+              <a:cxn ang="0">
+                <a:pos x="connsiteX0" y="connsiteY0"/>
+              </a:cxn>
+              <a:cxn ang="0">
+                <a:pos x="connsiteX1" y="connsiteY1"/>
+              </a:cxn>
+              <a:cxn ang="0">
+                <a:pos x="connsiteX2" y="connsiteY2"/>
+              </a:cxn>
+              <a:cxn ang="0">
+                <a:pos x="connsiteX3" y="connsiteY3"/>
+              </a:cxn>
+            </a:cxnLst>
+            <a:rect l="l" t="t" r="r" b="b"/>
+            <a:pathLst>
+              <a:path w="1183341" h="217421">
+                <a:moveTo>
+                  <a:pt x="1183341" y="94129"/>
+                </a:moveTo>
+                <a:cubicBezTo>
+                  <a:pt x="999564" y="162484"/>
+                  <a:pt x="815788" y="230840"/>
+                  <a:pt x="618564" y="215152"/>
+                </a:cubicBezTo>
+                <a:cubicBezTo>
+                  <a:pt x="421340" y="199464"/>
+                  <a:pt x="0" y="0"/>
+                  <a:pt x="0" y="0"/>
+                </a:cubicBezTo>
+                <a:lnTo>
+                  <a:pt x="0" y="0"/>
+                </a:lnTo>
+              </a:path>
+            </a:pathLst>
+          </a:custGeom>
+          <a:noFill/>
+          <a:ln w="38100">
+            <a:solidFill>
+              <a:schemeClr val="accent4">
+                <a:lumMod val="75000"/>
+              </a:schemeClr>
+            </a:solidFill>
+            <a:tailEnd type="triangle" w="lg" len="med"/>
+          </a:ln>
+        </p:spPr>
+        <p:style>
+          <a:lnRef idx="2">
+            <a:schemeClr val="accent1">
+              <a:shade val="50000"/>
+            </a:schemeClr>
+          </a:lnRef>
+          <a:fillRef idx="1">
+            <a:schemeClr val="accent1"/>
+          </a:fillRef>
+          <a:effectRef idx="0">
+            <a:schemeClr val="accent1"/>
+          </a:effectRef>
+          <a:fontRef idx="minor">
+            <a:schemeClr val="lt1"/>
+          </a:fontRef>
+        </p:style>
+        <p:txBody>
+          <a:bodyPr rtlCol="0" anchor="ctr"/>
+          <a:lstStyle/>
+          <a:p>
+            <a:pPr algn="ctr"/>
+            <a:endParaRPr lang="en-US"/>
+          </a:p>
+        </p:txBody>
+      </p:sp>
+      <p:sp>
+        <p:nvSpPr>
+          <p:cNvPr id="30" name="Freeform 29"/>
+          <p:cNvSpPr/>
+          <p:nvPr/>
+        </p:nvSpPr>
+        <p:spPr>
+          <a:xfrm rot="21121106" flipV="1">
+            <a:off x="9832634" y="2156403"/>
+            <a:ext cx="992955" cy="45719"/>
+          </a:xfrm>
+          <a:custGeom>
+            <a:avLst/>
+            <a:gdLst>
+              <a:gd name="connsiteX0" fmla="*/ 1183341 w 1183341"/>
+              <a:gd name="connsiteY0" fmla="*/ 94129 h 217421"/>
+              <a:gd name="connsiteX1" fmla="*/ 618564 w 1183341"/>
+              <a:gd name="connsiteY1" fmla="*/ 215152 h 217421"/>
+              <a:gd name="connsiteX2" fmla="*/ 0 w 1183341"/>
+              <a:gd name="connsiteY2" fmla="*/ 0 h 217421"/>
+              <a:gd name="connsiteX3" fmla="*/ 0 w 1183341"/>
+              <a:gd name="connsiteY3" fmla="*/ 0 h 217421"/>
+            </a:gdLst>
+            <a:ahLst/>
+            <a:cxnLst>
+              <a:cxn ang="0">
+                <a:pos x="connsiteX0" y="connsiteY0"/>
+              </a:cxn>
+              <a:cxn ang="0">
+                <a:pos x="connsiteX1" y="connsiteY1"/>
+              </a:cxn>
+              <a:cxn ang="0">
+                <a:pos x="connsiteX2" y="connsiteY2"/>
+              </a:cxn>
+              <a:cxn ang="0">
+                <a:pos x="connsiteX3" y="connsiteY3"/>
+              </a:cxn>
+            </a:cxnLst>
+            <a:rect l="l" t="t" r="r" b="b"/>
+            <a:pathLst>
+              <a:path w="1183341" h="217421">
+                <a:moveTo>
+                  <a:pt x="1183341" y="94129"/>
+                </a:moveTo>
+                <a:cubicBezTo>
+                  <a:pt x="999564" y="162484"/>
+                  <a:pt x="815788" y="230840"/>
+                  <a:pt x="618564" y="215152"/>
+                </a:cubicBezTo>
+                <a:cubicBezTo>
+                  <a:pt x="421340" y="199464"/>
+                  <a:pt x="0" y="0"/>
+                  <a:pt x="0" y="0"/>
+                </a:cubicBezTo>
+                <a:lnTo>
+                  <a:pt x="0" y="0"/>
+                </a:lnTo>
+              </a:path>
+            </a:pathLst>
+          </a:custGeom>
+          <a:noFill/>
+          <a:ln w="38100">
+            <a:solidFill>
+              <a:schemeClr val="accent4">
+                <a:lumMod val="75000"/>
+              </a:schemeClr>
+            </a:solidFill>
+            <a:tailEnd type="triangle" w="lg" len="med"/>
+          </a:ln>
+        </p:spPr>
+        <p:style>
+          <a:lnRef idx="2">
+            <a:schemeClr val="accent1">
+              <a:shade val="50000"/>
+            </a:schemeClr>
+          </a:lnRef>
+          <a:fillRef idx="1">
+            <a:schemeClr val="accent1"/>
+          </a:fillRef>
+          <a:effectRef idx="0">
+            <a:schemeClr val="accent1"/>
+          </a:effectRef>
+          <a:fontRef idx="minor">
+            <a:schemeClr val="lt1"/>
+          </a:fontRef>
+        </p:style>
+        <p:txBody>
+          <a:bodyPr rtlCol="0" anchor="ctr"/>
+          <a:lstStyle/>
+          <a:p>
+            <a:pPr algn="ctr"/>
+            <a:endParaRPr lang="en-US"/>
+          </a:p>
+        </p:txBody>
+      </p:sp>
+      <p:cxnSp>
+        <p:nvCxnSpPr>
+          <p:cNvPr id="32" name="Straight Arrow Connector 31"/>
+          <p:cNvCxnSpPr/>
+          <p:nvPr/>
+        </p:nvCxnSpPr>
+        <p:spPr>
+          <a:xfrm flipH="1">
+            <a:off x="11357865" y="2168368"/>
+            <a:ext cx="690071" cy="0"/>
+          </a:xfrm>
+          <a:prstGeom prst="straightConnector1">
+            <a:avLst/>
+          </a:prstGeom>
+          <a:ln w="38100">
+            <a:solidFill>
+              <a:schemeClr val="accent4">
+                <a:lumMod val="75000"/>
+              </a:schemeClr>
+            </a:solidFill>
+            <a:tailEnd type="triangle" w="lg" len="med"/>
+          </a:ln>
+        </p:spPr>
+        <p:style>
+          <a:lnRef idx="1">
+            <a:schemeClr val="accent1"/>
+          </a:lnRef>
+          <a:fillRef idx="0">
+            <a:schemeClr val="accent1"/>
+          </a:fillRef>
+          <a:effectRef idx="0">
+            <a:schemeClr val="accent1"/>
+          </a:effectRef>
+          <a:fontRef idx="minor">
+            <a:schemeClr val="tx1"/>
+          </a:fontRef>
+        </p:style>
+      </p:cxnSp>
+      <p:sp>
+        <p:nvSpPr>
+          <p:cNvPr id="33" name="Freeform 32"/>
+          <p:cNvSpPr/>
+          <p:nvPr/>
+        </p:nvSpPr>
+        <p:spPr>
+          <a:xfrm rot="19669132" flipV="1">
+            <a:off x="8954635" y="1759066"/>
+            <a:ext cx="759135" cy="161794"/>
+          </a:xfrm>
+          <a:custGeom>
+            <a:avLst/>
+            <a:gdLst>
+              <a:gd name="connsiteX0" fmla="*/ 1183341 w 1183341"/>
+              <a:gd name="connsiteY0" fmla="*/ 94129 h 217421"/>
+              <a:gd name="connsiteX1" fmla="*/ 618564 w 1183341"/>
+              <a:gd name="connsiteY1" fmla="*/ 215152 h 217421"/>
+              <a:gd name="connsiteX2" fmla="*/ 0 w 1183341"/>
+              <a:gd name="connsiteY2" fmla="*/ 0 h 217421"/>
+              <a:gd name="connsiteX3" fmla="*/ 0 w 1183341"/>
+              <a:gd name="connsiteY3" fmla="*/ 0 h 217421"/>
+            </a:gdLst>
+            <a:ahLst/>
+            <a:cxnLst>
+              <a:cxn ang="0">
+                <a:pos x="connsiteX0" y="connsiteY0"/>
+              </a:cxn>
+              <a:cxn ang="0">
+                <a:pos x="connsiteX1" y="connsiteY1"/>
+              </a:cxn>
+              <a:cxn ang="0">
+                <a:pos x="connsiteX2" y="connsiteY2"/>
+              </a:cxn>
+              <a:cxn ang="0">
+                <a:pos x="connsiteX3" y="connsiteY3"/>
+              </a:cxn>
+            </a:cxnLst>
+            <a:rect l="l" t="t" r="r" b="b"/>
+            <a:pathLst>
+              <a:path w="1183341" h="217421">
+                <a:moveTo>
+                  <a:pt x="1183341" y="94129"/>
+                </a:moveTo>
+                <a:cubicBezTo>
+                  <a:pt x="999564" y="162484"/>
+                  <a:pt x="815788" y="230840"/>
+                  <a:pt x="618564" y="215152"/>
+                </a:cubicBezTo>
+                <a:cubicBezTo>
+                  <a:pt x="421340" y="199464"/>
+                  <a:pt x="0" y="0"/>
+                  <a:pt x="0" y="0"/>
+                </a:cubicBezTo>
+                <a:lnTo>
+                  <a:pt x="0" y="0"/>
+                </a:lnTo>
+              </a:path>
+            </a:pathLst>
+          </a:custGeom>
+          <a:noFill/>
+          <a:ln w="38100">
+            <a:solidFill>
+              <a:schemeClr val="accent4">
+                <a:lumMod val="75000"/>
+              </a:schemeClr>
+            </a:solidFill>
+            <a:tailEnd type="triangle" w="lg" len="med"/>
+          </a:ln>
+        </p:spPr>
+        <p:style>
+          <a:lnRef idx="2">
+            <a:schemeClr val="accent1">
+              <a:shade val="50000"/>
+            </a:schemeClr>
+          </a:lnRef>
+          <a:fillRef idx="1">
+            <a:schemeClr val="accent1"/>
+          </a:fillRef>
+          <a:effectRef idx="0">
+            <a:schemeClr val="accent1"/>
+          </a:effectRef>
+          <a:fontRef idx="minor">
+            <a:schemeClr val="lt1"/>
+          </a:fontRef>
+        </p:style>
+        <p:txBody>
+          <a:bodyPr rtlCol="0" anchor="ctr"/>
+          <a:lstStyle/>
+          <a:p>
+            <a:pPr algn="ctr"/>
+            <a:endParaRPr lang="en-US"/>
+          </a:p>
+        </p:txBody>
+      </p:sp>
+      <p:sp>
+        <p:nvSpPr>
+          <p:cNvPr id="34" name="Freeform 33"/>
+          <p:cNvSpPr/>
+          <p:nvPr/>
+        </p:nvSpPr>
+        <p:spPr>
+          <a:xfrm rot="20336118">
+            <a:off x="9170693" y="2419629"/>
+            <a:ext cx="464355" cy="45719"/>
+          </a:xfrm>
+          <a:custGeom>
+            <a:avLst/>
+            <a:gdLst>
+              <a:gd name="connsiteX0" fmla="*/ 1183341 w 1183341"/>
+              <a:gd name="connsiteY0" fmla="*/ 94129 h 217421"/>
+              <a:gd name="connsiteX1" fmla="*/ 618564 w 1183341"/>
+              <a:gd name="connsiteY1" fmla="*/ 215152 h 217421"/>
+              <a:gd name="connsiteX2" fmla="*/ 0 w 1183341"/>
+              <a:gd name="connsiteY2" fmla="*/ 0 h 217421"/>
+              <a:gd name="connsiteX3" fmla="*/ 0 w 1183341"/>
+              <a:gd name="connsiteY3" fmla="*/ 0 h 217421"/>
+            </a:gdLst>
+            <a:ahLst/>
+            <a:cxnLst>
+              <a:cxn ang="0">
+                <a:pos x="connsiteX0" y="connsiteY0"/>
+              </a:cxn>
+              <a:cxn ang="0">
+                <a:pos x="connsiteX1" y="connsiteY1"/>
+              </a:cxn>
+              <a:cxn ang="0">
+                <a:pos x="connsiteX2" y="connsiteY2"/>
+              </a:cxn>
+              <a:cxn ang="0">
+                <a:pos x="connsiteX3" y="connsiteY3"/>
+              </a:cxn>
+            </a:cxnLst>
+            <a:rect l="l" t="t" r="r" b="b"/>
+            <a:pathLst>
+              <a:path w="1183341" h="217421">
+                <a:moveTo>
+                  <a:pt x="1183341" y="94129"/>
+                </a:moveTo>
+                <a:cubicBezTo>
+                  <a:pt x="999564" y="162484"/>
+                  <a:pt x="815788" y="230840"/>
+                  <a:pt x="618564" y="215152"/>
+                </a:cubicBezTo>
+                <a:cubicBezTo>
+                  <a:pt x="421340" y="199464"/>
+                  <a:pt x="0" y="0"/>
+                  <a:pt x="0" y="0"/>
+                </a:cubicBezTo>
+                <a:lnTo>
+                  <a:pt x="0" y="0"/>
+                </a:lnTo>
+              </a:path>
+            </a:pathLst>
+          </a:custGeom>
+          <a:noFill/>
+          <a:ln w="38100">
+            <a:solidFill>
+              <a:schemeClr val="accent4">
+                <a:lumMod val="75000"/>
+              </a:schemeClr>
+            </a:solidFill>
+            <a:tailEnd type="triangle" w="lg" len="med"/>
+          </a:ln>
+        </p:spPr>
+        <p:style>
+          <a:lnRef idx="2">
+            <a:schemeClr val="accent1">
+              <a:shade val="50000"/>
+            </a:schemeClr>
+          </a:lnRef>
+          <a:fillRef idx="1">
+            <a:schemeClr val="accent1"/>
+          </a:fillRef>
+          <a:effectRef idx="0">
+            <a:schemeClr val="accent1"/>
+          </a:effectRef>
+          <a:fontRef idx="minor">
+            <a:schemeClr val="lt1"/>
+          </a:fontRef>
+        </p:style>
+        <p:txBody>
+          <a:bodyPr rtlCol="0" anchor="ctr"/>
+          <a:lstStyle/>
+          <a:p>
+            <a:pPr algn="ctr"/>
+            <a:endParaRPr lang="en-US"/>
+          </a:p>
+        </p:txBody>
+      </p:sp>
+      <p:sp>
+        <p:nvSpPr>
+          <p:cNvPr id="35" name="Freeform 34"/>
+          <p:cNvSpPr/>
+          <p:nvPr/>
+        </p:nvSpPr>
+        <p:spPr>
+          <a:xfrm rot="18065838" flipV="1">
+            <a:off x="8375696" y="2474822"/>
+            <a:ext cx="645901" cy="46521"/>
+          </a:xfrm>
+          <a:custGeom>
+            <a:avLst/>
+            <a:gdLst>
+              <a:gd name="connsiteX0" fmla="*/ 1183341 w 1183341"/>
+              <a:gd name="connsiteY0" fmla="*/ 94129 h 217421"/>
+              <a:gd name="connsiteX1" fmla="*/ 618564 w 1183341"/>
+              <a:gd name="connsiteY1" fmla="*/ 215152 h 217421"/>
+              <a:gd name="connsiteX2" fmla="*/ 0 w 1183341"/>
+              <a:gd name="connsiteY2" fmla="*/ 0 h 217421"/>
+              <a:gd name="connsiteX3" fmla="*/ 0 w 1183341"/>
+              <a:gd name="connsiteY3" fmla="*/ 0 h 217421"/>
+            </a:gdLst>
+            <a:ahLst/>
+            <a:cxnLst>
+              <a:cxn ang="0">
+                <a:pos x="connsiteX0" y="connsiteY0"/>
+              </a:cxn>
+              <a:cxn ang="0">
+                <a:pos x="connsiteX1" y="connsiteY1"/>
+              </a:cxn>
+              <a:cxn ang="0">
+                <a:pos x="connsiteX2" y="connsiteY2"/>
+              </a:cxn>
+              <a:cxn ang="0">
+                <a:pos x="connsiteX3" y="connsiteY3"/>
+              </a:cxn>
+            </a:cxnLst>
+            <a:rect l="l" t="t" r="r" b="b"/>
+            <a:pathLst>
+              <a:path w="1183341" h="217421">
+                <a:moveTo>
+                  <a:pt x="1183341" y="94129"/>
+                </a:moveTo>
+                <a:cubicBezTo>
+                  <a:pt x="999564" y="162484"/>
+                  <a:pt x="815788" y="230840"/>
+                  <a:pt x="618564" y="215152"/>
+                </a:cubicBezTo>
+                <a:cubicBezTo>
+                  <a:pt x="421340" y="199464"/>
+                  <a:pt x="0" y="0"/>
+                  <a:pt x="0" y="0"/>
+                </a:cubicBezTo>
+                <a:lnTo>
+                  <a:pt x="0" y="0"/>
+                </a:lnTo>
+              </a:path>
+            </a:pathLst>
+          </a:custGeom>
+          <a:noFill/>
+          <a:ln w="38100">
+            <a:solidFill>
+              <a:schemeClr val="accent4">
+                <a:lumMod val="75000"/>
+              </a:schemeClr>
+            </a:solidFill>
+            <a:tailEnd type="triangle" w="lg" len="med"/>
+          </a:ln>
+        </p:spPr>
+        <p:style>
+          <a:lnRef idx="2">
+            <a:schemeClr val="accent1">
+              <a:shade val="50000"/>
+            </a:schemeClr>
+          </a:lnRef>
+          <a:fillRef idx="1">
+            <a:schemeClr val="accent1"/>
+          </a:fillRef>
+          <a:effectRef idx="0">
+            <a:schemeClr val="accent1"/>
+          </a:effectRef>
+          <a:fontRef idx="minor">
+            <a:schemeClr val="lt1"/>
+          </a:fontRef>
+        </p:style>
+        <p:txBody>
+          <a:bodyPr rtlCol="0" anchor="ctr"/>
+          <a:lstStyle/>
+          <a:p>
+            <a:pPr algn="ctr"/>
+            <a:endParaRPr lang="en-US"/>
+          </a:p>
+        </p:txBody>
+      </p:sp>
+      <p:sp>
+        <p:nvSpPr>
+          <p:cNvPr id="36" name="Freeform 35"/>
+          <p:cNvSpPr/>
+          <p:nvPr/>
+        </p:nvSpPr>
+        <p:spPr>
+          <a:xfrm rot="17207512" flipV="1">
+            <a:off x="8706961" y="2735241"/>
+            <a:ext cx="461184" cy="114850"/>
+          </a:xfrm>
+          <a:custGeom>
+            <a:avLst/>
+            <a:gdLst>
+              <a:gd name="connsiteX0" fmla="*/ 1183341 w 1183341"/>
+              <a:gd name="connsiteY0" fmla="*/ 94129 h 217421"/>
+              <a:gd name="connsiteX1" fmla="*/ 618564 w 1183341"/>
+              <a:gd name="connsiteY1" fmla="*/ 215152 h 217421"/>
+              <a:gd name="connsiteX2" fmla="*/ 0 w 1183341"/>
+              <a:gd name="connsiteY2" fmla="*/ 0 h 217421"/>
+              <a:gd name="connsiteX3" fmla="*/ 0 w 1183341"/>
+              <a:gd name="connsiteY3" fmla="*/ 0 h 217421"/>
+            </a:gdLst>
+            <a:ahLst/>
+            <a:cxnLst>
+              <a:cxn ang="0">
+                <a:pos x="connsiteX0" y="connsiteY0"/>
+              </a:cxn>
+              <a:cxn ang="0">
+                <a:pos x="connsiteX1" y="connsiteY1"/>
+              </a:cxn>
+              <a:cxn ang="0">
+                <a:pos x="connsiteX2" y="connsiteY2"/>
+              </a:cxn>
+              <a:cxn ang="0">
+                <a:pos x="connsiteX3" y="connsiteY3"/>
+              </a:cxn>
+            </a:cxnLst>
+            <a:rect l="l" t="t" r="r" b="b"/>
+            <a:pathLst>
+              <a:path w="1183341" h="217421">
+                <a:moveTo>
+                  <a:pt x="1183341" y="94129"/>
+                </a:moveTo>
+                <a:cubicBezTo>
+                  <a:pt x="999564" y="162484"/>
+                  <a:pt x="815788" y="230840"/>
+                  <a:pt x="618564" y="215152"/>
+                </a:cubicBezTo>
+                <a:cubicBezTo>
+                  <a:pt x="421340" y="199464"/>
+                  <a:pt x="0" y="0"/>
+                  <a:pt x="0" y="0"/>
+                </a:cubicBezTo>
+                <a:lnTo>
+                  <a:pt x="0" y="0"/>
+                </a:lnTo>
+              </a:path>
+            </a:pathLst>
+          </a:custGeom>
+          <a:noFill/>
+          <a:ln w="38100">
+            <a:solidFill>
+              <a:schemeClr val="accent4">
+                <a:lumMod val="75000"/>
+              </a:schemeClr>
+            </a:solidFill>
+            <a:tailEnd type="triangle" w="lg" len="med"/>
+          </a:ln>
+        </p:spPr>
+        <p:style>
+          <a:lnRef idx="2">
+            <a:schemeClr val="accent1">
+              <a:shade val="50000"/>
+            </a:schemeClr>
+          </a:lnRef>
+          <a:fillRef idx="1">
+            <a:schemeClr val="accent1"/>
+          </a:fillRef>
+          <a:effectRef idx="0">
+            <a:schemeClr val="accent1"/>
+          </a:effectRef>
+          <a:fontRef idx="minor">
+            <a:schemeClr val="lt1"/>
+          </a:fontRef>
+        </p:style>
+        <p:txBody>
+          <a:bodyPr rtlCol="0" anchor="ctr"/>
+          <a:lstStyle/>
+          <a:p>
+            <a:pPr algn="ctr"/>
+            <a:endParaRPr lang="en-US"/>
+          </a:p>
+        </p:txBody>
+      </p:sp>
+      <p:sp>
+        <p:nvSpPr>
+          <p:cNvPr id="37" name="Freeform 36"/>
+          <p:cNvSpPr/>
+          <p:nvPr/>
+        </p:nvSpPr>
+        <p:spPr>
+          <a:xfrm rot="19106737">
+            <a:off x="7871983" y="1764344"/>
+            <a:ext cx="759135" cy="93085"/>
+          </a:xfrm>
+          <a:custGeom>
+            <a:avLst/>
+            <a:gdLst>
+              <a:gd name="connsiteX0" fmla="*/ 1183341 w 1183341"/>
+              <a:gd name="connsiteY0" fmla="*/ 94129 h 217421"/>
+              <a:gd name="connsiteX1" fmla="*/ 618564 w 1183341"/>
+              <a:gd name="connsiteY1" fmla="*/ 215152 h 217421"/>
+              <a:gd name="connsiteX2" fmla="*/ 0 w 1183341"/>
+              <a:gd name="connsiteY2" fmla="*/ 0 h 217421"/>
+              <a:gd name="connsiteX3" fmla="*/ 0 w 1183341"/>
+              <a:gd name="connsiteY3" fmla="*/ 0 h 217421"/>
+            </a:gdLst>
+            <a:ahLst/>
+            <a:cxnLst>
+              <a:cxn ang="0">
+                <a:pos x="connsiteX0" y="connsiteY0"/>
+              </a:cxn>
+              <a:cxn ang="0">
+                <a:pos x="connsiteX1" y="connsiteY1"/>
+              </a:cxn>
+              <a:cxn ang="0">
+                <a:pos x="connsiteX2" y="connsiteY2"/>
+              </a:cxn>
+              <a:cxn ang="0">
+                <a:pos x="connsiteX3" y="connsiteY3"/>
+              </a:cxn>
+            </a:cxnLst>
+            <a:rect l="l" t="t" r="r" b="b"/>
+            <a:pathLst>
+              <a:path w="1183341" h="217421">
+                <a:moveTo>
+                  <a:pt x="1183341" y="94129"/>
+                </a:moveTo>
+                <a:cubicBezTo>
+                  <a:pt x="999564" y="162484"/>
+                  <a:pt x="815788" y="230840"/>
+                  <a:pt x="618564" y="215152"/>
+                </a:cubicBezTo>
+                <a:cubicBezTo>
+                  <a:pt x="421340" y="199464"/>
+                  <a:pt x="0" y="0"/>
+                  <a:pt x="0" y="0"/>
+                </a:cubicBezTo>
+                <a:lnTo>
+                  <a:pt x="0" y="0"/>
+                </a:lnTo>
+              </a:path>
+            </a:pathLst>
+          </a:custGeom>
+          <a:noFill/>
+          <a:ln w="38100">
+            <a:solidFill>
+              <a:schemeClr val="accent4">
+                <a:lumMod val="75000"/>
+              </a:schemeClr>
+            </a:solidFill>
+            <a:tailEnd type="triangle" w="lg" len="med"/>
+          </a:ln>
+        </p:spPr>
+        <p:style>
+          <a:lnRef idx="2">
+            <a:schemeClr val="accent1">
+              <a:shade val="50000"/>
+            </a:schemeClr>
+          </a:lnRef>
+          <a:fillRef idx="1">
+            <a:schemeClr val="accent1"/>
+          </a:fillRef>
+          <a:effectRef idx="0">
+            <a:schemeClr val="accent1"/>
+          </a:effectRef>
+          <a:fontRef idx="minor">
+            <a:schemeClr val="lt1"/>
+          </a:fontRef>
+        </p:style>
+        <p:txBody>
+          <a:bodyPr rtlCol="0" anchor="ctr"/>
+          <a:lstStyle/>
+          <a:p>
+            <a:pPr algn="ctr"/>
+            <a:endParaRPr lang="en-US"/>
+          </a:p>
+        </p:txBody>
+      </p:sp>
+      <p:sp>
+        <p:nvSpPr>
+          <p:cNvPr id="38" name="Freeform 37"/>
+          <p:cNvSpPr/>
+          <p:nvPr/>
+        </p:nvSpPr>
+        <p:spPr>
+          <a:xfrm rot="19859697">
+            <a:off x="6862790" y="2009158"/>
+            <a:ext cx="759135" cy="93085"/>
+          </a:xfrm>
+          <a:custGeom>
+            <a:avLst/>
+            <a:gdLst>
+              <a:gd name="connsiteX0" fmla="*/ 1183341 w 1183341"/>
+              <a:gd name="connsiteY0" fmla="*/ 94129 h 217421"/>
+              <a:gd name="connsiteX1" fmla="*/ 618564 w 1183341"/>
+              <a:gd name="connsiteY1" fmla="*/ 215152 h 217421"/>
+              <a:gd name="connsiteX2" fmla="*/ 0 w 1183341"/>
+              <a:gd name="connsiteY2" fmla="*/ 0 h 217421"/>
+              <a:gd name="connsiteX3" fmla="*/ 0 w 1183341"/>
+              <a:gd name="connsiteY3" fmla="*/ 0 h 217421"/>
+            </a:gdLst>
+            <a:ahLst/>
+            <a:cxnLst>
+              <a:cxn ang="0">
+                <a:pos x="connsiteX0" y="connsiteY0"/>
+              </a:cxn>
+              <a:cxn ang="0">
+                <a:pos x="connsiteX1" y="connsiteY1"/>
+              </a:cxn>
+              <a:cxn ang="0">
+                <a:pos x="connsiteX2" y="connsiteY2"/>
+              </a:cxn>
+              <a:cxn ang="0">
+                <a:pos x="connsiteX3" y="connsiteY3"/>
+              </a:cxn>
+            </a:cxnLst>
+            <a:rect l="l" t="t" r="r" b="b"/>
+            <a:pathLst>
+              <a:path w="1183341" h="217421">
+                <a:moveTo>
+                  <a:pt x="1183341" y="94129"/>
+                </a:moveTo>
+                <a:cubicBezTo>
+                  <a:pt x="999564" y="162484"/>
+                  <a:pt x="815788" y="230840"/>
+                  <a:pt x="618564" y="215152"/>
+                </a:cubicBezTo>
+                <a:cubicBezTo>
+                  <a:pt x="421340" y="199464"/>
+                  <a:pt x="0" y="0"/>
+                  <a:pt x="0" y="0"/>
+                </a:cubicBezTo>
+                <a:lnTo>
+                  <a:pt x="0" y="0"/>
+                </a:lnTo>
+              </a:path>
+            </a:pathLst>
+          </a:custGeom>
+          <a:noFill/>
+          <a:ln w="38100">
+            <a:solidFill>
+              <a:schemeClr val="accent4">
+                <a:lumMod val="75000"/>
+              </a:schemeClr>
+            </a:solidFill>
+            <a:tailEnd type="triangle" w="lg" len="med"/>
+          </a:ln>
+        </p:spPr>
+        <p:style>
+          <a:lnRef idx="2">
+            <a:schemeClr val="accent1">
+              <a:shade val="50000"/>
+            </a:schemeClr>
+          </a:lnRef>
+          <a:fillRef idx="1">
+            <a:schemeClr val="accent1"/>
+          </a:fillRef>
+          <a:effectRef idx="0">
+            <a:schemeClr val="accent1"/>
+          </a:effectRef>
+          <a:fontRef idx="minor">
+            <a:schemeClr val="lt1"/>
+          </a:fontRef>
+        </p:style>
+        <p:txBody>
+          <a:bodyPr rtlCol="0" anchor="ctr"/>
+          <a:lstStyle/>
+          <a:p>
+            <a:pPr algn="ctr"/>
+            <a:endParaRPr lang="en-US"/>
+          </a:p>
+        </p:txBody>
+      </p:sp>
+      <p:sp>
+        <p:nvSpPr>
+          <p:cNvPr id="39" name="Freeform 38"/>
+          <p:cNvSpPr/>
+          <p:nvPr/>
+        </p:nvSpPr>
+        <p:spPr>
+          <a:xfrm rot="19925980">
+            <a:off x="7387776" y="2373192"/>
+            <a:ext cx="527252" cy="45719"/>
+          </a:xfrm>
+          <a:custGeom>
+            <a:avLst/>
+            <a:gdLst>
+              <a:gd name="connsiteX0" fmla="*/ 1183341 w 1183341"/>
+              <a:gd name="connsiteY0" fmla="*/ 94129 h 217421"/>
+              <a:gd name="connsiteX1" fmla="*/ 618564 w 1183341"/>
+              <a:gd name="connsiteY1" fmla="*/ 215152 h 217421"/>
+              <a:gd name="connsiteX2" fmla="*/ 0 w 1183341"/>
+              <a:gd name="connsiteY2" fmla="*/ 0 h 217421"/>
+              <a:gd name="connsiteX3" fmla="*/ 0 w 1183341"/>
+              <a:gd name="connsiteY3" fmla="*/ 0 h 217421"/>
+            </a:gdLst>
+            <a:ahLst/>
+            <a:cxnLst>
+              <a:cxn ang="0">
+                <a:pos x="connsiteX0" y="connsiteY0"/>
+              </a:cxn>
+              <a:cxn ang="0">
+                <a:pos x="connsiteX1" y="connsiteY1"/>
+              </a:cxn>
+              <a:cxn ang="0">
+                <a:pos x="connsiteX2" y="connsiteY2"/>
+              </a:cxn>
+              <a:cxn ang="0">
+                <a:pos x="connsiteX3" y="connsiteY3"/>
+              </a:cxn>
+            </a:cxnLst>
+            <a:rect l="l" t="t" r="r" b="b"/>
+            <a:pathLst>
+              <a:path w="1183341" h="217421">
+                <a:moveTo>
+                  <a:pt x="1183341" y="94129"/>
+                </a:moveTo>
+                <a:cubicBezTo>
+                  <a:pt x="999564" y="162484"/>
+                  <a:pt x="815788" y="230840"/>
+                  <a:pt x="618564" y="215152"/>
+                </a:cubicBezTo>
+                <a:cubicBezTo>
+                  <a:pt x="421340" y="199464"/>
+                  <a:pt x="0" y="0"/>
+                  <a:pt x="0" y="0"/>
+                </a:cubicBezTo>
+                <a:lnTo>
+                  <a:pt x="0" y="0"/>
+                </a:lnTo>
+              </a:path>
+            </a:pathLst>
+          </a:custGeom>
+          <a:noFill/>
+          <a:ln w="38100">
+            <a:solidFill>
+              <a:schemeClr val="accent4">
+                <a:lumMod val="75000"/>
+              </a:schemeClr>
+            </a:solidFill>
+            <a:tailEnd type="triangle" w="lg" len="med"/>
+          </a:ln>
+        </p:spPr>
+        <p:style>
+          <a:lnRef idx="2">
+            <a:schemeClr val="accent1">
+              <a:shade val="50000"/>
+            </a:schemeClr>
+          </a:lnRef>
+          <a:fillRef idx="1">
+            <a:schemeClr val="accent1"/>
+          </a:fillRef>
+          <a:effectRef idx="0">
+            <a:schemeClr val="accent1"/>
+          </a:effectRef>
+          <a:fontRef idx="minor">
+            <a:schemeClr val="lt1"/>
+          </a:fontRef>
+        </p:style>
+        <p:txBody>
+          <a:bodyPr rtlCol="0" anchor="ctr"/>
+          <a:lstStyle/>
+          <a:p>
+            <a:pPr algn="ctr"/>
+            <a:endParaRPr lang="en-US"/>
+          </a:p>
+        </p:txBody>
+      </p:sp>
+      <p:sp>
+        <p:nvSpPr>
+          <p:cNvPr id="40" name="Freeform 39"/>
+          <p:cNvSpPr/>
+          <p:nvPr/>
+        </p:nvSpPr>
+        <p:spPr>
+          <a:xfrm rot="18920738">
+            <a:off x="7959796" y="2431174"/>
+            <a:ext cx="527252" cy="45719"/>
+          </a:xfrm>
+          <a:custGeom>
+            <a:avLst/>
+            <a:gdLst>
+              <a:gd name="connsiteX0" fmla="*/ 1183341 w 1183341"/>
+              <a:gd name="connsiteY0" fmla="*/ 94129 h 217421"/>
+              <a:gd name="connsiteX1" fmla="*/ 618564 w 1183341"/>
+              <a:gd name="connsiteY1" fmla="*/ 215152 h 217421"/>
+              <a:gd name="connsiteX2" fmla="*/ 0 w 1183341"/>
+              <a:gd name="connsiteY2" fmla="*/ 0 h 217421"/>
+              <a:gd name="connsiteX3" fmla="*/ 0 w 1183341"/>
+              <a:gd name="connsiteY3" fmla="*/ 0 h 217421"/>
+            </a:gdLst>
+            <a:ahLst/>
+            <a:cxnLst>
+              <a:cxn ang="0">
+                <a:pos x="connsiteX0" y="connsiteY0"/>
+              </a:cxn>
+              <a:cxn ang="0">
+                <a:pos x="connsiteX1" y="connsiteY1"/>
+              </a:cxn>
+              <a:cxn ang="0">
+                <a:pos x="connsiteX2" y="connsiteY2"/>
+              </a:cxn>
+              <a:cxn ang="0">
+                <a:pos x="connsiteX3" y="connsiteY3"/>
+              </a:cxn>
+            </a:cxnLst>
+            <a:rect l="l" t="t" r="r" b="b"/>
+            <a:pathLst>
+              <a:path w="1183341" h="217421">
+                <a:moveTo>
+                  <a:pt x="1183341" y="94129"/>
+                </a:moveTo>
+                <a:cubicBezTo>
+                  <a:pt x="999564" y="162484"/>
+                  <a:pt x="815788" y="230840"/>
+                  <a:pt x="618564" y="215152"/>
+                </a:cubicBezTo>
+                <a:cubicBezTo>
+                  <a:pt x="421340" y="199464"/>
+                  <a:pt x="0" y="0"/>
+                  <a:pt x="0" y="0"/>
+                </a:cubicBezTo>
+                <a:lnTo>
+                  <a:pt x="0" y="0"/>
+                </a:lnTo>
+              </a:path>
+            </a:pathLst>
+          </a:custGeom>
+          <a:noFill/>
+          <a:ln w="38100">
+            <a:solidFill>
+              <a:schemeClr val="accent4">
+                <a:lumMod val="75000"/>
+              </a:schemeClr>
+            </a:solidFill>
+            <a:tailEnd type="triangle" w="lg" len="med"/>
+          </a:ln>
+        </p:spPr>
+        <p:style>
+          <a:lnRef idx="2">
+            <a:schemeClr val="accent1">
+              <a:shade val="50000"/>
+            </a:schemeClr>
+          </a:lnRef>
+          <a:fillRef idx="1">
+            <a:schemeClr val="accent1"/>
+          </a:fillRef>
+          <a:effectRef idx="0">
+            <a:schemeClr val="accent1"/>
+          </a:effectRef>
+          <a:fontRef idx="minor">
+            <a:schemeClr val="lt1"/>
+          </a:fontRef>
+        </p:style>
+        <p:txBody>
+          <a:bodyPr rtlCol="0" anchor="ctr"/>
+          <a:lstStyle/>
+          <a:p>
+            <a:pPr algn="ctr"/>
+            <a:endParaRPr lang="en-US"/>
+          </a:p>
+        </p:txBody>
+      </p:sp>
+      <p:sp>
+        <p:nvSpPr>
+          <p:cNvPr id="41" name="Freeform 40"/>
+          <p:cNvSpPr/>
+          <p:nvPr/>
+        </p:nvSpPr>
+        <p:spPr>
+          <a:xfrm rot="672102" flipV="1">
+            <a:off x="10714961" y="3425658"/>
+            <a:ext cx="992955" cy="45719"/>
+          </a:xfrm>
+          <a:custGeom>
+            <a:avLst/>
+            <a:gdLst>
+              <a:gd name="connsiteX0" fmla="*/ 1183341 w 1183341"/>
+              <a:gd name="connsiteY0" fmla="*/ 94129 h 217421"/>
+              <a:gd name="connsiteX1" fmla="*/ 618564 w 1183341"/>
+              <a:gd name="connsiteY1" fmla="*/ 215152 h 217421"/>
+              <a:gd name="connsiteX2" fmla="*/ 0 w 1183341"/>
+              <a:gd name="connsiteY2" fmla="*/ 0 h 217421"/>
+              <a:gd name="connsiteX3" fmla="*/ 0 w 1183341"/>
+              <a:gd name="connsiteY3" fmla="*/ 0 h 217421"/>
+            </a:gdLst>
+            <a:ahLst/>
+            <a:cxnLst>
+              <a:cxn ang="0">
+                <a:pos x="connsiteX0" y="connsiteY0"/>
+              </a:cxn>
+              <a:cxn ang="0">
+                <a:pos x="connsiteX1" y="connsiteY1"/>
+              </a:cxn>
+              <a:cxn ang="0">
+                <a:pos x="connsiteX2" y="connsiteY2"/>
+              </a:cxn>
+              <a:cxn ang="0">
+                <a:pos x="connsiteX3" y="connsiteY3"/>
+              </a:cxn>
+            </a:cxnLst>
+            <a:rect l="l" t="t" r="r" b="b"/>
+            <a:pathLst>
+              <a:path w="1183341" h="217421">
+                <a:moveTo>
+                  <a:pt x="1183341" y="94129"/>
+                </a:moveTo>
+                <a:cubicBezTo>
+                  <a:pt x="999564" y="162484"/>
+                  <a:pt x="815788" y="230840"/>
+                  <a:pt x="618564" y="215152"/>
+                </a:cubicBezTo>
+                <a:cubicBezTo>
+                  <a:pt x="421340" y="199464"/>
+                  <a:pt x="0" y="0"/>
+                  <a:pt x="0" y="0"/>
+                </a:cubicBezTo>
+                <a:lnTo>
+                  <a:pt x="0" y="0"/>
+                </a:lnTo>
+              </a:path>
+            </a:pathLst>
+          </a:custGeom>
+          <a:noFill/>
+          <a:ln w="38100">
+            <a:solidFill>
+              <a:schemeClr val="accent2">
+                <a:lumMod val="75000"/>
+              </a:schemeClr>
+            </a:solidFill>
+            <a:tailEnd type="triangle" w="lg" len="med"/>
+          </a:ln>
+        </p:spPr>
+        <p:style>
+          <a:lnRef idx="2">
+            <a:schemeClr val="accent1">
+              <a:shade val="50000"/>
+            </a:schemeClr>
+          </a:lnRef>
+          <a:fillRef idx="1">
+            <a:schemeClr val="accent1"/>
+          </a:fillRef>
+          <a:effectRef idx="0">
+            <a:schemeClr val="accent1"/>
+          </a:effectRef>
+          <a:fontRef idx="minor">
+            <a:schemeClr val="lt1"/>
+          </a:fontRef>
+        </p:style>
+        <p:txBody>
+          <a:bodyPr rtlCol="0" anchor="ctr"/>
+          <a:lstStyle/>
+          <a:p>
+            <a:pPr algn="ctr"/>
+            <a:endParaRPr lang="en-US"/>
+          </a:p>
+        </p:txBody>
+      </p:sp>
+      <p:sp>
+        <p:nvSpPr>
+          <p:cNvPr id="42" name="Freeform 41"/>
+          <p:cNvSpPr/>
+          <p:nvPr/>
+        </p:nvSpPr>
+        <p:spPr>
+          <a:xfrm rot="240505" flipV="1">
+            <a:off x="10625221" y="2949647"/>
+            <a:ext cx="992955" cy="45719"/>
+          </a:xfrm>
+          <a:custGeom>
+            <a:avLst/>
+            <a:gdLst>
+              <a:gd name="connsiteX0" fmla="*/ 1183341 w 1183341"/>
+              <a:gd name="connsiteY0" fmla="*/ 94129 h 217421"/>
+              <a:gd name="connsiteX1" fmla="*/ 618564 w 1183341"/>
+              <a:gd name="connsiteY1" fmla="*/ 215152 h 217421"/>
+              <a:gd name="connsiteX2" fmla="*/ 0 w 1183341"/>
+              <a:gd name="connsiteY2" fmla="*/ 0 h 217421"/>
+              <a:gd name="connsiteX3" fmla="*/ 0 w 1183341"/>
+              <a:gd name="connsiteY3" fmla="*/ 0 h 217421"/>
+            </a:gdLst>
+            <a:ahLst/>
+            <a:cxnLst>
+              <a:cxn ang="0">
+                <a:pos x="connsiteX0" y="connsiteY0"/>
+              </a:cxn>
+              <a:cxn ang="0">
+                <a:pos x="connsiteX1" y="connsiteY1"/>
+              </a:cxn>
+              <a:cxn ang="0">
+                <a:pos x="connsiteX2" y="connsiteY2"/>
+              </a:cxn>
+              <a:cxn ang="0">
+                <a:pos x="connsiteX3" y="connsiteY3"/>
+              </a:cxn>
+            </a:cxnLst>
+            <a:rect l="l" t="t" r="r" b="b"/>
+            <a:pathLst>
+              <a:path w="1183341" h="217421">
+                <a:moveTo>
+                  <a:pt x="1183341" y="94129"/>
+                </a:moveTo>
+                <a:cubicBezTo>
+                  <a:pt x="999564" y="162484"/>
+                  <a:pt x="815788" y="230840"/>
+                  <a:pt x="618564" y="215152"/>
+                </a:cubicBezTo>
+                <a:cubicBezTo>
+                  <a:pt x="421340" y="199464"/>
+                  <a:pt x="0" y="0"/>
+                  <a:pt x="0" y="0"/>
+                </a:cubicBezTo>
+                <a:lnTo>
+                  <a:pt x="0" y="0"/>
+                </a:lnTo>
+              </a:path>
+            </a:pathLst>
+          </a:custGeom>
+          <a:noFill/>
+          <a:ln w="38100">
+            <a:solidFill>
+              <a:schemeClr val="accent2">
+                <a:lumMod val="75000"/>
+              </a:schemeClr>
+            </a:solidFill>
+            <a:tailEnd type="triangle" w="lg" len="med"/>
+          </a:ln>
+        </p:spPr>
+        <p:style>
+          <a:lnRef idx="2">
+            <a:schemeClr val="accent1">
+              <a:shade val="50000"/>
+            </a:schemeClr>
+          </a:lnRef>
+          <a:fillRef idx="1">
+            <a:schemeClr val="accent1"/>
+          </a:fillRef>
+          <a:effectRef idx="0">
+            <a:schemeClr val="accent1"/>
+          </a:effectRef>
+          <a:fontRef idx="minor">
+            <a:schemeClr val="lt1"/>
+          </a:fontRef>
+        </p:style>
+        <p:txBody>
+          <a:bodyPr rtlCol="0" anchor="ctr"/>
+          <a:lstStyle/>
+          <a:p>
+            <a:pPr algn="ctr"/>
+            <a:endParaRPr lang="en-US"/>
+          </a:p>
+        </p:txBody>
+      </p:sp>
+      <p:sp>
+        <p:nvSpPr>
+          <p:cNvPr id="43" name="Freeform 42"/>
+          <p:cNvSpPr/>
+          <p:nvPr/>
+        </p:nvSpPr>
+        <p:spPr>
+          <a:xfrm rot="703859" flipV="1">
+            <a:off x="9734822" y="3181421"/>
+            <a:ext cx="595865" cy="45719"/>
+          </a:xfrm>
+          <a:custGeom>
+            <a:avLst/>
+            <a:gdLst>
+              <a:gd name="connsiteX0" fmla="*/ 1183341 w 1183341"/>
+              <a:gd name="connsiteY0" fmla="*/ 94129 h 217421"/>
+              <a:gd name="connsiteX1" fmla="*/ 618564 w 1183341"/>
+              <a:gd name="connsiteY1" fmla="*/ 215152 h 217421"/>
+              <a:gd name="connsiteX2" fmla="*/ 0 w 1183341"/>
+              <a:gd name="connsiteY2" fmla="*/ 0 h 217421"/>
+              <a:gd name="connsiteX3" fmla="*/ 0 w 1183341"/>
+              <a:gd name="connsiteY3" fmla="*/ 0 h 217421"/>
+            </a:gdLst>
+            <a:ahLst/>
+            <a:cxnLst>
+              <a:cxn ang="0">
+                <a:pos x="connsiteX0" y="connsiteY0"/>
+              </a:cxn>
+              <a:cxn ang="0">
+                <a:pos x="connsiteX1" y="connsiteY1"/>
+              </a:cxn>
+              <a:cxn ang="0">
+                <a:pos x="connsiteX2" y="connsiteY2"/>
+              </a:cxn>
+              <a:cxn ang="0">
+                <a:pos x="connsiteX3" y="connsiteY3"/>
+              </a:cxn>
+            </a:cxnLst>
+            <a:rect l="l" t="t" r="r" b="b"/>
+            <a:pathLst>
+              <a:path w="1183341" h="217421">
+                <a:moveTo>
+                  <a:pt x="1183341" y="94129"/>
+                </a:moveTo>
+                <a:cubicBezTo>
+                  <a:pt x="999564" y="162484"/>
+                  <a:pt x="815788" y="230840"/>
+                  <a:pt x="618564" y="215152"/>
+                </a:cubicBezTo>
+                <a:cubicBezTo>
+                  <a:pt x="421340" y="199464"/>
+                  <a:pt x="0" y="0"/>
+                  <a:pt x="0" y="0"/>
+                </a:cubicBezTo>
+                <a:lnTo>
+                  <a:pt x="0" y="0"/>
+                </a:lnTo>
+              </a:path>
+            </a:pathLst>
+          </a:custGeom>
+          <a:noFill/>
+          <a:ln w="38100">
+            <a:solidFill>
+              <a:schemeClr val="accent2">
+                <a:lumMod val="75000"/>
+              </a:schemeClr>
+            </a:solidFill>
+            <a:tailEnd type="triangle" w="lg" len="med"/>
+          </a:ln>
+        </p:spPr>
+        <p:style>
+          <a:lnRef idx="2">
+            <a:schemeClr val="accent1">
+              <a:shade val="50000"/>
+            </a:schemeClr>
+          </a:lnRef>
+          <a:fillRef idx="1">
+            <a:schemeClr val="accent1"/>
+          </a:fillRef>
+          <a:effectRef idx="0">
+            <a:schemeClr val="accent1"/>
+          </a:effectRef>
+          <a:fontRef idx="minor">
+            <a:schemeClr val="lt1"/>
+          </a:fontRef>
+        </p:style>
+        <p:txBody>
+          <a:bodyPr rtlCol="0" anchor="ctr"/>
+          <a:lstStyle/>
+          <a:p>
+            <a:pPr algn="ctr"/>
+            <a:endParaRPr lang="en-US"/>
+          </a:p>
+        </p:txBody>
+      </p:sp>
+      <p:sp>
+        <p:nvSpPr>
+          <p:cNvPr id="44" name="Freeform 43"/>
+          <p:cNvSpPr/>
+          <p:nvPr/>
+        </p:nvSpPr>
+        <p:spPr>
+          <a:xfrm rot="338990" flipV="1">
+            <a:off x="8333677" y="3213434"/>
+            <a:ext cx="964564" cy="45719"/>
+          </a:xfrm>
+          <a:custGeom>
+            <a:avLst/>
+            <a:gdLst>
+              <a:gd name="connsiteX0" fmla="*/ 1183341 w 1183341"/>
+              <a:gd name="connsiteY0" fmla="*/ 94129 h 217421"/>
+              <a:gd name="connsiteX1" fmla="*/ 618564 w 1183341"/>
+              <a:gd name="connsiteY1" fmla="*/ 215152 h 217421"/>
+              <a:gd name="connsiteX2" fmla="*/ 0 w 1183341"/>
+              <a:gd name="connsiteY2" fmla="*/ 0 h 217421"/>
+              <a:gd name="connsiteX3" fmla="*/ 0 w 1183341"/>
+              <a:gd name="connsiteY3" fmla="*/ 0 h 217421"/>
+            </a:gdLst>
+            <a:ahLst/>
+            <a:cxnLst>
+              <a:cxn ang="0">
+                <a:pos x="connsiteX0" y="connsiteY0"/>
+              </a:cxn>
+              <a:cxn ang="0">
+                <a:pos x="connsiteX1" y="connsiteY1"/>
+              </a:cxn>
+              <a:cxn ang="0">
+                <a:pos x="connsiteX2" y="connsiteY2"/>
+              </a:cxn>
+              <a:cxn ang="0">
+                <a:pos x="connsiteX3" y="connsiteY3"/>
+              </a:cxn>
+            </a:cxnLst>
+            <a:rect l="l" t="t" r="r" b="b"/>
+            <a:pathLst>
+              <a:path w="1183341" h="217421">
+                <a:moveTo>
+                  <a:pt x="1183341" y="94129"/>
+                </a:moveTo>
+                <a:cubicBezTo>
+                  <a:pt x="999564" y="162484"/>
+                  <a:pt x="815788" y="230840"/>
+                  <a:pt x="618564" y="215152"/>
+                </a:cubicBezTo>
+                <a:cubicBezTo>
+                  <a:pt x="421340" y="199464"/>
+                  <a:pt x="0" y="0"/>
+                  <a:pt x="0" y="0"/>
+                </a:cubicBezTo>
+                <a:lnTo>
+                  <a:pt x="0" y="0"/>
+                </a:lnTo>
+              </a:path>
+            </a:pathLst>
+          </a:custGeom>
+          <a:noFill/>
+          <a:ln w="38100">
+            <a:solidFill>
+              <a:schemeClr val="accent2">
+                <a:lumMod val="75000"/>
+              </a:schemeClr>
+            </a:solidFill>
+            <a:tailEnd type="triangle" w="lg" len="med"/>
+          </a:ln>
+        </p:spPr>
+        <p:style>
+          <a:lnRef idx="2">
+            <a:schemeClr val="accent1">
+              <a:shade val="50000"/>
+            </a:schemeClr>
+          </a:lnRef>
+          <a:fillRef idx="1">
+            <a:schemeClr val="accent1"/>
+          </a:fillRef>
+          <a:effectRef idx="0">
+            <a:schemeClr val="accent1"/>
+          </a:effectRef>
+          <a:fontRef idx="minor">
+            <a:schemeClr val="lt1"/>
+          </a:fontRef>
+        </p:style>
+        <p:txBody>
+          <a:bodyPr rtlCol="0" anchor="ctr"/>
+          <a:lstStyle/>
+          <a:p>
+            <a:pPr algn="ctr"/>
+            <a:endParaRPr lang="en-US"/>
+          </a:p>
+        </p:txBody>
+      </p:sp>
+      <p:sp>
+        <p:nvSpPr>
+          <p:cNvPr id="45" name="Freeform 44"/>
+          <p:cNvSpPr/>
+          <p:nvPr/>
+        </p:nvSpPr>
+        <p:spPr>
+          <a:xfrm rot="21325153" flipV="1">
+            <a:off x="8027608" y="3460141"/>
+            <a:ext cx="964564" cy="96743"/>
+          </a:xfrm>
+          <a:custGeom>
+            <a:avLst/>
+            <a:gdLst>
+              <a:gd name="connsiteX0" fmla="*/ 1183341 w 1183341"/>
+              <a:gd name="connsiteY0" fmla="*/ 94129 h 217421"/>
+              <a:gd name="connsiteX1" fmla="*/ 618564 w 1183341"/>
+              <a:gd name="connsiteY1" fmla="*/ 215152 h 217421"/>
+              <a:gd name="connsiteX2" fmla="*/ 0 w 1183341"/>
+              <a:gd name="connsiteY2" fmla="*/ 0 h 217421"/>
+              <a:gd name="connsiteX3" fmla="*/ 0 w 1183341"/>
+              <a:gd name="connsiteY3" fmla="*/ 0 h 217421"/>
+            </a:gdLst>
+            <a:ahLst/>
+            <a:cxnLst>
+              <a:cxn ang="0">
+                <a:pos x="connsiteX0" y="connsiteY0"/>
+              </a:cxn>
+              <a:cxn ang="0">
+                <a:pos x="connsiteX1" y="connsiteY1"/>
+              </a:cxn>
+              <a:cxn ang="0">
+                <a:pos x="connsiteX2" y="connsiteY2"/>
+              </a:cxn>
+              <a:cxn ang="0">
+                <a:pos x="connsiteX3" y="connsiteY3"/>
+              </a:cxn>
+            </a:cxnLst>
+            <a:rect l="l" t="t" r="r" b="b"/>
+            <a:pathLst>
+              <a:path w="1183341" h="217421">
+                <a:moveTo>
+                  <a:pt x="1183341" y="94129"/>
+                </a:moveTo>
+                <a:cubicBezTo>
+                  <a:pt x="999564" y="162484"/>
+                  <a:pt x="815788" y="230840"/>
+                  <a:pt x="618564" y="215152"/>
+                </a:cubicBezTo>
+                <a:cubicBezTo>
+                  <a:pt x="421340" y="199464"/>
+                  <a:pt x="0" y="0"/>
+                  <a:pt x="0" y="0"/>
+                </a:cubicBezTo>
+                <a:lnTo>
+                  <a:pt x="0" y="0"/>
+                </a:lnTo>
+              </a:path>
+            </a:pathLst>
+          </a:custGeom>
+          <a:noFill/>
+          <a:ln w="38100">
+            <a:solidFill>
+              <a:schemeClr val="accent2">
+                <a:lumMod val="75000"/>
+              </a:schemeClr>
+            </a:solidFill>
+            <a:tailEnd type="triangle" w="lg" len="med"/>
+          </a:ln>
+        </p:spPr>
+        <p:style>
+          <a:lnRef idx="2">
+            <a:schemeClr val="accent1">
+              <a:shade val="50000"/>
+            </a:schemeClr>
+          </a:lnRef>
+          <a:fillRef idx="1">
+            <a:schemeClr val="accent1"/>
+          </a:fillRef>
+          <a:effectRef idx="0">
+            <a:schemeClr val="accent1"/>
+          </a:effectRef>
+          <a:fontRef idx="minor">
+            <a:schemeClr val="lt1"/>
+          </a:fontRef>
+        </p:style>
+        <p:txBody>
+          <a:bodyPr rtlCol="0" anchor="ctr"/>
+          <a:lstStyle/>
+          <a:p>
+            <a:pPr algn="ctr"/>
+            <a:endParaRPr lang="en-US"/>
+          </a:p>
+        </p:txBody>
+      </p:sp>
+      <p:sp>
+        <p:nvSpPr>
+          <p:cNvPr id="46" name="Freeform 45"/>
+          <p:cNvSpPr/>
+          <p:nvPr/>
+        </p:nvSpPr>
+        <p:spPr>
+          <a:xfrm rot="17494674" flipV="1">
+            <a:off x="7575437" y="3837011"/>
+            <a:ext cx="485312" cy="188203"/>
+          </a:xfrm>
+          <a:custGeom>
+            <a:avLst/>
+            <a:gdLst>
+              <a:gd name="connsiteX0" fmla="*/ 1183341 w 1183341"/>
+              <a:gd name="connsiteY0" fmla="*/ 94129 h 217421"/>
+              <a:gd name="connsiteX1" fmla="*/ 618564 w 1183341"/>
+              <a:gd name="connsiteY1" fmla="*/ 215152 h 217421"/>
+              <a:gd name="connsiteX2" fmla="*/ 0 w 1183341"/>
+              <a:gd name="connsiteY2" fmla="*/ 0 h 217421"/>
+              <a:gd name="connsiteX3" fmla="*/ 0 w 1183341"/>
+              <a:gd name="connsiteY3" fmla="*/ 0 h 217421"/>
+            </a:gdLst>
+            <a:ahLst/>
+            <a:cxnLst>
+              <a:cxn ang="0">
+                <a:pos x="connsiteX0" y="connsiteY0"/>
+              </a:cxn>
+              <a:cxn ang="0">
+                <a:pos x="connsiteX1" y="connsiteY1"/>
+              </a:cxn>
+              <a:cxn ang="0">
+                <a:pos x="connsiteX2" y="connsiteY2"/>
+              </a:cxn>
+              <a:cxn ang="0">
+                <a:pos x="connsiteX3" y="connsiteY3"/>
+              </a:cxn>
+            </a:cxnLst>
+            <a:rect l="l" t="t" r="r" b="b"/>
+            <a:pathLst>
+              <a:path w="1183341" h="217421">
+                <a:moveTo>
+                  <a:pt x="1183341" y="94129"/>
+                </a:moveTo>
+                <a:cubicBezTo>
+                  <a:pt x="999564" y="162484"/>
+                  <a:pt x="815788" y="230840"/>
+                  <a:pt x="618564" y="215152"/>
+                </a:cubicBezTo>
+                <a:cubicBezTo>
+                  <a:pt x="421340" y="199464"/>
+                  <a:pt x="0" y="0"/>
+                  <a:pt x="0" y="0"/>
+                </a:cubicBezTo>
+                <a:lnTo>
+                  <a:pt x="0" y="0"/>
+                </a:lnTo>
+              </a:path>
+            </a:pathLst>
+          </a:custGeom>
+          <a:noFill/>
+          <a:ln w="38100">
+            <a:solidFill>
+              <a:schemeClr val="accent2">
+                <a:lumMod val="75000"/>
+              </a:schemeClr>
+            </a:solidFill>
+            <a:tailEnd type="triangle" w="lg" len="med"/>
+          </a:ln>
+        </p:spPr>
+        <p:style>
+          <a:lnRef idx="2">
+            <a:schemeClr val="accent1">
+              <a:shade val="50000"/>
+            </a:schemeClr>
+          </a:lnRef>
+          <a:fillRef idx="1">
+            <a:schemeClr val="accent1"/>
+          </a:fillRef>
+          <a:effectRef idx="0">
+            <a:schemeClr val="accent1"/>
+          </a:effectRef>
+          <a:fontRef idx="minor">
+            <a:schemeClr val="lt1"/>
+          </a:fontRef>
+        </p:style>
+        <p:txBody>
+          <a:bodyPr rtlCol="0" anchor="ctr"/>
+          <a:lstStyle/>
+          <a:p>
+            <a:pPr algn="ctr"/>
+            <a:endParaRPr lang="en-US"/>
+          </a:p>
+        </p:txBody>
+      </p:sp>
+      <p:sp>
+        <p:nvSpPr>
+          <p:cNvPr id="47" name="Freeform 46"/>
+          <p:cNvSpPr/>
+          <p:nvPr/>
+        </p:nvSpPr>
+        <p:spPr>
+          <a:xfrm rot="7522506" flipV="1">
+            <a:off x="8841794" y="3795383"/>
+            <a:ext cx="606053" cy="185422"/>
+          </a:xfrm>
+          <a:custGeom>
+            <a:avLst/>
+            <a:gdLst>
+              <a:gd name="connsiteX0" fmla="*/ 1183341 w 1183341"/>
+              <a:gd name="connsiteY0" fmla="*/ 94129 h 217421"/>
+              <a:gd name="connsiteX1" fmla="*/ 618564 w 1183341"/>
+              <a:gd name="connsiteY1" fmla="*/ 215152 h 217421"/>
+              <a:gd name="connsiteX2" fmla="*/ 0 w 1183341"/>
+              <a:gd name="connsiteY2" fmla="*/ 0 h 217421"/>
+              <a:gd name="connsiteX3" fmla="*/ 0 w 1183341"/>
+              <a:gd name="connsiteY3" fmla="*/ 0 h 217421"/>
+            </a:gdLst>
+            <a:ahLst/>
+            <a:cxnLst>
+              <a:cxn ang="0">
+                <a:pos x="connsiteX0" y="connsiteY0"/>
+              </a:cxn>
+              <a:cxn ang="0">
+                <a:pos x="connsiteX1" y="connsiteY1"/>
+              </a:cxn>
+              <a:cxn ang="0">
+                <a:pos x="connsiteX2" y="connsiteY2"/>
+              </a:cxn>
+              <a:cxn ang="0">
+                <a:pos x="connsiteX3" y="connsiteY3"/>
+              </a:cxn>
+            </a:cxnLst>
+            <a:rect l="l" t="t" r="r" b="b"/>
+            <a:pathLst>
+              <a:path w="1183341" h="217421">
+                <a:moveTo>
+                  <a:pt x="1183341" y="94129"/>
+                </a:moveTo>
+                <a:cubicBezTo>
+                  <a:pt x="999564" y="162484"/>
+                  <a:pt x="815788" y="230840"/>
+                  <a:pt x="618564" y="215152"/>
+                </a:cubicBezTo>
+                <a:cubicBezTo>
+                  <a:pt x="421340" y="199464"/>
+                  <a:pt x="0" y="0"/>
+                  <a:pt x="0" y="0"/>
+                </a:cubicBezTo>
+                <a:lnTo>
+                  <a:pt x="0" y="0"/>
+                </a:lnTo>
+              </a:path>
+            </a:pathLst>
+          </a:custGeom>
+          <a:noFill/>
+          <a:ln w="38100">
+            <a:solidFill>
+              <a:schemeClr val="accent2">
+                <a:lumMod val="75000"/>
+              </a:schemeClr>
+            </a:solidFill>
+            <a:tailEnd type="triangle" w="lg" len="med"/>
+          </a:ln>
+        </p:spPr>
+        <p:style>
+          <a:lnRef idx="2">
+            <a:schemeClr val="accent1">
+              <a:shade val="50000"/>
+            </a:schemeClr>
+          </a:lnRef>
+          <a:fillRef idx="1">
+            <a:schemeClr val="accent1"/>
+          </a:fillRef>
+          <a:effectRef idx="0">
+            <a:schemeClr val="accent1"/>
+          </a:effectRef>
+          <a:fontRef idx="minor">
+            <a:schemeClr val="lt1"/>
+          </a:fontRef>
+        </p:style>
+        <p:txBody>
+          <a:bodyPr rtlCol="0" anchor="ctr"/>
+          <a:lstStyle/>
+          <a:p>
+            <a:pPr algn="ctr"/>
+            <a:endParaRPr lang="en-US"/>
+          </a:p>
+        </p:txBody>
+      </p:sp>
+      <p:sp>
+        <p:nvSpPr>
+          <p:cNvPr id="48" name="Freeform 47"/>
+          <p:cNvSpPr/>
+          <p:nvPr/>
+        </p:nvSpPr>
+        <p:spPr>
+          <a:xfrm rot="1963629" flipV="1">
+            <a:off x="6316318" y="3356805"/>
+            <a:ext cx="884548" cy="45719"/>
+          </a:xfrm>
+          <a:custGeom>
+            <a:avLst/>
+            <a:gdLst>
+              <a:gd name="connsiteX0" fmla="*/ 1183341 w 1183341"/>
+              <a:gd name="connsiteY0" fmla="*/ 94129 h 217421"/>
+              <a:gd name="connsiteX1" fmla="*/ 618564 w 1183341"/>
+              <a:gd name="connsiteY1" fmla="*/ 215152 h 217421"/>
+              <a:gd name="connsiteX2" fmla="*/ 0 w 1183341"/>
+              <a:gd name="connsiteY2" fmla="*/ 0 h 217421"/>
+              <a:gd name="connsiteX3" fmla="*/ 0 w 1183341"/>
+              <a:gd name="connsiteY3" fmla="*/ 0 h 217421"/>
+            </a:gdLst>
+            <a:ahLst/>
+            <a:cxnLst>
+              <a:cxn ang="0">
+                <a:pos x="connsiteX0" y="connsiteY0"/>
+              </a:cxn>
+              <a:cxn ang="0">
+                <a:pos x="connsiteX1" y="connsiteY1"/>
+              </a:cxn>
+              <a:cxn ang="0">
+                <a:pos x="connsiteX2" y="connsiteY2"/>
+              </a:cxn>
+              <a:cxn ang="0">
+                <a:pos x="connsiteX3" y="connsiteY3"/>
+              </a:cxn>
+            </a:cxnLst>
+            <a:rect l="l" t="t" r="r" b="b"/>
+            <a:pathLst>
+              <a:path w="1183341" h="217421">
+                <a:moveTo>
+                  <a:pt x="1183341" y="94129"/>
+                </a:moveTo>
+                <a:cubicBezTo>
+                  <a:pt x="999564" y="162484"/>
+                  <a:pt x="815788" y="230840"/>
+                  <a:pt x="618564" y="215152"/>
+                </a:cubicBezTo>
+                <a:cubicBezTo>
+                  <a:pt x="421340" y="199464"/>
+                  <a:pt x="0" y="0"/>
+                  <a:pt x="0" y="0"/>
+                </a:cubicBezTo>
+                <a:lnTo>
+                  <a:pt x="0" y="0"/>
+                </a:lnTo>
+              </a:path>
+            </a:pathLst>
+          </a:custGeom>
+          <a:noFill/>
+          <a:ln w="38100">
+            <a:solidFill>
+              <a:schemeClr val="accent2">
+                <a:lumMod val="75000"/>
+              </a:schemeClr>
+            </a:solidFill>
+            <a:tailEnd type="triangle" w="lg" len="med"/>
+          </a:ln>
+        </p:spPr>
+        <p:style>
+          <a:lnRef idx="2">
+            <a:schemeClr val="accent1">
+              <a:shade val="50000"/>
+            </a:schemeClr>
+          </a:lnRef>
+          <a:fillRef idx="1">
+            <a:schemeClr val="accent1"/>
+          </a:fillRef>
+          <a:effectRef idx="0">
+            <a:schemeClr val="accent1"/>
+          </a:effectRef>
+          <a:fontRef idx="minor">
+            <a:schemeClr val="lt1"/>
+          </a:fontRef>
+        </p:style>
+        <p:txBody>
+          <a:bodyPr rtlCol="0" anchor="ctr"/>
+          <a:lstStyle/>
+          <a:p>
+            <a:pPr algn="ctr"/>
+            <a:endParaRPr lang="en-US"/>
+          </a:p>
+        </p:txBody>
+      </p:sp>
+      <p:sp>
+        <p:nvSpPr>
+          <p:cNvPr id="49" name="Freeform 48"/>
+          <p:cNvSpPr/>
+          <p:nvPr/>
+        </p:nvSpPr>
+        <p:spPr>
+          <a:xfrm rot="888906" flipV="1">
+            <a:off x="5137591" y="2949647"/>
+            <a:ext cx="884548" cy="45719"/>
+          </a:xfrm>
+          <a:custGeom>
+            <a:avLst/>
+            <a:gdLst>
+              <a:gd name="connsiteX0" fmla="*/ 1183341 w 1183341"/>
+              <a:gd name="connsiteY0" fmla="*/ 94129 h 217421"/>
+              <a:gd name="connsiteX1" fmla="*/ 618564 w 1183341"/>
+              <a:gd name="connsiteY1" fmla="*/ 215152 h 217421"/>
+              <a:gd name="connsiteX2" fmla="*/ 0 w 1183341"/>
+              <a:gd name="connsiteY2" fmla="*/ 0 h 217421"/>
+              <a:gd name="connsiteX3" fmla="*/ 0 w 1183341"/>
+              <a:gd name="connsiteY3" fmla="*/ 0 h 217421"/>
+            </a:gdLst>
+            <a:ahLst/>
+            <a:cxnLst>
+              <a:cxn ang="0">
+                <a:pos x="connsiteX0" y="connsiteY0"/>
+              </a:cxn>
+              <a:cxn ang="0">
+                <a:pos x="connsiteX1" y="connsiteY1"/>
+              </a:cxn>
+              <a:cxn ang="0">
+                <a:pos x="connsiteX2" y="connsiteY2"/>
+              </a:cxn>
+              <a:cxn ang="0">
+                <a:pos x="connsiteX3" y="connsiteY3"/>
+              </a:cxn>
+            </a:cxnLst>
+            <a:rect l="l" t="t" r="r" b="b"/>
+            <a:pathLst>
+              <a:path w="1183341" h="217421">
+                <a:moveTo>
+                  <a:pt x="1183341" y="94129"/>
+                </a:moveTo>
+                <a:cubicBezTo>
+                  <a:pt x="999564" y="162484"/>
+                  <a:pt x="815788" y="230840"/>
+                  <a:pt x="618564" y="215152"/>
+                </a:cubicBezTo>
+                <a:cubicBezTo>
+                  <a:pt x="421340" y="199464"/>
+                  <a:pt x="0" y="0"/>
+                  <a:pt x="0" y="0"/>
+                </a:cubicBezTo>
+                <a:lnTo>
+                  <a:pt x="0" y="0"/>
+                </a:lnTo>
+              </a:path>
+            </a:pathLst>
+          </a:custGeom>
+          <a:noFill/>
+          <a:ln w="38100">
+            <a:solidFill>
+              <a:schemeClr val="accent2">
+                <a:lumMod val="75000"/>
+              </a:schemeClr>
+            </a:solidFill>
+            <a:tailEnd type="triangle" w="lg" len="med"/>
+          </a:ln>
+        </p:spPr>
+        <p:style>
+          <a:lnRef idx="2">
+            <a:schemeClr val="accent1">
+              <a:shade val="50000"/>
+            </a:schemeClr>
+          </a:lnRef>
+          <a:fillRef idx="1">
+            <a:schemeClr val="accent1"/>
+          </a:fillRef>
+          <a:effectRef idx="0">
+            <a:schemeClr val="accent1"/>
+          </a:effectRef>
+          <a:fontRef idx="minor">
+            <a:schemeClr val="lt1"/>
+          </a:fontRef>
+        </p:style>
+        <p:txBody>
+          <a:bodyPr rtlCol="0" anchor="ctr"/>
+          <a:lstStyle/>
+          <a:p>
+            <a:pPr algn="ctr"/>
+            <a:endParaRPr lang="en-US"/>
+          </a:p>
+        </p:txBody>
+      </p:sp>
+      <p:sp>
+        <p:nvSpPr>
+          <p:cNvPr id="50" name="Freeform 49"/>
+          <p:cNvSpPr/>
+          <p:nvPr/>
+        </p:nvSpPr>
+        <p:spPr>
+          <a:xfrm rot="797414" flipV="1">
+            <a:off x="5421843" y="3340538"/>
+            <a:ext cx="884548" cy="45719"/>
+          </a:xfrm>
+          <a:custGeom>
+            <a:avLst/>
+            <a:gdLst>
+              <a:gd name="connsiteX0" fmla="*/ 1183341 w 1183341"/>
+              <a:gd name="connsiteY0" fmla="*/ 94129 h 217421"/>
+              <a:gd name="connsiteX1" fmla="*/ 618564 w 1183341"/>
+              <a:gd name="connsiteY1" fmla="*/ 215152 h 217421"/>
+              <a:gd name="connsiteX2" fmla="*/ 0 w 1183341"/>
+              <a:gd name="connsiteY2" fmla="*/ 0 h 217421"/>
+              <a:gd name="connsiteX3" fmla="*/ 0 w 1183341"/>
+              <a:gd name="connsiteY3" fmla="*/ 0 h 217421"/>
+            </a:gdLst>
+            <a:ahLst/>
+            <a:cxnLst>
+              <a:cxn ang="0">
+                <a:pos x="connsiteX0" y="connsiteY0"/>
+              </a:cxn>
+              <a:cxn ang="0">
+                <a:pos x="connsiteX1" y="connsiteY1"/>
+              </a:cxn>
+              <a:cxn ang="0">
+                <a:pos x="connsiteX2" y="connsiteY2"/>
+              </a:cxn>
+              <a:cxn ang="0">
+                <a:pos x="connsiteX3" y="connsiteY3"/>
+              </a:cxn>
+            </a:cxnLst>
+            <a:rect l="l" t="t" r="r" b="b"/>
+            <a:pathLst>
+              <a:path w="1183341" h="217421">
+                <a:moveTo>
+                  <a:pt x="1183341" y="94129"/>
+                </a:moveTo>
+                <a:cubicBezTo>
+                  <a:pt x="999564" y="162484"/>
+                  <a:pt x="815788" y="230840"/>
+                  <a:pt x="618564" y="215152"/>
+                </a:cubicBezTo>
+                <a:cubicBezTo>
+                  <a:pt x="421340" y="199464"/>
+                  <a:pt x="0" y="0"/>
+                  <a:pt x="0" y="0"/>
+                </a:cubicBezTo>
+                <a:lnTo>
+                  <a:pt x="0" y="0"/>
+                </a:lnTo>
+              </a:path>
+            </a:pathLst>
+          </a:custGeom>
+          <a:noFill/>
+          <a:ln w="38100">
+            <a:solidFill>
+              <a:schemeClr val="accent2">
+                <a:lumMod val="75000"/>
+              </a:schemeClr>
+            </a:solidFill>
+            <a:tailEnd type="triangle" w="lg" len="med"/>
+          </a:ln>
+        </p:spPr>
+        <p:style>
+          <a:lnRef idx="2">
+            <a:schemeClr val="accent1">
+              <a:shade val="50000"/>
+            </a:schemeClr>
+          </a:lnRef>
+          <a:fillRef idx="1">
+            <a:schemeClr val="accent1"/>
+          </a:fillRef>
+          <a:effectRef idx="0">
+            <a:schemeClr val="accent1"/>
+          </a:effectRef>
+          <a:fontRef idx="minor">
+            <a:schemeClr val="lt1"/>
+          </a:fontRef>
+        </p:style>
+        <p:txBody>
+          <a:bodyPr rtlCol="0" anchor="ctr"/>
+          <a:lstStyle/>
+          <a:p>
+            <a:pPr algn="ctr"/>
+            <a:endParaRPr lang="en-US"/>
+          </a:p>
+        </p:txBody>
+      </p:sp>
+      <p:sp>
+        <p:nvSpPr>
+          <p:cNvPr id="51" name="Freeform 50"/>
+          <p:cNvSpPr/>
+          <p:nvPr/>
+        </p:nvSpPr>
+        <p:spPr>
+          <a:xfrm rot="17628972" flipV="1">
+            <a:off x="4771431" y="3578692"/>
+            <a:ext cx="601641" cy="131401"/>
+          </a:xfrm>
+          <a:custGeom>
+            <a:avLst/>
+            <a:gdLst>
+              <a:gd name="connsiteX0" fmla="*/ 1183341 w 1183341"/>
+              <a:gd name="connsiteY0" fmla="*/ 94129 h 217421"/>
+              <a:gd name="connsiteX1" fmla="*/ 618564 w 1183341"/>
+              <a:gd name="connsiteY1" fmla="*/ 215152 h 217421"/>
+              <a:gd name="connsiteX2" fmla="*/ 0 w 1183341"/>
+              <a:gd name="connsiteY2" fmla="*/ 0 h 217421"/>
+              <a:gd name="connsiteX3" fmla="*/ 0 w 1183341"/>
+              <a:gd name="connsiteY3" fmla="*/ 0 h 217421"/>
+            </a:gdLst>
+            <a:ahLst/>
+            <a:cxnLst>
+              <a:cxn ang="0">
+                <a:pos x="connsiteX0" y="connsiteY0"/>
+              </a:cxn>
+              <a:cxn ang="0">
+                <a:pos x="connsiteX1" y="connsiteY1"/>
+              </a:cxn>
+              <a:cxn ang="0">
+                <a:pos x="connsiteX2" y="connsiteY2"/>
+              </a:cxn>
+              <a:cxn ang="0">
+                <a:pos x="connsiteX3" y="connsiteY3"/>
+              </a:cxn>
+            </a:cxnLst>
+            <a:rect l="l" t="t" r="r" b="b"/>
+            <a:pathLst>
+              <a:path w="1183341" h="217421">
+                <a:moveTo>
+                  <a:pt x="1183341" y="94129"/>
+                </a:moveTo>
+                <a:cubicBezTo>
+                  <a:pt x="999564" y="162484"/>
+                  <a:pt x="815788" y="230840"/>
+                  <a:pt x="618564" y="215152"/>
+                </a:cubicBezTo>
+                <a:cubicBezTo>
+                  <a:pt x="421340" y="199464"/>
+                  <a:pt x="0" y="0"/>
+                  <a:pt x="0" y="0"/>
+                </a:cubicBezTo>
+                <a:lnTo>
+                  <a:pt x="0" y="0"/>
+                </a:lnTo>
+              </a:path>
+            </a:pathLst>
+          </a:custGeom>
+          <a:noFill/>
+          <a:ln w="38100">
+            <a:solidFill>
+              <a:schemeClr val="accent2">
+                <a:lumMod val="75000"/>
+              </a:schemeClr>
+            </a:solidFill>
+            <a:tailEnd type="triangle" w="lg" len="med"/>
+          </a:ln>
+        </p:spPr>
+        <p:style>
+          <a:lnRef idx="2">
+            <a:schemeClr val="accent1">
+              <a:shade val="50000"/>
+            </a:schemeClr>
+          </a:lnRef>
+          <a:fillRef idx="1">
+            <a:schemeClr val="accent1"/>
+          </a:fillRef>
+          <a:effectRef idx="0">
+            <a:schemeClr val="accent1"/>
+          </a:effectRef>
+          <a:fontRef idx="minor">
+            <a:schemeClr val="lt1"/>
+          </a:fontRef>
+        </p:style>
+        <p:txBody>
+          <a:bodyPr rtlCol="0" anchor="ctr"/>
+          <a:lstStyle/>
+          <a:p>
+            <a:pPr algn="ctr"/>
+            <a:endParaRPr lang="en-US"/>
+          </a:p>
+        </p:txBody>
+      </p:sp>
+      <p:sp>
+        <p:nvSpPr>
+          <p:cNvPr id="52" name="Freeform 51"/>
+          <p:cNvSpPr/>
+          <p:nvPr/>
+        </p:nvSpPr>
+        <p:spPr>
+          <a:xfrm rot="797414" flipV="1">
+            <a:off x="4236162" y="3249894"/>
+            <a:ext cx="658068" cy="45719"/>
+          </a:xfrm>
+          <a:custGeom>
+            <a:avLst/>
+            <a:gdLst>
+              <a:gd name="connsiteX0" fmla="*/ 1183341 w 1183341"/>
+              <a:gd name="connsiteY0" fmla="*/ 94129 h 217421"/>
+              <a:gd name="connsiteX1" fmla="*/ 618564 w 1183341"/>
+              <a:gd name="connsiteY1" fmla="*/ 215152 h 217421"/>
+              <a:gd name="connsiteX2" fmla="*/ 0 w 1183341"/>
+              <a:gd name="connsiteY2" fmla="*/ 0 h 217421"/>
+              <a:gd name="connsiteX3" fmla="*/ 0 w 1183341"/>
+              <a:gd name="connsiteY3" fmla="*/ 0 h 217421"/>
+            </a:gdLst>
+            <a:ahLst/>
+            <a:cxnLst>
+              <a:cxn ang="0">
+                <a:pos x="connsiteX0" y="connsiteY0"/>
+              </a:cxn>
+              <a:cxn ang="0">
+                <a:pos x="connsiteX1" y="connsiteY1"/>
+              </a:cxn>
+              <a:cxn ang="0">
+                <a:pos x="connsiteX2" y="connsiteY2"/>
+              </a:cxn>
+              <a:cxn ang="0">
+                <a:pos x="connsiteX3" y="connsiteY3"/>
+              </a:cxn>
+            </a:cxnLst>
+            <a:rect l="l" t="t" r="r" b="b"/>
+            <a:pathLst>
+              <a:path w="1183341" h="217421">
+                <a:moveTo>
+                  <a:pt x="1183341" y="94129"/>
+                </a:moveTo>
+                <a:cubicBezTo>
+                  <a:pt x="999564" y="162484"/>
+                  <a:pt x="815788" y="230840"/>
+                  <a:pt x="618564" y="215152"/>
+                </a:cubicBezTo>
+                <a:cubicBezTo>
+                  <a:pt x="421340" y="199464"/>
+                  <a:pt x="0" y="0"/>
+                  <a:pt x="0" y="0"/>
+                </a:cubicBezTo>
+                <a:lnTo>
+                  <a:pt x="0" y="0"/>
+                </a:lnTo>
+              </a:path>
+            </a:pathLst>
+          </a:custGeom>
+          <a:noFill/>
+          <a:ln w="38100">
+            <a:solidFill>
+              <a:schemeClr val="accent2">
+                <a:lumMod val="75000"/>
+              </a:schemeClr>
+            </a:solidFill>
+            <a:tailEnd type="triangle" w="lg" len="med"/>
+          </a:ln>
+        </p:spPr>
+        <p:style>
+          <a:lnRef idx="2">
+            <a:schemeClr val="accent1">
+              <a:shade val="50000"/>
+            </a:schemeClr>
+          </a:lnRef>
+          <a:fillRef idx="1">
+            <a:schemeClr val="accent1"/>
+          </a:fillRef>
+          <a:effectRef idx="0">
+            <a:schemeClr val="accent1"/>
+          </a:effectRef>
+          <a:fontRef idx="minor">
+            <a:schemeClr val="lt1"/>
+          </a:fontRef>
+        </p:style>
+        <p:txBody>
+          <a:bodyPr rtlCol="0" anchor="ctr"/>
+          <a:lstStyle/>
+          <a:p>
+            <a:pPr algn="ctr"/>
+            <a:endParaRPr lang="en-US"/>
+          </a:p>
+        </p:txBody>
+      </p:sp>
+      <p:sp>
+        <p:nvSpPr>
+          <p:cNvPr id="53" name="Freeform 52"/>
+          <p:cNvSpPr/>
+          <p:nvPr/>
+        </p:nvSpPr>
+        <p:spPr>
+          <a:xfrm rot="888906" flipV="1">
+            <a:off x="2978087" y="2892137"/>
+            <a:ext cx="884548" cy="45719"/>
+          </a:xfrm>
+          <a:custGeom>
+            <a:avLst/>
+            <a:gdLst>
+              <a:gd name="connsiteX0" fmla="*/ 1183341 w 1183341"/>
+              <a:gd name="connsiteY0" fmla="*/ 94129 h 217421"/>
+              <a:gd name="connsiteX1" fmla="*/ 618564 w 1183341"/>
+              <a:gd name="connsiteY1" fmla="*/ 215152 h 217421"/>
+              <a:gd name="connsiteX2" fmla="*/ 0 w 1183341"/>
+              <a:gd name="connsiteY2" fmla="*/ 0 h 217421"/>
+              <a:gd name="connsiteX3" fmla="*/ 0 w 1183341"/>
+              <a:gd name="connsiteY3" fmla="*/ 0 h 217421"/>
+            </a:gdLst>
+            <a:ahLst/>
+            <a:cxnLst>
+              <a:cxn ang="0">
+                <a:pos x="connsiteX0" y="connsiteY0"/>
+              </a:cxn>
+              <a:cxn ang="0">
+                <a:pos x="connsiteX1" y="connsiteY1"/>
+              </a:cxn>
+              <a:cxn ang="0">
+                <a:pos x="connsiteX2" y="connsiteY2"/>
+              </a:cxn>
+              <a:cxn ang="0">
+                <a:pos x="connsiteX3" y="connsiteY3"/>
+              </a:cxn>
+            </a:cxnLst>
+            <a:rect l="l" t="t" r="r" b="b"/>
+            <a:pathLst>
+              <a:path w="1183341" h="217421">
+                <a:moveTo>
+                  <a:pt x="1183341" y="94129"/>
+                </a:moveTo>
+                <a:cubicBezTo>
+                  <a:pt x="999564" y="162484"/>
+                  <a:pt x="815788" y="230840"/>
+                  <a:pt x="618564" y="215152"/>
+                </a:cubicBezTo>
+                <a:cubicBezTo>
+                  <a:pt x="421340" y="199464"/>
+                  <a:pt x="0" y="0"/>
+                  <a:pt x="0" y="0"/>
+                </a:cubicBezTo>
+                <a:lnTo>
+                  <a:pt x="0" y="0"/>
+                </a:lnTo>
+              </a:path>
+            </a:pathLst>
+          </a:custGeom>
+          <a:noFill/>
+          <a:ln w="38100">
+            <a:solidFill>
+              <a:schemeClr val="accent2">
+                <a:lumMod val="75000"/>
+              </a:schemeClr>
+            </a:solidFill>
+            <a:tailEnd type="triangle" w="lg" len="med"/>
+          </a:ln>
+        </p:spPr>
+        <p:style>
+          <a:lnRef idx="2">
+            <a:schemeClr val="accent1">
+              <a:shade val="50000"/>
+            </a:schemeClr>
+          </a:lnRef>
+          <a:fillRef idx="1">
+            <a:schemeClr val="accent1"/>
+          </a:fillRef>
+          <a:effectRef idx="0">
+            <a:schemeClr val="accent1"/>
+          </a:effectRef>
+          <a:fontRef idx="minor">
+            <a:schemeClr val="lt1"/>
+          </a:fontRef>
+        </p:style>
+        <p:txBody>
+          <a:bodyPr rtlCol="0" anchor="ctr"/>
+          <a:lstStyle/>
+          <a:p>
+            <a:pPr algn="ctr"/>
+            <a:endParaRPr lang="en-US"/>
+          </a:p>
+        </p:txBody>
+      </p:sp>
+      <p:sp>
+        <p:nvSpPr>
+          <p:cNvPr id="54" name="Freeform 53"/>
+          <p:cNvSpPr/>
+          <p:nvPr/>
+        </p:nvSpPr>
+        <p:spPr>
+          <a:xfrm rot="797414">
+            <a:off x="2015731" y="3214881"/>
+            <a:ext cx="884548" cy="79790"/>
+          </a:xfrm>
+          <a:custGeom>
+            <a:avLst/>
+            <a:gdLst>
+              <a:gd name="connsiteX0" fmla="*/ 1183341 w 1183341"/>
+              <a:gd name="connsiteY0" fmla="*/ 94129 h 217421"/>
+              <a:gd name="connsiteX1" fmla="*/ 618564 w 1183341"/>
+              <a:gd name="connsiteY1" fmla="*/ 215152 h 217421"/>
+              <a:gd name="connsiteX2" fmla="*/ 0 w 1183341"/>
+              <a:gd name="connsiteY2" fmla="*/ 0 h 217421"/>
+              <a:gd name="connsiteX3" fmla="*/ 0 w 1183341"/>
+              <a:gd name="connsiteY3" fmla="*/ 0 h 217421"/>
+            </a:gdLst>
+            <a:ahLst/>
+            <a:cxnLst>
+              <a:cxn ang="0">
+                <a:pos x="connsiteX0" y="connsiteY0"/>
+              </a:cxn>
+              <a:cxn ang="0">
+                <a:pos x="connsiteX1" y="connsiteY1"/>
+              </a:cxn>
+              <a:cxn ang="0">
+                <a:pos x="connsiteX2" y="connsiteY2"/>
+              </a:cxn>
+              <a:cxn ang="0">
+                <a:pos x="connsiteX3" y="connsiteY3"/>
+              </a:cxn>
+            </a:cxnLst>
+            <a:rect l="l" t="t" r="r" b="b"/>
+            <a:pathLst>
+              <a:path w="1183341" h="217421">
+                <a:moveTo>
+                  <a:pt x="1183341" y="94129"/>
+                </a:moveTo>
+                <a:cubicBezTo>
+                  <a:pt x="999564" y="162484"/>
+                  <a:pt x="815788" y="230840"/>
+                  <a:pt x="618564" y="215152"/>
+                </a:cubicBezTo>
+                <a:cubicBezTo>
+                  <a:pt x="421340" y="199464"/>
+                  <a:pt x="0" y="0"/>
+                  <a:pt x="0" y="0"/>
+                </a:cubicBezTo>
+                <a:lnTo>
+                  <a:pt x="0" y="0"/>
+                </a:lnTo>
+              </a:path>
+            </a:pathLst>
+          </a:custGeom>
+          <a:noFill/>
+          <a:ln w="38100">
+            <a:solidFill>
+              <a:schemeClr val="accent2">
+                <a:lumMod val="75000"/>
+              </a:schemeClr>
+            </a:solidFill>
+            <a:tailEnd type="triangle" w="lg" len="med"/>
+          </a:ln>
+        </p:spPr>
+        <p:style>
+          <a:lnRef idx="2">
+            <a:schemeClr val="accent1">
+              <a:shade val="50000"/>
+            </a:schemeClr>
+          </a:lnRef>
+          <a:fillRef idx="1">
+            <a:schemeClr val="accent1"/>
+          </a:fillRef>
+          <a:effectRef idx="0">
+            <a:schemeClr val="accent1"/>
+          </a:effectRef>
+          <a:fontRef idx="minor">
+            <a:schemeClr val="lt1"/>
+          </a:fontRef>
+        </p:style>
+        <p:txBody>
+          <a:bodyPr rtlCol="0" anchor="ctr"/>
+          <a:lstStyle/>
+          <a:p>
+            <a:pPr algn="ctr"/>
+            <a:endParaRPr lang="en-US"/>
+          </a:p>
+        </p:txBody>
+      </p:sp>
+      <p:sp>
+        <p:nvSpPr>
+          <p:cNvPr id="55" name="Freeform 54"/>
+          <p:cNvSpPr/>
+          <p:nvPr/>
+        </p:nvSpPr>
+        <p:spPr>
+          <a:xfrm rot="371546" flipV="1">
+            <a:off x="2028610" y="2790883"/>
+            <a:ext cx="658068" cy="45719"/>
+          </a:xfrm>
+          <a:custGeom>
+            <a:avLst/>
+            <a:gdLst>
+              <a:gd name="connsiteX0" fmla="*/ 1183341 w 1183341"/>
+              <a:gd name="connsiteY0" fmla="*/ 94129 h 217421"/>
+              <a:gd name="connsiteX1" fmla="*/ 618564 w 1183341"/>
+              <a:gd name="connsiteY1" fmla="*/ 215152 h 217421"/>
+              <a:gd name="connsiteX2" fmla="*/ 0 w 1183341"/>
+              <a:gd name="connsiteY2" fmla="*/ 0 h 217421"/>
+              <a:gd name="connsiteX3" fmla="*/ 0 w 1183341"/>
+              <a:gd name="connsiteY3" fmla="*/ 0 h 217421"/>
+            </a:gdLst>
+            <a:ahLst/>
+            <a:cxnLst>
+              <a:cxn ang="0">
+                <a:pos x="connsiteX0" y="connsiteY0"/>
+              </a:cxn>
+              <a:cxn ang="0">
+                <a:pos x="connsiteX1" y="connsiteY1"/>
+              </a:cxn>
+              <a:cxn ang="0">
+                <a:pos x="connsiteX2" y="connsiteY2"/>
+              </a:cxn>
+              <a:cxn ang="0">
+                <a:pos x="connsiteX3" y="connsiteY3"/>
+              </a:cxn>
+            </a:cxnLst>
+            <a:rect l="l" t="t" r="r" b="b"/>
+            <a:pathLst>
+              <a:path w="1183341" h="217421">
+                <a:moveTo>
+                  <a:pt x="1183341" y="94129"/>
+                </a:moveTo>
+                <a:cubicBezTo>
+                  <a:pt x="999564" y="162484"/>
+                  <a:pt x="815788" y="230840"/>
+                  <a:pt x="618564" y="215152"/>
+                </a:cubicBezTo>
+                <a:cubicBezTo>
+                  <a:pt x="421340" y="199464"/>
+                  <a:pt x="0" y="0"/>
+                  <a:pt x="0" y="0"/>
+                </a:cubicBezTo>
+                <a:lnTo>
+                  <a:pt x="0" y="0"/>
+                </a:lnTo>
+              </a:path>
+            </a:pathLst>
+          </a:custGeom>
+          <a:noFill/>
+          <a:ln w="38100">
+            <a:solidFill>
+              <a:schemeClr val="accent2">
+                <a:lumMod val="75000"/>
+              </a:schemeClr>
+            </a:solidFill>
+            <a:tailEnd type="triangle" w="lg" len="med"/>
+          </a:ln>
+        </p:spPr>
+        <p:style>
+          <a:lnRef idx="2">
+            <a:schemeClr val="accent1">
+              <a:shade val="50000"/>
+            </a:schemeClr>
+          </a:lnRef>
+          <a:fillRef idx="1">
+            <a:schemeClr val="accent1"/>
+          </a:fillRef>
+          <a:effectRef idx="0">
+            <a:schemeClr val="accent1"/>
+          </a:effectRef>
+          <a:fontRef idx="minor">
+            <a:schemeClr val="lt1"/>
+          </a:fontRef>
+        </p:style>
+        <p:txBody>
+          <a:bodyPr rtlCol="0" anchor="ctr"/>
+          <a:lstStyle/>
+          <a:p>
+            <a:pPr algn="ctr"/>
+            <a:endParaRPr lang="en-US"/>
+          </a:p>
+        </p:txBody>
+      </p:sp>
+      <p:sp>
+        <p:nvSpPr>
+          <p:cNvPr id="56" name="Freeform 55"/>
+          <p:cNvSpPr/>
+          <p:nvPr/>
+        </p:nvSpPr>
+        <p:spPr>
+          <a:xfrm rot="415164" flipV="1">
+            <a:off x="393754" y="2839751"/>
+            <a:ext cx="884548" cy="45719"/>
+          </a:xfrm>
+          <a:custGeom>
+            <a:avLst/>
+            <a:gdLst>
+              <a:gd name="connsiteX0" fmla="*/ 1183341 w 1183341"/>
+              <a:gd name="connsiteY0" fmla="*/ 94129 h 217421"/>
+              <a:gd name="connsiteX1" fmla="*/ 618564 w 1183341"/>
+              <a:gd name="connsiteY1" fmla="*/ 215152 h 217421"/>
+              <a:gd name="connsiteX2" fmla="*/ 0 w 1183341"/>
+              <a:gd name="connsiteY2" fmla="*/ 0 h 217421"/>
+              <a:gd name="connsiteX3" fmla="*/ 0 w 1183341"/>
+              <a:gd name="connsiteY3" fmla="*/ 0 h 217421"/>
+            </a:gdLst>
+            <a:ahLst/>
+            <a:cxnLst>
+              <a:cxn ang="0">
+                <a:pos x="connsiteX0" y="connsiteY0"/>
+              </a:cxn>
+              <a:cxn ang="0">
+                <a:pos x="connsiteX1" y="connsiteY1"/>
+              </a:cxn>
+              <a:cxn ang="0">
+                <a:pos x="connsiteX2" y="connsiteY2"/>
+              </a:cxn>
+              <a:cxn ang="0">
+                <a:pos x="connsiteX3" y="connsiteY3"/>
+              </a:cxn>
+            </a:cxnLst>
+            <a:rect l="l" t="t" r="r" b="b"/>
+            <a:pathLst>
+              <a:path w="1183341" h="217421">
+                <a:moveTo>
+                  <a:pt x="1183341" y="94129"/>
+                </a:moveTo>
+                <a:cubicBezTo>
+                  <a:pt x="999564" y="162484"/>
+                  <a:pt x="815788" y="230840"/>
+                  <a:pt x="618564" y="215152"/>
+                </a:cubicBezTo>
+                <a:cubicBezTo>
+                  <a:pt x="421340" y="199464"/>
+                  <a:pt x="0" y="0"/>
+                  <a:pt x="0" y="0"/>
+                </a:cubicBezTo>
+                <a:lnTo>
+                  <a:pt x="0" y="0"/>
+                </a:lnTo>
+              </a:path>
+            </a:pathLst>
+          </a:custGeom>
+          <a:noFill/>
+          <a:ln w="38100">
+            <a:solidFill>
+              <a:schemeClr val="accent2">
+                <a:lumMod val="75000"/>
+              </a:schemeClr>
+            </a:solidFill>
+            <a:tailEnd type="triangle" w="lg" len="med"/>
+          </a:ln>
+        </p:spPr>
+        <p:style>
+          <a:lnRef idx="2">
+            <a:schemeClr val="accent1">
+              <a:shade val="50000"/>
+            </a:schemeClr>
+          </a:lnRef>
+          <a:fillRef idx="1">
+            <a:schemeClr val="accent1"/>
+          </a:fillRef>
+          <a:effectRef idx="0">
+            <a:schemeClr val="accent1"/>
+          </a:effectRef>
+          <a:fontRef idx="minor">
+            <a:schemeClr val="lt1"/>
+          </a:fontRef>
+        </p:style>
+        <p:txBody>
+          <a:bodyPr rtlCol="0" anchor="ctr"/>
+          <a:lstStyle/>
+          <a:p>
+            <a:pPr algn="ctr"/>
+            <a:endParaRPr lang="en-US"/>
+          </a:p>
+        </p:txBody>
+      </p:sp>
+      <p:sp>
+        <p:nvSpPr>
+          <p:cNvPr id="57" name="Freeform 56"/>
+          <p:cNvSpPr/>
+          <p:nvPr/>
+        </p:nvSpPr>
+        <p:spPr>
+          <a:xfrm rot="502589">
+            <a:off x="866365" y="3196619"/>
+            <a:ext cx="884548" cy="45719"/>
+          </a:xfrm>
+          <a:custGeom>
+            <a:avLst/>
+            <a:gdLst>
+              <a:gd name="connsiteX0" fmla="*/ 1183341 w 1183341"/>
+              <a:gd name="connsiteY0" fmla="*/ 94129 h 217421"/>
+              <a:gd name="connsiteX1" fmla="*/ 618564 w 1183341"/>
+              <a:gd name="connsiteY1" fmla="*/ 215152 h 217421"/>
+              <a:gd name="connsiteX2" fmla="*/ 0 w 1183341"/>
+              <a:gd name="connsiteY2" fmla="*/ 0 h 217421"/>
+              <a:gd name="connsiteX3" fmla="*/ 0 w 1183341"/>
+              <a:gd name="connsiteY3" fmla="*/ 0 h 217421"/>
+            </a:gdLst>
+            <a:ahLst/>
+            <a:cxnLst>
+              <a:cxn ang="0">
+                <a:pos x="connsiteX0" y="connsiteY0"/>
+              </a:cxn>
+              <a:cxn ang="0">
+                <a:pos x="connsiteX1" y="connsiteY1"/>
+              </a:cxn>
+              <a:cxn ang="0">
+                <a:pos x="connsiteX2" y="connsiteY2"/>
+              </a:cxn>
+              <a:cxn ang="0">
+                <a:pos x="connsiteX3" y="connsiteY3"/>
+              </a:cxn>
+            </a:cxnLst>
+            <a:rect l="l" t="t" r="r" b="b"/>
+            <a:pathLst>
+              <a:path w="1183341" h="217421">
+                <a:moveTo>
+                  <a:pt x="1183341" y="94129"/>
+                </a:moveTo>
+                <a:cubicBezTo>
+                  <a:pt x="999564" y="162484"/>
+                  <a:pt x="815788" y="230840"/>
+                  <a:pt x="618564" y="215152"/>
+                </a:cubicBezTo>
+                <a:cubicBezTo>
+                  <a:pt x="421340" y="199464"/>
+                  <a:pt x="0" y="0"/>
+                  <a:pt x="0" y="0"/>
+                </a:cubicBezTo>
+                <a:lnTo>
+                  <a:pt x="0" y="0"/>
+                </a:lnTo>
+              </a:path>
+            </a:pathLst>
+          </a:custGeom>
+          <a:noFill/>
+          <a:ln w="38100">
+            <a:solidFill>
+              <a:schemeClr val="accent2">
+                <a:lumMod val="75000"/>
+              </a:schemeClr>
+            </a:solidFill>
+            <a:tailEnd type="triangle" w="lg" len="med"/>
+          </a:ln>
+        </p:spPr>
+        <p:style>
+          <a:lnRef idx="2">
+            <a:schemeClr val="accent1">
+              <a:shade val="50000"/>
+            </a:schemeClr>
+          </a:lnRef>
+          <a:fillRef idx="1">
+            <a:schemeClr val="accent1"/>
+          </a:fillRef>
+          <a:effectRef idx="0">
+            <a:schemeClr val="accent1"/>
+          </a:effectRef>
+          <a:fontRef idx="minor">
+            <a:schemeClr val="lt1"/>
+          </a:fontRef>
+        </p:style>
+        <p:txBody>
+          <a:bodyPr rtlCol="0" anchor="ctr"/>
+          <a:lstStyle/>
+          <a:p>
+            <a:pPr algn="ctr"/>
+            <a:endParaRPr lang="en-US"/>
+          </a:p>
+        </p:txBody>
+      </p:sp>
+      <p:sp>
+        <p:nvSpPr>
+          <p:cNvPr id="59" name="Freeform 58"/>
+          <p:cNvSpPr/>
+          <p:nvPr/>
+        </p:nvSpPr>
+        <p:spPr>
+          <a:xfrm rot="20970454">
+            <a:off x="5085626" y="1918009"/>
+            <a:ext cx="759135" cy="76439"/>
+          </a:xfrm>
+          <a:custGeom>
+            <a:avLst/>
+            <a:gdLst>
+              <a:gd name="connsiteX0" fmla="*/ 1183341 w 1183341"/>
+              <a:gd name="connsiteY0" fmla="*/ 94129 h 217421"/>
+              <a:gd name="connsiteX1" fmla="*/ 618564 w 1183341"/>
+              <a:gd name="connsiteY1" fmla="*/ 215152 h 217421"/>
+              <a:gd name="connsiteX2" fmla="*/ 0 w 1183341"/>
+              <a:gd name="connsiteY2" fmla="*/ 0 h 217421"/>
+              <a:gd name="connsiteX3" fmla="*/ 0 w 1183341"/>
+              <a:gd name="connsiteY3" fmla="*/ 0 h 217421"/>
+            </a:gdLst>
+            <a:ahLst/>
+            <a:cxnLst>
+              <a:cxn ang="0">
+                <a:pos x="connsiteX0" y="connsiteY0"/>
+              </a:cxn>
+              <a:cxn ang="0">
+                <a:pos x="connsiteX1" y="connsiteY1"/>
+              </a:cxn>
+              <a:cxn ang="0">
+                <a:pos x="connsiteX2" y="connsiteY2"/>
+              </a:cxn>
+              <a:cxn ang="0">
+                <a:pos x="connsiteX3" y="connsiteY3"/>
+              </a:cxn>
+            </a:cxnLst>
+            <a:rect l="l" t="t" r="r" b="b"/>
+            <a:pathLst>
+              <a:path w="1183341" h="217421">
+                <a:moveTo>
+                  <a:pt x="1183341" y="94129"/>
+                </a:moveTo>
+                <a:cubicBezTo>
+                  <a:pt x="999564" y="162484"/>
+                  <a:pt x="815788" y="230840"/>
+                  <a:pt x="618564" y="215152"/>
+                </a:cubicBezTo>
+                <a:cubicBezTo>
+                  <a:pt x="421340" y="199464"/>
+                  <a:pt x="0" y="0"/>
+                  <a:pt x="0" y="0"/>
+                </a:cubicBezTo>
+                <a:lnTo>
+                  <a:pt x="0" y="0"/>
+                </a:lnTo>
+              </a:path>
+            </a:pathLst>
+          </a:custGeom>
+          <a:noFill/>
+          <a:ln w="38100">
+            <a:solidFill>
+              <a:schemeClr val="accent4">
+                <a:lumMod val="75000"/>
+              </a:schemeClr>
+            </a:solidFill>
+            <a:tailEnd type="triangle" w="lg" len="med"/>
+          </a:ln>
+        </p:spPr>
+        <p:style>
+          <a:lnRef idx="2">
+            <a:schemeClr val="accent1">
+              <a:shade val="50000"/>
+            </a:schemeClr>
+          </a:lnRef>
+          <a:fillRef idx="1">
+            <a:schemeClr val="accent1"/>
+          </a:fillRef>
+          <a:effectRef idx="0">
+            <a:schemeClr val="accent1"/>
+          </a:effectRef>
+          <a:fontRef idx="minor">
+            <a:schemeClr val="lt1"/>
+          </a:fontRef>
+        </p:style>
+        <p:txBody>
+          <a:bodyPr rtlCol="0" anchor="ctr"/>
+          <a:lstStyle/>
+          <a:p>
+            <a:pPr algn="ctr"/>
+            <a:endParaRPr lang="en-US"/>
+          </a:p>
+        </p:txBody>
+      </p:sp>
+      <p:cxnSp>
+        <p:nvCxnSpPr>
+          <p:cNvPr id="60" name="Straight Arrow Connector 59"/>
+          <p:cNvCxnSpPr/>
+          <p:nvPr/>
+        </p:nvCxnSpPr>
+        <p:spPr>
+          <a:xfrm flipH="1" flipV="1">
+            <a:off x="4718868" y="2177766"/>
+            <a:ext cx="637898" cy="5292"/>
+          </a:xfrm>
+          <a:prstGeom prst="straightConnector1">
+            <a:avLst/>
+          </a:prstGeom>
+          <a:ln w="38100">
+            <a:solidFill>
+              <a:schemeClr val="accent4">
+                <a:lumMod val="75000"/>
+              </a:schemeClr>
+            </a:solidFill>
+            <a:tailEnd type="triangle" w="lg" len="med"/>
+          </a:ln>
+        </p:spPr>
+        <p:style>
+          <a:lnRef idx="1">
+            <a:schemeClr val="accent1"/>
+          </a:lnRef>
+          <a:fillRef idx="0">
+            <a:schemeClr val="accent1"/>
+          </a:fillRef>
+          <a:effectRef idx="0">
+            <a:schemeClr val="accent1"/>
+          </a:effectRef>
+          <a:fontRef idx="minor">
+            <a:schemeClr val="tx1"/>
+          </a:fontRef>
+        </p:style>
+      </p:cxnSp>
+      <p:sp>
+        <p:nvSpPr>
+          <p:cNvPr id="64" name="Freeform 63"/>
+          <p:cNvSpPr/>
+          <p:nvPr/>
+        </p:nvSpPr>
+        <p:spPr>
+          <a:xfrm flipV="1">
+            <a:off x="5311180" y="2340873"/>
+            <a:ext cx="759135" cy="45719"/>
+          </a:xfrm>
+          <a:custGeom>
+            <a:avLst/>
+            <a:gdLst>
+              <a:gd name="connsiteX0" fmla="*/ 1183341 w 1183341"/>
+              <a:gd name="connsiteY0" fmla="*/ 94129 h 217421"/>
+              <a:gd name="connsiteX1" fmla="*/ 618564 w 1183341"/>
+              <a:gd name="connsiteY1" fmla="*/ 215152 h 217421"/>
+              <a:gd name="connsiteX2" fmla="*/ 0 w 1183341"/>
+              <a:gd name="connsiteY2" fmla="*/ 0 h 217421"/>
+              <a:gd name="connsiteX3" fmla="*/ 0 w 1183341"/>
+              <a:gd name="connsiteY3" fmla="*/ 0 h 217421"/>
+            </a:gdLst>
+            <a:ahLst/>
+            <a:cxnLst>
+              <a:cxn ang="0">
+                <a:pos x="connsiteX0" y="connsiteY0"/>
+              </a:cxn>
+              <a:cxn ang="0">
+                <a:pos x="connsiteX1" y="connsiteY1"/>
+              </a:cxn>
+              <a:cxn ang="0">
+                <a:pos x="connsiteX2" y="connsiteY2"/>
+              </a:cxn>
+              <a:cxn ang="0">
+                <a:pos x="connsiteX3" y="connsiteY3"/>
+              </a:cxn>
+            </a:cxnLst>
+            <a:rect l="l" t="t" r="r" b="b"/>
+            <a:pathLst>
+              <a:path w="1183341" h="217421">
+                <a:moveTo>
+                  <a:pt x="1183341" y="94129"/>
+                </a:moveTo>
+                <a:cubicBezTo>
+                  <a:pt x="999564" y="162484"/>
+                  <a:pt x="815788" y="230840"/>
+                  <a:pt x="618564" y="215152"/>
+                </a:cubicBezTo>
+                <a:cubicBezTo>
+                  <a:pt x="421340" y="199464"/>
+                  <a:pt x="0" y="0"/>
+                  <a:pt x="0" y="0"/>
+                </a:cubicBezTo>
+                <a:lnTo>
+                  <a:pt x="0" y="0"/>
+                </a:lnTo>
+              </a:path>
+            </a:pathLst>
+          </a:custGeom>
+          <a:noFill/>
+          <a:ln w="38100">
+            <a:solidFill>
+              <a:schemeClr val="accent4">
+                <a:lumMod val="75000"/>
+              </a:schemeClr>
+            </a:solidFill>
+            <a:tailEnd type="triangle" w="lg" len="med"/>
+          </a:ln>
+        </p:spPr>
+        <p:style>
+          <a:lnRef idx="2">
+            <a:schemeClr val="accent1">
+              <a:shade val="50000"/>
+            </a:schemeClr>
+          </a:lnRef>
+          <a:fillRef idx="1">
+            <a:schemeClr val="accent1"/>
+          </a:fillRef>
+          <a:effectRef idx="0">
+            <a:schemeClr val="accent1"/>
+          </a:effectRef>
+          <a:fontRef idx="minor">
+            <a:schemeClr val="lt1"/>
+          </a:fontRef>
+        </p:style>
+        <p:txBody>
+          <a:bodyPr rtlCol="0" anchor="ctr"/>
+          <a:lstStyle/>
+          <a:p>
+            <a:pPr algn="ctr"/>
+            <a:endParaRPr lang="en-US"/>
+          </a:p>
+        </p:txBody>
+      </p:sp>
+      <p:sp>
+        <p:nvSpPr>
+          <p:cNvPr id="65" name="Freeform 64"/>
+          <p:cNvSpPr/>
+          <p:nvPr/>
+        </p:nvSpPr>
+        <p:spPr>
+          <a:xfrm rot="20970454" flipV="1">
+            <a:off x="3675250" y="2135847"/>
+            <a:ext cx="759135" cy="45719"/>
+          </a:xfrm>
+          <a:custGeom>
+            <a:avLst/>
+            <a:gdLst>
+              <a:gd name="connsiteX0" fmla="*/ 1183341 w 1183341"/>
+              <a:gd name="connsiteY0" fmla="*/ 94129 h 217421"/>
+              <a:gd name="connsiteX1" fmla="*/ 618564 w 1183341"/>
+              <a:gd name="connsiteY1" fmla="*/ 215152 h 217421"/>
+              <a:gd name="connsiteX2" fmla="*/ 0 w 1183341"/>
+              <a:gd name="connsiteY2" fmla="*/ 0 h 217421"/>
+              <a:gd name="connsiteX3" fmla="*/ 0 w 1183341"/>
+              <a:gd name="connsiteY3" fmla="*/ 0 h 217421"/>
+            </a:gdLst>
+            <a:ahLst/>
+            <a:cxnLst>
+              <a:cxn ang="0">
+                <a:pos x="connsiteX0" y="connsiteY0"/>
+              </a:cxn>
+              <a:cxn ang="0">
+                <a:pos x="connsiteX1" y="connsiteY1"/>
+              </a:cxn>
+              <a:cxn ang="0">
+                <a:pos x="connsiteX2" y="connsiteY2"/>
+              </a:cxn>
+              <a:cxn ang="0">
+                <a:pos x="connsiteX3" y="connsiteY3"/>
+              </a:cxn>
+            </a:cxnLst>
+            <a:rect l="l" t="t" r="r" b="b"/>
+            <a:pathLst>
+              <a:path w="1183341" h="217421">
+                <a:moveTo>
+                  <a:pt x="1183341" y="94129"/>
+                </a:moveTo>
+                <a:cubicBezTo>
+                  <a:pt x="999564" y="162484"/>
+                  <a:pt x="815788" y="230840"/>
+                  <a:pt x="618564" y="215152"/>
+                </a:cubicBezTo>
+                <a:cubicBezTo>
+                  <a:pt x="421340" y="199464"/>
+                  <a:pt x="0" y="0"/>
+                  <a:pt x="0" y="0"/>
+                </a:cubicBezTo>
+                <a:lnTo>
+                  <a:pt x="0" y="0"/>
+                </a:lnTo>
+              </a:path>
+            </a:pathLst>
+          </a:custGeom>
+          <a:noFill/>
+          <a:ln w="38100">
+            <a:solidFill>
+              <a:schemeClr val="accent4">
+                <a:lumMod val="75000"/>
+              </a:schemeClr>
+            </a:solidFill>
+            <a:tailEnd type="triangle" w="lg" len="med"/>
+          </a:ln>
+        </p:spPr>
+        <p:style>
+          <a:lnRef idx="2">
+            <a:schemeClr val="accent1">
+              <a:shade val="50000"/>
+            </a:schemeClr>
+          </a:lnRef>
+          <a:fillRef idx="1">
+            <a:schemeClr val="accent1"/>
+          </a:fillRef>
+          <a:effectRef idx="0">
+            <a:schemeClr val="accent1"/>
+          </a:effectRef>
+          <a:fontRef idx="minor">
+            <a:schemeClr val="lt1"/>
+          </a:fontRef>
+        </p:style>
+        <p:txBody>
+          <a:bodyPr rtlCol="0" anchor="ctr"/>
+          <a:lstStyle/>
+          <a:p>
+            <a:pPr algn="ctr"/>
+            <a:endParaRPr lang="en-US"/>
+          </a:p>
+        </p:txBody>
+      </p:sp>
+      <p:sp>
+        <p:nvSpPr>
+          <p:cNvPr id="66" name="Freeform 65"/>
+          <p:cNvSpPr/>
+          <p:nvPr/>
+        </p:nvSpPr>
+        <p:spPr>
+          <a:xfrm rot="20283898" flipV="1">
+            <a:off x="4024751" y="2441340"/>
+            <a:ext cx="496351" cy="49477"/>
+          </a:xfrm>
+          <a:custGeom>
+            <a:avLst/>
+            <a:gdLst>
+              <a:gd name="connsiteX0" fmla="*/ 1183341 w 1183341"/>
+              <a:gd name="connsiteY0" fmla="*/ 94129 h 217421"/>
+              <a:gd name="connsiteX1" fmla="*/ 618564 w 1183341"/>
+              <a:gd name="connsiteY1" fmla="*/ 215152 h 217421"/>
+              <a:gd name="connsiteX2" fmla="*/ 0 w 1183341"/>
+              <a:gd name="connsiteY2" fmla="*/ 0 h 217421"/>
+              <a:gd name="connsiteX3" fmla="*/ 0 w 1183341"/>
+              <a:gd name="connsiteY3" fmla="*/ 0 h 217421"/>
+            </a:gdLst>
+            <a:ahLst/>
+            <a:cxnLst>
+              <a:cxn ang="0">
+                <a:pos x="connsiteX0" y="connsiteY0"/>
+              </a:cxn>
+              <a:cxn ang="0">
+                <a:pos x="connsiteX1" y="connsiteY1"/>
+              </a:cxn>
+              <a:cxn ang="0">
+                <a:pos x="connsiteX2" y="connsiteY2"/>
+              </a:cxn>
+              <a:cxn ang="0">
+                <a:pos x="connsiteX3" y="connsiteY3"/>
+              </a:cxn>
+            </a:cxnLst>
+            <a:rect l="l" t="t" r="r" b="b"/>
+            <a:pathLst>
+              <a:path w="1183341" h="217421">
+                <a:moveTo>
+                  <a:pt x="1183341" y="94129"/>
+                </a:moveTo>
+                <a:cubicBezTo>
+                  <a:pt x="999564" y="162484"/>
+                  <a:pt x="815788" y="230840"/>
+                  <a:pt x="618564" y="215152"/>
+                </a:cubicBezTo>
+                <a:cubicBezTo>
+                  <a:pt x="421340" y="199464"/>
+                  <a:pt x="0" y="0"/>
+                  <a:pt x="0" y="0"/>
+                </a:cubicBezTo>
+                <a:lnTo>
+                  <a:pt x="0" y="0"/>
+                </a:lnTo>
+              </a:path>
+            </a:pathLst>
+          </a:custGeom>
+          <a:noFill/>
+          <a:ln w="38100">
+            <a:solidFill>
+              <a:schemeClr val="accent4">
+                <a:lumMod val="75000"/>
+              </a:schemeClr>
+            </a:solidFill>
+            <a:tailEnd type="triangle" w="lg" len="med"/>
+          </a:ln>
+        </p:spPr>
+        <p:style>
+          <a:lnRef idx="2">
+            <a:schemeClr val="accent1">
+              <a:shade val="50000"/>
+            </a:schemeClr>
+          </a:lnRef>
+          <a:fillRef idx="1">
+            <a:schemeClr val="accent1"/>
+          </a:fillRef>
+          <a:effectRef idx="0">
+            <a:schemeClr val="accent1"/>
+          </a:effectRef>
+          <a:fontRef idx="minor">
+            <a:schemeClr val="lt1"/>
+          </a:fontRef>
+        </p:style>
+        <p:txBody>
+          <a:bodyPr rtlCol="0" anchor="ctr"/>
+          <a:lstStyle/>
+          <a:p>
+            <a:pPr algn="ctr"/>
+            <a:endParaRPr lang="en-US"/>
+          </a:p>
+        </p:txBody>
+      </p:sp>
+      <p:sp>
+        <p:nvSpPr>
+          <p:cNvPr id="67" name="Freeform 66"/>
+          <p:cNvSpPr/>
+          <p:nvPr/>
+        </p:nvSpPr>
+        <p:spPr>
+          <a:xfrm rot="20816687">
+            <a:off x="2241760" y="2197551"/>
+            <a:ext cx="929975" cy="94688"/>
+          </a:xfrm>
+          <a:custGeom>
+            <a:avLst/>
+            <a:gdLst>
+              <a:gd name="connsiteX0" fmla="*/ 1183341 w 1183341"/>
+              <a:gd name="connsiteY0" fmla="*/ 94129 h 217421"/>
+              <a:gd name="connsiteX1" fmla="*/ 618564 w 1183341"/>
+              <a:gd name="connsiteY1" fmla="*/ 215152 h 217421"/>
+              <a:gd name="connsiteX2" fmla="*/ 0 w 1183341"/>
+              <a:gd name="connsiteY2" fmla="*/ 0 h 217421"/>
+              <a:gd name="connsiteX3" fmla="*/ 0 w 1183341"/>
+              <a:gd name="connsiteY3" fmla="*/ 0 h 217421"/>
+            </a:gdLst>
+            <a:ahLst/>
+            <a:cxnLst>
+              <a:cxn ang="0">
+                <a:pos x="connsiteX0" y="connsiteY0"/>
+              </a:cxn>
+              <a:cxn ang="0">
+                <a:pos x="connsiteX1" y="connsiteY1"/>
+              </a:cxn>
+              <a:cxn ang="0">
+                <a:pos x="connsiteX2" y="connsiteY2"/>
+              </a:cxn>
+              <a:cxn ang="0">
+                <a:pos x="connsiteX3" y="connsiteY3"/>
+              </a:cxn>
+            </a:cxnLst>
+            <a:rect l="l" t="t" r="r" b="b"/>
+            <a:pathLst>
+              <a:path w="1183341" h="217421">
+                <a:moveTo>
+                  <a:pt x="1183341" y="94129"/>
+                </a:moveTo>
+                <a:cubicBezTo>
+                  <a:pt x="999564" y="162484"/>
+                  <a:pt x="815788" y="230840"/>
+                  <a:pt x="618564" y="215152"/>
+                </a:cubicBezTo>
+                <a:cubicBezTo>
+                  <a:pt x="421340" y="199464"/>
+                  <a:pt x="0" y="0"/>
+                  <a:pt x="0" y="0"/>
+                </a:cubicBezTo>
+                <a:lnTo>
+                  <a:pt x="0" y="0"/>
+                </a:lnTo>
+              </a:path>
+            </a:pathLst>
+          </a:custGeom>
+          <a:noFill/>
+          <a:ln w="38100">
+            <a:solidFill>
+              <a:schemeClr val="accent4">
+                <a:lumMod val="75000"/>
+              </a:schemeClr>
+            </a:solidFill>
+            <a:tailEnd type="triangle" w="lg" len="med"/>
+          </a:ln>
+        </p:spPr>
+        <p:style>
+          <a:lnRef idx="2">
+            <a:schemeClr val="accent1">
+              <a:shade val="50000"/>
+            </a:schemeClr>
+          </a:lnRef>
+          <a:fillRef idx="1">
+            <a:schemeClr val="accent1"/>
+          </a:fillRef>
+          <a:effectRef idx="0">
+            <a:schemeClr val="accent1"/>
+          </a:effectRef>
+          <a:fontRef idx="minor">
+            <a:schemeClr val="lt1"/>
+          </a:fontRef>
+        </p:style>
+        <p:txBody>
+          <a:bodyPr rtlCol="0" anchor="ctr"/>
+          <a:lstStyle/>
+          <a:p>
+            <a:pPr algn="ctr"/>
+            <a:endParaRPr lang="en-US"/>
+          </a:p>
+        </p:txBody>
+      </p:sp>
+      <p:sp>
+        <p:nvSpPr>
+          <p:cNvPr id="68" name="Freeform 67"/>
+          <p:cNvSpPr/>
+          <p:nvPr/>
+        </p:nvSpPr>
+        <p:spPr>
+          <a:xfrm rot="20970454">
+            <a:off x="1154710" y="2145315"/>
+            <a:ext cx="759135" cy="45719"/>
+          </a:xfrm>
+          <a:custGeom>
+            <a:avLst/>
+            <a:gdLst>
+              <a:gd name="connsiteX0" fmla="*/ 1183341 w 1183341"/>
+              <a:gd name="connsiteY0" fmla="*/ 94129 h 217421"/>
+              <a:gd name="connsiteX1" fmla="*/ 618564 w 1183341"/>
+              <a:gd name="connsiteY1" fmla="*/ 215152 h 217421"/>
+              <a:gd name="connsiteX2" fmla="*/ 0 w 1183341"/>
+              <a:gd name="connsiteY2" fmla="*/ 0 h 217421"/>
+              <a:gd name="connsiteX3" fmla="*/ 0 w 1183341"/>
+              <a:gd name="connsiteY3" fmla="*/ 0 h 217421"/>
+            </a:gdLst>
+            <a:ahLst/>
+            <a:cxnLst>
+              <a:cxn ang="0">
+                <a:pos x="connsiteX0" y="connsiteY0"/>
+              </a:cxn>
+              <a:cxn ang="0">
+                <a:pos x="connsiteX1" y="connsiteY1"/>
+              </a:cxn>
+              <a:cxn ang="0">
+                <a:pos x="connsiteX2" y="connsiteY2"/>
+              </a:cxn>
+              <a:cxn ang="0">
+                <a:pos x="connsiteX3" y="connsiteY3"/>
+              </a:cxn>
+            </a:cxnLst>
+            <a:rect l="l" t="t" r="r" b="b"/>
+            <a:pathLst>
+              <a:path w="1183341" h="217421">
+                <a:moveTo>
+                  <a:pt x="1183341" y="94129"/>
+                </a:moveTo>
+                <a:cubicBezTo>
+                  <a:pt x="999564" y="162484"/>
+                  <a:pt x="815788" y="230840"/>
+                  <a:pt x="618564" y="215152"/>
+                </a:cubicBezTo>
+                <a:cubicBezTo>
+                  <a:pt x="421340" y="199464"/>
+                  <a:pt x="0" y="0"/>
+                  <a:pt x="0" y="0"/>
+                </a:cubicBezTo>
+                <a:lnTo>
+                  <a:pt x="0" y="0"/>
+                </a:lnTo>
+              </a:path>
+            </a:pathLst>
+          </a:custGeom>
+          <a:noFill/>
+          <a:ln w="38100">
+            <a:solidFill>
+              <a:schemeClr val="accent4">
+                <a:lumMod val="75000"/>
+              </a:schemeClr>
+            </a:solidFill>
+            <a:tailEnd type="triangle" w="lg" len="med"/>
+          </a:ln>
+        </p:spPr>
+        <p:style>
+          <a:lnRef idx="2">
+            <a:schemeClr val="accent1">
+              <a:shade val="50000"/>
+            </a:schemeClr>
+          </a:lnRef>
+          <a:fillRef idx="1">
+            <a:schemeClr val="accent1"/>
+          </a:fillRef>
+          <a:effectRef idx="0">
+            <a:schemeClr val="accent1"/>
+          </a:effectRef>
+          <a:fontRef idx="minor">
+            <a:schemeClr val="lt1"/>
+          </a:fontRef>
+        </p:style>
+        <p:txBody>
+          <a:bodyPr rtlCol="0" anchor="ctr"/>
+          <a:lstStyle/>
+          <a:p>
+            <a:pPr algn="ctr"/>
+            <a:endParaRPr lang="en-US"/>
+          </a:p>
+        </p:txBody>
+      </p:sp>
+      <p:sp>
+        <p:nvSpPr>
+          <p:cNvPr id="69" name="Freeform 68"/>
+          <p:cNvSpPr/>
+          <p:nvPr/>
+        </p:nvSpPr>
+        <p:spPr>
+          <a:xfrm rot="21235603">
+            <a:off x="361700" y="2431173"/>
+            <a:ext cx="759135" cy="45719"/>
+          </a:xfrm>
+          <a:custGeom>
+            <a:avLst/>
+            <a:gdLst>
+              <a:gd name="connsiteX0" fmla="*/ 1183341 w 1183341"/>
+              <a:gd name="connsiteY0" fmla="*/ 94129 h 217421"/>
+              <a:gd name="connsiteX1" fmla="*/ 618564 w 1183341"/>
+              <a:gd name="connsiteY1" fmla="*/ 215152 h 217421"/>
+              <a:gd name="connsiteX2" fmla="*/ 0 w 1183341"/>
+              <a:gd name="connsiteY2" fmla="*/ 0 h 217421"/>
+              <a:gd name="connsiteX3" fmla="*/ 0 w 1183341"/>
+              <a:gd name="connsiteY3" fmla="*/ 0 h 217421"/>
+            </a:gdLst>
+            <a:ahLst/>
+            <a:cxnLst>
+              <a:cxn ang="0">
+                <a:pos x="connsiteX0" y="connsiteY0"/>
+              </a:cxn>
+              <a:cxn ang="0">
+                <a:pos x="connsiteX1" y="connsiteY1"/>
+              </a:cxn>
+              <a:cxn ang="0">
+                <a:pos x="connsiteX2" y="connsiteY2"/>
+              </a:cxn>
+              <a:cxn ang="0">
+                <a:pos x="connsiteX3" y="connsiteY3"/>
+              </a:cxn>
+            </a:cxnLst>
+            <a:rect l="l" t="t" r="r" b="b"/>
+            <a:pathLst>
+              <a:path w="1183341" h="217421">
+                <a:moveTo>
+                  <a:pt x="1183341" y="94129"/>
+                </a:moveTo>
+                <a:cubicBezTo>
+                  <a:pt x="999564" y="162484"/>
+                  <a:pt x="815788" y="230840"/>
+                  <a:pt x="618564" y="215152"/>
+                </a:cubicBezTo>
+                <a:cubicBezTo>
+                  <a:pt x="421340" y="199464"/>
+                  <a:pt x="0" y="0"/>
+                  <a:pt x="0" y="0"/>
+                </a:cubicBezTo>
+                <a:lnTo>
+                  <a:pt x="0" y="0"/>
+                </a:lnTo>
+              </a:path>
+            </a:pathLst>
+          </a:custGeom>
+          <a:noFill/>
+          <a:ln w="38100">
+            <a:solidFill>
+              <a:schemeClr val="accent4">
+                <a:lumMod val="75000"/>
+              </a:schemeClr>
+            </a:solidFill>
+            <a:tailEnd type="triangle" w="lg" len="med"/>
+          </a:ln>
+        </p:spPr>
+        <p:style>
+          <a:lnRef idx="2">
+            <a:schemeClr val="accent1">
+              <a:shade val="50000"/>
+            </a:schemeClr>
+          </a:lnRef>
+          <a:fillRef idx="1">
+            <a:schemeClr val="accent1"/>
+          </a:fillRef>
+          <a:effectRef idx="0">
+            <a:schemeClr val="accent1"/>
+          </a:effectRef>
+          <a:fontRef idx="minor">
+            <a:schemeClr val="lt1"/>
+          </a:fontRef>
+        </p:style>
+        <p:txBody>
+          <a:bodyPr rtlCol="0" anchor="ctr"/>
+          <a:lstStyle/>
+          <a:p>
+            <a:pPr algn="ctr"/>
+            <a:endParaRPr lang="en-US"/>
+          </a:p>
+        </p:txBody>
+      </p:sp>
+      <p:sp>
+        <p:nvSpPr>
+          <p:cNvPr id="70" name="Freeform 69"/>
+          <p:cNvSpPr/>
+          <p:nvPr/>
+        </p:nvSpPr>
+        <p:spPr>
+          <a:xfrm rot="21336375">
+            <a:off x="32513" y="1997675"/>
+            <a:ext cx="759135" cy="45719"/>
+          </a:xfrm>
+          <a:custGeom>
+            <a:avLst/>
+            <a:gdLst>
+              <a:gd name="connsiteX0" fmla="*/ 1183341 w 1183341"/>
+              <a:gd name="connsiteY0" fmla="*/ 94129 h 217421"/>
+              <a:gd name="connsiteX1" fmla="*/ 618564 w 1183341"/>
+              <a:gd name="connsiteY1" fmla="*/ 215152 h 217421"/>
+              <a:gd name="connsiteX2" fmla="*/ 0 w 1183341"/>
+              <a:gd name="connsiteY2" fmla="*/ 0 h 217421"/>
+              <a:gd name="connsiteX3" fmla="*/ 0 w 1183341"/>
+              <a:gd name="connsiteY3" fmla="*/ 0 h 217421"/>
+            </a:gdLst>
+            <a:ahLst/>
+            <a:cxnLst>
+              <a:cxn ang="0">
+                <a:pos x="connsiteX0" y="connsiteY0"/>
+              </a:cxn>
+              <a:cxn ang="0">
+                <a:pos x="connsiteX1" y="connsiteY1"/>
+              </a:cxn>
+              <a:cxn ang="0">
+                <a:pos x="connsiteX2" y="connsiteY2"/>
+              </a:cxn>
+              <a:cxn ang="0">
+                <a:pos x="connsiteX3" y="connsiteY3"/>
+              </a:cxn>
+            </a:cxnLst>
+            <a:rect l="l" t="t" r="r" b="b"/>
+            <a:pathLst>
+              <a:path w="1183341" h="217421">
+                <a:moveTo>
+                  <a:pt x="1183341" y="94129"/>
+                </a:moveTo>
+                <a:cubicBezTo>
+                  <a:pt x="999564" y="162484"/>
+                  <a:pt x="815788" y="230840"/>
+                  <a:pt x="618564" y="215152"/>
+                </a:cubicBezTo>
+                <a:cubicBezTo>
+                  <a:pt x="421340" y="199464"/>
+                  <a:pt x="0" y="0"/>
+                  <a:pt x="0" y="0"/>
+                </a:cubicBezTo>
+                <a:lnTo>
+                  <a:pt x="0" y="0"/>
+                </a:lnTo>
+              </a:path>
+            </a:pathLst>
+          </a:custGeom>
+          <a:noFill/>
+          <a:ln w="38100">
+            <a:solidFill>
+              <a:schemeClr val="accent4">
+                <a:lumMod val="75000"/>
+              </a:schemeClr>
+            </a:solidFill>
+            <a:tailEnd type="triangle" w="lg" len="med"/>
+          </a:ln>
+        </p:spPr>
+        <p:style>
+          <a:lnRef idx="2">
+            <a:schemeClr val="accent1">
+              <a:shade val="50000"/>
+            </a:schemeClr>
+          </a:lnRef>
+          <a:fillRef idx="1">
+            <a:schemeClr val="accent1"/>
+          </a:fillRef>
+          <a:effectRef idx="0">
+            <a:schemeClr val="accent1"/>
+          </a:effectRef>
+          <a:fontRef idx="minor">
+            <a:schemeClr val="lt1"/>
+          </a:fontRef>
+        </p:style>
+        <p:txBody>
+          <a:bodyPr rtlCol="0" anchor="ctr"/>
+          <a:lstStyle/>
+          <a:p>
+            <a:pPr algn="ctr"/>
+            <a:endParaRPr lang="en-US"/>
+          </a:p>
+        </p:txBody>
+      </p:sp>
+      <p:sp>
+        <p:nvSpPr>
+          <p:cNvPr id="71" name="Freeform 70"/>
+          <p:cNvSpPr/>
+          <p:nvPr/>
+        </p:nvSpPr>
+        <p:spPr>
+          <a:xfrm rot="15953511">
+            <a:off x="5059936" y="1554039"/>
+            <a:ext cx="375080" cy="113720"/>
+          </a:xfrm>
+          <a:custGeom>
+            <a:avLst/>
+            <a:gdLst>
+              <a:gd name="connsiteX0" fmla="*/ 1183341 w 1183341"/>
+              <a:gd name="connsiteY0" fmla="*/ 94129 h 217421"/>
+              <a:gd name="connsiteX1" fmla="*/ 618564 w 1183341"/>
+              <a:gd name="connsiteY1" fmla="*/ 215152 h 217421"/>
+              <a:gd name="connsiteX2" fmla="*/ 0 w 1183341"/>
+              <a:gd name="connsiteY2" fmla="*/ 0 h 217421"/>
+              <a:gd name="connsiteX3" fmla="*/ 0 w 1183341"/>
+              <a:gd name="connsiteY3" fmla="*/ 0 h 217421"/>
+            </a:gdLst>
+            <a:ahLst/>
+            <a:cxnLst>
+              <a:cxn ang="0">
+                <a:pos x="connsiteX0" y="connsiteY0"/>
+              </a:cxn>
+              <a:cxn ang="0">
+                <a:pos x="connsiteX1" y="connsiteY1"/>
+              </a:cxn>
+              <a:cxn ang="0">
+                <a:pos x="connsiteX2" y="connsiteY2"/>
+              </a:cxn>
+              <a:cxn ang="0">
+                <a:pos x="connsiteX3" y="connsiteY3"/>
+              </a:cxn>
+            </a:cxnLst>
+            <a:rect l="l" t="t" r="r" b="b"/>
+            <a:pathLst>
+              <a:path w="1183341" h="217421">
+                <a:moveTo>
+                  <a:pt x="1183341" y="94129"/>
+                </a:moveTo>
+                <a:cubicBezTo>
+                  <a:pt x="999564" y="162484"/>
+                  <a:pt x="815788" y="230840"/>
+                  <a:pt x="618564" y="215152"/>
+                </a:cubicBezTo>
+                <a:cubicBezTo>
+                  <a:pt x="421340" y="199464"/>
+                  <a:pt x="0" y="0"/>
+                  <a:pt x="0" y="0"/>
+                </a:cubicBezTo>
+                <a:lnTo>
+                  <a:pt x="0" y="0"/>
+                </a:lnTo>
+              </a:path>
+            </a:pathLst>
+          </a:custGeom>
+          <a:noFill/>
+          <a:ln w="38100">
+            <a:solidFill>
+              <a:schemeClr val="accent4">
+                <a:lumMod val="75000"/>
+              </a:schemeClr>
+            </a:solidFill>
+            <a:tailEnd type="triangle" w="lg" len="med"/>
+          </a:ln>
+        </p:spPr>
+        <p:style>
+          <a:lnRef idx="2">
+            <a:schemeClr val="accent1">
+              <a:shade val="50000"/>
+            </a:schemeClr>
+          </a:lnRef>
+          <a:fillRef idx="1">
+            <a:schemeClr val="accent1"/>
+          </a:fillRef>
+          <a:effectRef idx="0">
+            <a:schemeClr val="accent1"/>
+          </a:effectRef>
+          <a:fontRef idx="minor">
+            <a:schemeClr val="lt1"/>
+          </a:fontRef>
+        </p:style>
+        <p:txBody>
+          <a:bodyPr rtlCol="0" anchor="ctr"/>
+          <a:lstStyle/>
+          <a:p>
+            <a:pPr algn="ctr"/>
+            <a:endParaRPr lang="en-US"/>
+          </a:p>
+        </p:txBody>
+      </p:sp>
+      <p:sp>
+        <p:nvSpPr>
+          <p:cNvPr id="72" name="Freeform 71"/>
+          <p:cNvSpPr/>
+          <p:nvPr/>
+        </p:nvSpPr>
+        <p:spPr>
+          <a:xfrm rot="3189351">
+            <a:off x="3698075" y="1842623"/>
+            <a:ext cx="288281" cy="121376"/>
+          </a:xfrm>
+          <a:custGeom>
+            <a:avLst/>
+            <a:gdLst>
+              <a:gd name="connsiteX0" fmla="*/ 1183341 w 1183341"/>
+              <a:gd name="connsiteY0" fmla="*/ 94129 h 217421"/>
+              <a:gd name="connsiteX1" fmla="*/ 618564 w 1183341"/>
+              <a:gd name="connsiteY1" fmla="*/ 215152 h 217421"/>
+              <a:gd name="connsiteX2" fmla="*/ 0 w 1183341"/>
+              <a:gd name="connsiteY2" fmla="*/ 0 h 217421"/>
+              <a:gd name="connsiteX3" fmla="*/ 0 w 1183341"/>
+              <a:gd name="connsiteY3" fmla="*/ 0 h 217421"/>
+            </a:gdLst>
+            <a:ahLst/>
+            <a:cxnLst>
+              <a:cxn ang="0">
+                <a:pos x="connsiteX0" y="connsiteY0"/>
+              </a:cxn>
+              <a:cxn ang="0">
+                <a:pos x="connsiteX1" y="connsiteY1"/>
+              </a:cxn>
+              <a:cxn ang="0">
+                <a:pos x="connsiteX2" y="connsiteY2"/>
+              </a:cxn>
+              <a:cxn ang="0">
+                <a:pos x="connsiteX3" y="connsiteY3"/>
+              </a:cxn>
+            </a:cxnLst>
+            <a:rect l="l" t="t" r="r" b="b"/>
+            <a:pathLst>
+              <a:path w="1183341" h="217421">
+                <a:moveTo>
+                  <a:pt x="1183341" y="94129"/>
+                </a:moveTo>
+                <a:cubicBezTo>
+                  <a:pt x="999564" y="162484"/>
+                  <a:pt x="815788" y="230840"/>
+                  <a:pt x="618564" y="215152"/>
+                </a:cubicBezTo>
+                <a:cubicBezTo>
+                  <a:pt x="421340" y="199464"/>
+                  <a:pt x="0" y="0"/>
+                  <a:pt x="0" y="0"/>
+                </a:cubicBezTo>
+                <a:lnTo>
+                  <a:pt x="0" y="0"/>
+                </a:lnTo>
+              </a:path>
+            </a:pathLst>
+          </a:custGeom>
+          <a:noFill/>
+          <a:ln w="38100">
+            <a:solidFill>
+              <a:schemeClr val="accent4">
+                <a:lumMod val="75000"/>
+              </a:schemeClr>
+            </a:solidFill>
+            <a:tailEnd type="triangle" w="lg" len="med"/>
+          </a:ln>
+        </p:spPr>
+        <p:style>
+          <a:lnRef idx="2">
+            <a:schemeClr val="accent1">
+              <a:shade val="50000"/>
+            </a:schemeClr>
+          </a:lnRef>
+          <a:fillRef idx="1">
+            <a:schemeClr val="accent1"/>
+          </a:fillRef>
+          <a:effectRef idx="0">
+            <a:schemeClr val="accent1"/>
+          </a:effectRef>
+          <a:fontRef idx="minor">
+            <a:schemeClr val="lt1"/>
+          </a:fontRef>
+        </p:style>
+        <p:txBody>
+          <a:bodyPr rtlCol="0" anchor="ctr"/>
+          <a:lstStyle/>
+          <a:p>
+            <a:pPr algn="ctr"/>
+            <a:endParaRPr lang="en-US"/>
+          </a:p>
+        </p:txBody>
+      </p:sp>
+      <p:sp>
+        <p:nvSpPr>
+          <p:cNvPr id="73" name="Freeform 72"/>
+          <p:cNvSpPr/>
+          <p:nvPr/>
+        </p:nvSpPr>
+        <p:spPr>
+          <a:xfrm rot="797414" flipV="1">
+            <a:off x="8175607" y="5218057"/>
+            <a:ext cx="524349" cy="45719"/>
+          </a:xfrm>
+          <a:custGeom>
+            <a:avLst/>
+            <a:gdLst>
+              <a:gd name="connsiteX0" fmla="*/ 1183341 w 1183341"/>
+              <a:gd name="connsiteY0" fmla="*/ 94129 h 217421"/>
+              <a:gd name="connsiteX1" fmla="*/ 618564 w 1183341"/>
+              <a:gd name="connsiteY1" fmla="*/ 215152 h 217421"/>
+              <a:gd name="connsiteX2" fmla="*/ 0 w 1183341"/>
+              <a:gd name="connsiteY2" fmla="*/ 0 h 217421"/>
+              <a:gd name="connsiteX3" fmla="*/ 0 w 1183341"/>
+              <a:gd name="connsiteY3" fmla="*/ 0 h 217421"/>
+            </a:gdLst>
+            <a:ahLst/>
+            <a:cxnLst>
+              <a:cxn ang="0">
+                <a:pos x="connsiteX0" y="connsiteY0"/>
+              </a:cxn>
+              <a:cxn ang="0">
+                <a:pos x="connsiteX1" y="connsiteY1"/>
+              </a:cxn>
+              <a:cxn ang="0">
+                <a:pos x="connsiteX2" y="connsiteY2"/>
+              </a:cxn>
+              <a:cxn ang="0">
+                <a:pos x="connsiteX3" y="connsiteY3"/>
+              </a:cxn>
+            </a:cxnLst>
+            <a:rect l="l" t="t" r="r" b="b"/>
+            <a:pathLst>
+              <a:path w="1183341" h="217421">
+                <a:moveTo>
+                  <a:pt x="1183341" y="94129"/>
+                </a:moveTo>
+                <a:cubicBezTo>
+                  <a:pt x="999564" y="162484"/>
+                  <a:pt x="815788" y="230840"/>
+                  <a:pt x="618564" y="215152"/>
+                </a:cubicBezTo>
+                <a:cubicBezTo>
+                  <a:pt x="421340" y="199464"/>
+                  <a:pt x="0" y="0"/>
+                  <a:pt x="0" y="0"/>
+                </a:cubicBezTo>
+                <a:lnTo>
+                  <a:pt x="0" y="0"/>
+                </a:lnTo>
+              </a:path>
+            </a:pathLst>
+          </a:custGeom>
+          <a:noFill/>
+          <a:ln w="38100">
+            <a:solidFill>
+              <a:schemeClr val="accent6">
+                <a:lumMod val="75000"/>
+              </a:schemeClr>
+            </a:solidFill>
+            <a:tailEnd type="triangle" w="lg" len="med"/>
+          </a:ln>
+        </p:spPr>
+        <p:style>
+          <a:lnRef idx="2">
+            <a:schemeClr val="accent1">
+              <a:shade val="50000"/>
+            </a:schemeClr>
+          </a:lnRef>
+          <a:fillRef idx="1">
+            <a:schemeClr val="accent1"/>
+          </a:fillRef>
+          <a:effectRef idx="0">
+            <a:schemeClr val="accent1"/>
+          </a:effectRef>
+          <a:fontRef idx="minor">
+            <a:schemeClr val="lt1"/>
+          </a:fontRef>
+        </p:style>
+        <p:txBody>
+          <a:bodyPr rtlCol="0" anchor="ctr"/>
+          <a:lstStyle/>
+          <a:p>
+            <a:pPr algn="ctr"/>
+            <a:endParaRPr lang="en-US"/>
+          </a:p>
+        </p:txBody>
+      </p:sp>
+      <p:sp>
+        <p:nvSpPr>
+          <p:cNvPr id="74" name="Freeform 73"/>
+          <p:cNvSpPr/>
+          <p:nvPr/>
+        </p:nvSpPr>
+        <p:spPr>
+          <a:xfrm rot="255958" flipV="1">
+            <a:off x="6459155" y="5135539"/>
+            <a:ext cx="524349" cy="45719"/>
+          </a:xfrm>
+          <a:custGeom>
+            <a:avLst/>
+            <a:gdLst>
+              <a:gd name="connsiteX0" fmla="*/ 1183341 w 1183341"/>
+              <a:gd name="connsiteY0" fmla="*/ 94129 h 217421"/>
+              <a:gd name="connsiteX1" fmla="*/ 618564 w 1183341"/>
+              <a:gd name="connsiteY1" fmla="*/ 215152 h 217421"/>
+              <a:gd name="connsiteX2" fmla="*/ 0 w 1183341"/>
+              <a:gd name="connsiteY2" fmla="*/ 0 h 217421"/>
+              <a:gd name="connsiteX3" fmla="*/ 0 w 1183341"/>
+              <a:gd name="connsiteY3" fmla="*/ 0 h 217421"/>
+            </a:gdLst>
+            <a:ahLst/>
+            <a:cxnLst>
+              <a:cxn ang="0">
+                <a:pos x="connsiteX0" y="connsiteY0"/>
+              </a:cxn>
+              <a:cxn ang="0">
+                <a:pos x="connsiteX1" y="connsiteY1"/>
+              </a:cxn>
+              <a:cxn ang="0">
+                <a:pos x="connsiteX2" y="connsiteY2"/>
+              </a:cxn>
+              <a:cxn ang="0">
+                <a:pos x="connsiteX3" y="connsiteY3"/>
+              </a:cxn>
+            </a:cxnLst>
+            <a:rect l="l" t="t" r="r" b="b"/>
+            <a:pathLst>
+              <a:path w="1183341" h="217421">
+                <a:moveTo>
+                  <a:pt x="1183341" y="94129"/>
+                </a:moveTo>
+                <a:cubicBezTo>
+                  <a:pt x="999564" y="162484"/>
+                  <a:pt x="815788" y="230840"/>
+                  <a:pt x="618564" y="215152"/>
+                </a:cubicBezTo>
+                <a:cubicBezTo>
+                  <a:pt x="421340" y="199464"/>
+                  <a:pt x="0" y="0"/>
+                  <a:pt x="0" y="0"/>
+                </a:cubicBezTo>
+                <a:lnTo>
+                  <a:pt x="0" y="0"/>
+                </a:lnTo>
+              </a:path>
+            </a:pathLst>
+          </a:custGeom>
+          <a:noFill/>
+          <a:ln w="38100">
+            <a:solidFill>
+              <a:schemeClr val="accent6">
+                <a:lumMod val="75000"/>
+              </a:schemeClr>
+            </a:solidFill>
+            <a:tailEnd type="triangle" w="lg" len="med"/>
+          </a:ln>
+        </p:spPr>
+        <p:style>
+          <a:lnRef idx="2">
+            <a:schemeClr val="accent1">
+              <a:shade val="50000"/>
+            </a:schemeClr>
+          </a:lnRef>
+          <a:fillRef idx="1">
+            <a:schemeClr val="accent1"/>
+          </a:fillRef>
+          <a:effectRef idx="0">
+            <a:schemeClr val="accent1"/>
+          </a:effectRef>
+          <a:fontRef idx="minor">
+            <a:schemeClr val="lt1"/>
+          </a:fontRef>
+        </p:style>
+        <p:txBody>
+          <a:bodyPr rtlCol="0" anchor="ctr"/>
+          <a:lstStyle/>
+          <a:p>
+            <a:pPr algn="ctr"/>
+            <a:endParaRPr lang="en-US"/>
+          </a:p>
+        </p:txBody>
+      </p:sp>
+      <p:sp>
+        <p:nvSpPr>
+          <p:cNvPr id="75" name="Freeform 74"/>
+          <p:cNvSpPr/>
+          <p:nvPr/>
+        </p:nvSpPr>
+        <p:spPr>
+          <a:xfrm flipV="1">
+            <a:off x="4054817" y="5218056"/>
+            <a:ext cx="524349" cy="45719"/>
+          </a:xfrm>
+          <a:custGeom>
+            <a:avLst/>
+            <a:gdLst>
+              <a:gd name="connsiteX0" fmla="*/ 1183341 w 1183341"/>
+              <a:gd name="connsiteY0" fmla="*/ 94129 h 217421"/>
+              <a:gd name="connsiteX1" fmla="*/ 618564 w 1183341"/>
+              <a:gd name="connsiteY1" fmla="*/ 215152 h 217421"/>
+              <a:gd name="connsiteX2" fmla="*/ 0 w 1183341"/>
+              <a:gd name="connsiteY2" fmla="*/ 0 h 217421"/>
+              <a:gd name="connsiteX3" fmla="*/ 0 w 1183341"/>
+              <a:gd name="connsiteY3" fmla="*/ 0 h 217421"/>
+            </a:gdLst>
+            <a:ahLst/>
+            <a:cxnLst>
+              <a:cxn ang="0">
+                <a:pos x="connsiteX0" y="connsiteY0"/>
+              </a:cxn>
+              <a:cxn ang="0">
+                <a:pos x="connsiteX1" y="connsiteY1"/>
+              </a:cxn>
+              <a:cxn ang="0">
+                <a:pos x="connsiteX2" y="connsiteY2"/>
+              </a:cxn>
+              <a:cxn ang="0">
+                <a:pos x="connsiteX3" y="connsiteY3"/>
+              </a:cxn>
+            </a:cxnLst>
+            <a:rect l="l" t="t" r="r" b="b"/>
+            <a:pathLst>
+              <a:path w="1183341" h="217421">
+                <a:moveTo>
+                  <a:pt x="1183341" y="94129"/>
+                </a:moveTo>
+                <a:cubicBezTo>
+                  <a:pt x="999564" y="162484"/>
+                  <a:pt x="815788" y="230840"/>
+                  <a:pt x="618564" y="215152"/>
+                </a:cubicBezTo>
+                <a:cubicBezTo>
+                  <a:pt x="421340" y="199464"/>
+                  <a:pt x="0" y="0"/>
+                  <a:pt x="0" y="0"/>
+                </a:cubicBezTo>
+                <a:lnTo>
+                  <a:pt x="0" y="0"/>
+                </a:lnTo>
+              </a:path>
+            </a:pathLst>
+          </a:custGeom>
+          <a:noFill/>
+          <a:ln w="38100">
+            <a:solidFill>
+              <a:schemeClr val="accent6">
+                <a:lumMod val="75000"/>
+              </a:schemeClr>
+            </a:solidFill>
+            <a:tailEnd type="triangle" w="lg" len="med"/>
+          </a:ln>
+        </p:spPr>
+        <p:style>
+          <a:lnRef idx="2">
+            <a:schemeClr val="accent1">
+              <a:shade val="50000"/>
+            </a:schemeClr>
+          </a:lnRef>
+          <a:fillRef idx="1">
+            <a:schemeClr val="accent1"/>
+          </a:fillRef>
+          <a:effectRef idx="0">
+            <a:schemeClr val="accent1"/>
+          </a:effectRef>
+          <a:fontRef idx="minor">
+            <a:schemeClr val="lt1"/>
+          </a:fontRef>
+        </p:style>
+        <p:txBody>
+          <a:bodyPr rtlCol="0" anchor="ctr"/>
+          <a:lstStyle/>
+          <a:p>
+            <a:pPr algn="ctr"/>
+            <a:endParaRPr lang="en-US"/>
+          </a:p>
+        </p:txBody>
+      </p:sp>
     </p:spTree>
     <p:extLst>
       <p:ext uri="{BB962C8B-B14F-4D97-AF65-F5344CB8AC3E}">

--- a/map.pptx
+++ b/map.pptx
@@ -6998,7 +6998,11 @@
           <a:p>
             <a:r>
               <a:rPr lang="en-US" b="1" smtClean="0"/>
-              <a:t>Oceanic Circulation</a:t>
+              <a:t>Ocean </a:t>
+            </a:r>
+            <a:r>
+              <a:rPr lang="en-US" b="1" smtClean="0"/>
+              <a:t>Circulation</a:t>
             </a:r>
             <a:endParaRPr lang="en-US" b="1"/>
           </a:p>
